--- a/Boulder-DevOps-Docker-Cassandra-Presentation.pptx
+++ b/Boulder-DevOps-Docker-Cassandra-Presentation.pptx
@@ -3,39 +3,35 @@
 <p:presentation xmlns:a="http://schemas.openxmlformats.org/drawingml/2006/main" xmlns:p="http://schemas.openxmlformats.org/presentationml/2006/main" xmlns:r="http://schemas.openxmlformats.org/officeDocument/2006/relationships">
   <p:sldMasterIdLst>
     <p:sldMasterId id="2147483648" r:id="rId2"/>
-    <p:sldMasterId id="2147483661" r:id="rId3"/>
-    <p:sldMasterId id="2147483674" r:id="rId4"/>
-    <p:sldMasterId id="2147483687" r:id="rId5"/>
-    <p:sldMasterId id="2147483700" r:id="rId6"/>
   </p:sldMasterIdLst>
   <p:sldIdLst>
-    <p:sldId id="256" r:id="rId7"/>
-    <p:sldId id="257" r:id="rId8"/>
-    <p:sldId id="258" r:id="rId9"/>
-    <p:sldId id="259" r:id="rId10"/>
-    <p:sldId id="260" r:id="rId11"/>
-    <p:sldId id="261" r:id="rId12"/>
-    <p:sldId id="262" r:id="rId13"/>
-    <p:sldId id="263" r:id="rId14"/>
-    <p:sldId id="264" r:id="rId15"/>
-    <p:sldId id="265" r:id="rId16"/>
-    <p:sldId id="266" r:id="rId17"/>
-    <p:sldId id="267" r:id="rId18"/>
-    <p:sldId id="268" r:id="rId19"/>
-    <p:sldId id="269" r:id="rId20"/>
-    <p:sldId id="270" r:id="rId21"/>
-    <p:sldId id="271" r:id="rId22"/>
-    <p:sldId id="272" r:id="rId23"/>
-    <p:sldId id="273" r:id="rId24"/>
-    <p:sldId id="274" r:id="rId25"/>
-    <p:sldId id="275" r:id="rId26"/>
-    <p:sldId id="276" r:id="rId27"/>
-    <p:sldId id="277" r:id="rId28"/>
-    <p:sldId id="278" r:id="rId29"/>
-    <p:sldId id="279" r:id="rId30"/>
-    <p:sldId id="280" r:id="rId31"/>
-    <p:sldId id="281" r:id="rId32"/>
-    <p:sldId id="282" r:id="rId33"/>
+    <p:sldId id="256" r:id="rId3"/>
+    <p:sldId id="257" r:id="rId4"/>
+    <p:sldId id="258" r:id="rId5"/>
+    <p:sldId id="259" r:id="rId6"/>
+    <p:sldId id="260" r:id="rId7"/>
+    <p:sldId id="261" r:id="rId8"/>
+    <p:sldId id="262" r:id="rId9"/>
+    <p:sldId id="263" r:id="rId10"/>
+    <p:sldId id="264" r:id="rId11"/>
+    <p:sldId id="265" r:id="rId12"/>
+    <p:sldId id="266" r:id="rId13"/>
+    <p:sldId id="267" r:id="rId14"/>
+    <p:sldId id="268" r:id="rId15"/>
+    <p:sldId id="269" r:id="rId16"/>
+    <p:sldId id="270" r:id="rId17"/>
+    <p:sldId id="271" r:id="rId18"/>
+    <p:sldId id="272" r:id="rId19"/>
+    <p:sldId id="273" r:id="rId20"/>
+    <p:sldId id="274" r:id="rId21"/>
+    <p:sldId id="275" r:id="rId22"/>
+    <p:sldId id="276" r:id="rId23"/>
+    <p:sldId id="277" r:id="rId24"/>
+    <p:sldId id="278" r:id="rId25"/>
+    <p:sldId id="279" r:id="rId26"/>
+    <p:sldId id="280" r:id="rId27"/>
+    <p:sldId id="281" r:id="rId28"/>
+    <p:sldId id="282" r:id="rId29"/>
   </p:sldIdLst>
   <p:sldSz cx="9144000" cy="5143500"/>
   <p:notesSz cx="7772400" cy="10058400"/>
@@ -419,505 +415,6 @@
 </p:sldLayout>
 </file>
 
-<file path=ppt/slideLayouts/slideLayout13.xml><?xml version="1.0" encoding="utf-8"?>
-<p:sldLayout xmlns:a="http://schemas.openxmlformats.org/drawingml/2006/main" xmlns:p="http://schemas.openxmlformats.org/presentationml/2006/main" xmlns:r="http://schemas.openxmlformats.org/officeDocument/2006/relationships" preserve="1" type="blank">
-  <p:cSld name="Blank Slide">
-    <p:spTree>
-      <p:nvGrpSpPr>
-        <p:cNvPr id="1" name=""/>
-        <p:cNvGrpSpPr/>
-        <p:nvPr/>
-      </p:nvGrpSpPr>
-      <p:grpSpPr>
-        <a:xfrm>
-          <a:off x="0" y="0"/>
-          <a:ext cx="0" cy="0"/>
-          <a:chOff x="0" y="0"/>
-          <a:chExt cx="0" cy="0"/>
-        </a:xfrm>
-      </p:grpSpPr>
-    </p:spTree>
-  </p:cSld>
-</p:sldLayout>
-</file>
-
-<file path=ppt/slideLayouts/slideLayout14.xml><?xml version="1.0" encoding="utf-8"?>
-<p:sldLayout xmlns:a="http://schemas.openxmlformats.org/drawingml/2006/main" xmlns:p="http://schemas.openxmlformats.org/presentationml/2006/main" xmlns:r="http://schemas.openxmlformats.org/officeDocument/2006/relationships" preserve="1" type="tx">
-  <p:cSld name="Title Slide">
-    <p:spTree>
-      <p:nvGrpSpPr>
-        <p:cNvPr id="1" name=""/>
-        <p:cNvGrpSpPr/>
-        <p:nvPr/>
-      </p:nvGrpSpPr>
-      <p:grpSpPr>
-        <a:xfrm>
-          <a:off x="0" y="0"/>
-          <a:ext cx="0" cy="0"/>
-          <a:chOff x="0" y="0"/>
-          <a:chExt cx="0" cy="0"/>
-        </a:xfrm>
-      </p:grpSpPr>
-      <p:sp>
-        <p:nvSpPr>
-          <p:cNvPr id="36" name="PlaceHolder 1"/>
-          <p:cNvSpPr>
-            <a:spLocks noGrp="1"/>
-          </p:cNvSpPr>
-          <p:nvPr>
-            <p:ph type="title"/>
-          </p:nvPr>
-        </p:nvSpPr>
-        <p:spPr>
-          <a:xfrm>
-            <a:off x="457200" y="205200"/>
-            <a:ext cx="8229240" cy="858960"/>
-          </a:xfrm>
-          <a:prstGeom prst="rect">
-            <a:avLst/>
-          </a:prstGeom>
-        </p:spPr>
-        <p:txBody>
-          <a:bodyPr anchor="ctr" bIns="0" lIns="0" rIns="0" tIns="0" wrap="none"/>
-          <a:p>
-            <a:pPr algn="ctr"/>
-            <a:endParaRPr/>
-          </a:p>
-        </p:txBody>
-      </p:sp>
-      <p:sp>
-        <p:nvSpPr>
-          <p:cNvPr id="37" name="PlaceHolder 2"/>
-          <p:cNvSpPr>
-            <a:spLocks noGrp="1"/>
-          </p:cNvSpPr>
-          <p:nvPr>
-            <p:ph type="subTitle"/>
-          </p:nvPr>
-        </p:nvSpPr>
-        <p:spPr>
-          <a:xfrm>
-            <a:off x="457200" y="1203480"/>
-            <a:ext cx="8046360" cy="2983320"/>
-          </a:xfrm>
-          <a:prstGeom prst="rect">
-            <a:avLst/>
-          </a:prstGeom>
-        </p:spPr>
-        <p:txBody>
-          <a:bodyPr anchor="ctr" bIns="0" lIns="0" rIns="0" tIns="0" wrap="none"/>
-          <a:p>
-            <a:pPr algn="ctr"/>
-            <a:endParaRPr/>
-          </a:p>
-        </p:txBody>
-      </p:sp>
-    </p:spTree>
-  </p:cSld>
-</p:sldLayout>
-</file>
-
-<file path=ppt/slideLayouts/slideLayout15.xml><?xml version="1.0" encoding="utf-8"?>
-<p:sldLayout xmlns:a="http://schemas.openxmlformats.org/drawingml/2006/main" xmlns:p="http://schemas.openxmlformats.org/presentationml/2006/main" xmlns:r="http://schemas.openxmlformats.org/officeDocument/2006/relationships" preserve="1" type="obj">
-  <p:cSld name="Title, Content">
-    <p:spTree>
-      <p:nvGrpSpPr>
-        <p:cNvPr id="1" name=""/>
-        <p:cNvGrpSpPr/>
-        <p:nvPr/>
-      </p:nvGrpSpPr>
-      <p:grpSpPr>
-        <a:xfrm>
-          <a:off x="0" y="0"/>
-          <a:ext cx="0" cy="0"/>
-          <a:chOff x="0" y="0"/>
-          <a:chExt cx="0" cy="0"/>
-        </a:xfrm>
-      </p:grpSpPr>
-      <p:sp>
-        <p:nvSpPr>
-          <p:cNvPr id="38" name="PlaceHolder 1"/>
-          <p:cNvSpPr>
-            <a:spLocks noGrp="1"/>
-          </p:cNvSpPr>
-          <p:nvPr>
-            <p:ph type="title"/>
-          </p:nvPr>
-        </p:nvSpPr>
-        <p:spPr>
-          <a:xfrm>
-            <a:off x="457200" y="205200"/>
-            <a:ext cx="8229240" cy="858960"/>
-          </a:xfrm>
-          <a:prstGeom prst="rect">
-            <a:avLst/>
-          </a:prstGeom>
-        </p:spPr>
-        <p:txBody>
-          <a:bodyPr anchor="ctr" bIns="0" lIns="0" rIns="0" tIns="0" wrap="none"/>
-          <a:p>
-            <a:pPr algn="ctr"/>
-            <a:endParaRPr/>
-          </a:p>
-        </p:txBody>
-      </p:sp>
-      <p:sp>
-        <p:nvSpPr>
-          <p:cNvPr id="39" name="PlaceHolder 2"/>
-          <p:cNvSpPr>
-            <a:spLocks noGrp="1"/>
-          </p:cNvSpPr>
-          <p:nvPr>
-            <p:ph type="body"/>
-          </p:nvPr>
-        </p:nvSpPr>
-        <p:spPr>
-          <a:xfrm>
-            <a:off x="457200" y="1203480"/>
-            <a:ext cx="8046360" cy="2982960"/>
-          </a:xfrm>
-          <a:prstGeom prst="rect">
-            <a:avLst/>
-          </a:prstGeom>
-        </p:spPr>
-        <p:txBody>
-          <a:bodyPr bIns="0" lIns="0" rIns="0" tIns="0" wrap="none"/>
-          <a:p>
-            <a:endParaRPr/>
-          </a:p>
-        </p:txBody>
-      </p:sp>
-    </p:spTree>
-  </p:cSld>
-</p:sldLayout>
-</file>
-
-<file path=ppt/slideLayouts/slideLayout16.xml><?xml version="1.0" encoding="utf-8"?>
-<p:sldLayout xmlns:a="http://schemas.openxmlformats.org/drawingml/2006/main" xmlns:p="http://schemas.openxmlformats.org/presentationml/2006/main" xmlns:r="http://schemas.openxmlformats.org/officeDocument/2006/relationships" preserve="1" type="twoObj">
-  <p:cSld name="Title, 2 Content">
-    <p:spTree>
-      <p:nvGrpSpPr>
-        <p:cNvPr id="1" name=""/>
-        <p:cNvGrpSpPr/>
-        <p:nvPr/>
-      </p:nvGrpSpPr>
-      <p:grpSpPr>
-        <a:xfrm>
-          <a:off x="0" y="0"/>
-          <a:ext cx="0" cy="0"/>
-          <a:chOff x="0" y="0"/>
-          <a:chExt cx="0" cy="0"/>
-        </a:xfrm>
-      </p:grpSpPr>
-      <p:sp>
-        <p:nvSpPr>
-          <p:cNvPr id="40" name="PlaceHolder 1"/>
-          <p:cNvSpPr>
-            <a:spLocks noGrp="1"/>
-          </p:cNvSpPr>
-          <p:nvPr>
-            <p:ph type="title"/>
-          </p:nvPr>
-        </p:nvSpPr>
-        <p:spPr>
-          <a:xfrm>
-            <a:off x="457200" y="205200"/>
-            <a:ext cx="8229240" cy="858960"/>
-          </a:xfrm>
-          <a:prstGeom prst="rect">
-            <a:avLst/>
-          </a:prstGeom>
-        </p:spPr>
-        <p:txBody>
-          <a:bodyPr anchor="ctr" bIns="0" lIns="0" rIns="0" tIns="0" wrap="none"/>
-          <a:p>
-            <a:pPr algn="ctr"/>
-            <a:endParaRPr/>
-          </a:p>
-        </p:txBody>
-      </p:sp>
-      <p:sp>
-        <p:nvSpPr>
-          <p:cNvPr id="41" name="PlaceHolder 2"/>
-          <p:cNvSpPr>
-            <a:spLocks noGrp="1"/>
-          </p:cNvSpPr>
-          <p:nvPr>
-            <p:ph type="body"/>
-          </p:nvPr>
-        </p:nvSpPr>
-        <p:spPr>
-          <a:xfrm>
-            <a:off x="457200" y="1203480"/>
-            <a:ext cx="3926160" cy="2982960"/>
-          </a:xfrm>
-          <a:prstGeom prst="rect">
-            <a:avLst/>
-          </a:prstGeom>
-        </p:spPr>
-        <p:txBody>
-          <a:bodyPr bIns="0" lIns="0" rIns="0" tIns="0" wrap="none"/>
-          <a:p>
-            <a:endParaRPr/>
-          </a:p>
-        </p:txBody>
-      </p:sp>
-      <p:sp>
-        <p:nvSpPr>
-          <p:cNvPr id="42" name="PlaceHolder 3"/>
-          <p:cNvSpPr>
-            <a:spLocks noGrp="1"/>
-          </p:cNvSpPr>
-          <p:nvPr>
-            <p:ph type="body"/>
-          </p:nvPr>
-        </p:nvSpPr>
-        <p:spPr>
-          <a:xfrm>
-            <a:off x="4579920" y="1203480"/>
-            <a:ext cx="3926160" cy="2982960"/>
-          </a:xfrm>
-          <a:prstGeom prst="rect">
-            <a:avLst/>
-          </a:prstGeom>
-        </p:spPr>
-        <p:txBody>
-          <a:bodyPr bIns="0" lIns="0" rIns="0" tIns="0" wrap="none"/>
-          <a:p>
-            <a:endParaRPr/>
-          </a:p>
-        </p:txBody>
-      </p:sp>
-    </p:spTree>
-  </p:cSld>
-</p:sldLayout>
-</file>
-
-<file path=ppt/slideLayouts/slideLayout17.xml><?xml version="1.0" encoding="utf-8"?>
-<p:sldLayout xmlns:a="http://schemas.openxmlformats.org/drawingml/2006/main" xmlns:p="http://schemas.openxmlformats.org/presentationml/2006/main" xmlns:r="http://schemas.openxmlformats.org/officeDocument/2006/relationships" preserve="1" type="titleOnly">
-  <p:cSld name="Title Only">
-    <p:spTree>
-      <p:nvGrpSpPr>
-        <p:cNvPr id="1" name=""/>
-        <p:cNvGrpSpPr/>
-        <p:nvPr/>
-      </p:nvGrpSpPr>
-      <p:grpSpPr>
-        <a:xfrm>
-          <a:off x="0" y="0"/>
-          <a:ext cx="0" cy="0"/>
-          <a:chOff x="0" y="0"/>
-          <a:chExt cx="0" cy="0"/>
-        </a:xfrm>
-      </p:grpSpPr>
-      <p:sp>
-        <p:nvSpPr>
-          <p:cNvPr id="43" name="PlaceHolder 1"/>
-          <p:cNvSpPr>
-            <a:spLocks noGrp="1"/>
-          </p:cNvSpPr>
-          <p:nvPr>
-            <p:ph type="title"/>
-          </p:nvPr>
-        </p:nvSpPr>
-        <p:spPr>
-          <a:xfrm>
-            <a:off x="457200" y="205200"/>
-            <a:ext cx="8229240" cy="858960"/>
-          </a:xfrm>
-          <a:prstGeom prst="rect">
-            <a:avLst/>
-          </a:prstGeom>
-        </p:spPr>
-        <p:txBody>
-          <a:bodyPr anchor="ctr" bIns="0" lIns="0" rIns="0" tIns="0" wrap="none"/>
-          <a:p>
-            <a:pPr algn="ctr"/>
-            <a:endParaRPr/>
-          </a:p>
-        </p:txBody>
-      </p:sp>
-    </p:spTree>
-  </p:cSld>
-</p:sldLayout>
-</file>
-
-<file path=ppt/slideLayouts/slideLayout18.xml><?xml version="1.0" encoding="utf-8"?>
-<p:sldLayout xmlns:a="http://schemas.openxmlformats.org/drawingml/2006/main" xmlns:p="http://schemas.openxmlformats.org/presentationml/2006/main" xmlns:r="http://schemas.openxmlformats.org/officeDocument/2006/relationships" preserve="1" type="objOnly">
-  <p:cSld name="Centered Text">
-    <p:spTree>
-      <p:nvGrpSpPr>
-        <p:cNvPr id="1" name=""/>
-        <p:cNvGrpSpPr/>
-        <p:nvPr/>
-      </p:nvGrpSpPr>
-      <p:grpSpPr>
-        <a:xfrm>
-          <a:off x="0" y="0"/>
-          <a:ext cx="0" cy="0"/>
-          <a:chOff x="0" y="0"/>
-          <a:chExt cx="0" cy="0"/>
-        </a:xfrm>
-      </p:grpSpPr>
-      <p:sp>
-        <p:nvSpPr>
-          <p:cNvPr id="44" name="PlaceHolder 1"/>
-          <p:cNvSpPr>
-            <a:spLocks noGrp="1"/>
-          </p:cNvSpPr>
-          <p:nvPr>
-            <p:ph type="subTitle"/>
-          </p:nvPr>
-        </p:nvSpPr>
-        <p:spPr>
-          <a:xfrm>
-            <a:off x="457200" y="205200"/>
-            <a:ext cx="8229240" cy="3981240"/>
-          </a:xfrm>
-          <a:prstGeom prst="rect">
-            <a:avLst/>
-          </a:prstGeom>
-        </p:spPr>
-        <p:txBody>
-          <a:bodyPr anchor="ctr" bIns="0" lIns="0" rIns="0" tIns="0" wrap="none"/>
-          <a:p>
-            <a:pPr algn="ctr"/>
-            <a:endParaRPr/>
-          </a:p>
-        </p:txBody>
-      </p:sp>
-    </p:spTree>
-  </p:cSld>
-</p:sldLayout>
-</file>
-
-<file path=ppt/slideLayouts/slideLayout19.xml><?xml version="1.0" encoding="utf-8"?>
-<p:sldLayout xmlns:a="http://schemas.openxmlformats.org/drawingml/2006/main" xmlns:p="http://schemas.openxmlformats.org/presentationml/2006/main" xmlns:r="http://schemas.openxmlformats.org/officeDocument/2006/relationships" preserve="1" type="twoObjAndObj">
-  <p:cSld name="Title, 2 Content and Content">
-    <p:spTree>
-      <p:nvGrpSpPr>
-        <p:cNvPr id="1" name=""/>
-        <p:cNvGrpSpPr/>
-        <p:nvPr/>
-      </p:nvGrpSpPr>
-      <p:grpSpPr>
-        <a:xfrm>
-          <a:off x="0" y="0"/>
-          <a:ext cx="0" cy="0"/>
-          <a:chOff x="0" y="0"/>
-          <a:chExt cx="0" cy="0"/>
-        </a:xfrm>
-      </p:grpSpPr>
-      <p:sp>
-        <p:nvSpPr>
-          <p:cNvPr id="45" name="PlaceHolder 1"/>
-          <p:cNvSpPr>
-            <a:spLocks noGrp="1"/>
-          </p:cNvSpPr>
-          <p:nvPr>
-            <p:ph type="title"/>
-          </p:nvPr>
-        </p:nvSpPr>
-        <p:spPr>
-          <a:xfrm>
-            <a:off x="457200" y="205200"/>
-            <a:ext cx="8229240" cy="858960"/>
-          </a:xfrm>
-          <a:prstGeom prst="rect">
-            <a:avLst/>
-          </a:prstGeom>
-        </p:spPr>
-        <p:txBody>
-          <a:bodyPr anchor="ctr" bIns="0" lIns="0" rIns="0" tIns="0" wrap="none"/>
-          <a:p>
-            <a:pPr algn="ctr"/>
-            <a:endParaRPr/>
-          </a:p>
-        </p:txBody>
-      </p:sp>
-      <p:sp>
-        <p:nvSpPr>
-          <p:cNvPr id="46" name="PlaceHolder 2"/>
-          <p:cNvSpPr>
-            <a:spLocks noGrp="1"/>
-          </p:cNvSpPr>
-          <p:nvPr>
-            <p:ph type="body"/>
-          </p:nvPr>
-        </p:nvSpPr>
-        <p:spPr>
-          <a:xfrm>
-            <a:off x="457200" y="1203480"/>
-            <a:ext cx="3926160" cy="1422360"/>
-          </a:xfrm>
-          <a:prstGeom prst="rect">
-            <a:avLst/>
-          </a:prstGeom>
-        </p:spPr>
-        <p:txBody>
-          <a:bodyPr bIns="0" lIns="0" rIns="0" tIns="0" wrap="none"/>
-          <a:p>
-            <a:endParaRPr/>
-          </a:p>
-        </p:txBody>
-      </p:sp>
-      <p:sp>
-        <p:nvSpPr>
-          <p:cNvPr id="47" name="PlaceHolder 3"/>
-          <p:cNvSpPr>
-            <a:spLocks noGrp="1"/>
-          </p:cNvSpPr>
-          <p:nvPr>
-            <p:ph type="body"/>
-          </p:nvPr>
-        </p:nvSpPr>
-        <p:spPr>
-          <a:xfrm>
-            <a:off x="457200" y="2761200"/>
-            <a:ext cx="3926160" cy="1422360"/>
-          </a:xfrm>
-          <a:prstGeom prst="rect">
-            <a:avLst/>
-          </a:prstGeom>
-        </p:spPr>
-        <p:txBody>
-          <a:bodyPr bIns="0" lIns="0" rIns="0" tIns="0" wrap="none"/>
-          <a:p>
-            <a:endParaRPr/>
-          </a:p>
-        </p:txBody>
-      </p:sp>
-      <p:sp>
-        <p:nvSpPr>
-          <p:cNvPr id="48" name="PlaceHolder 4"/>
-          <p:cNvSpPr>
-            <a:spLocks noGrp="1"/>
-          </p:cNvSpPr>
-          <p:nvPr>
-            <p:ph type="body"/>
-          </p:nvPr>
-        </p:nvSpPr>
-        <p:spPr>
-          <a:xfrm>
-            <a:off x="4579920" y="1203480"/>
-            <a:ext cx="3926160" cy="2982960"/>
-          </a:xfrm>
-          <a:prstGeom prst="rect">
-            <a:avLst/>
-          </a:prstGeom>
-        </p:spPr>
-        <p:txBody>
-          <a:bodyPr bIns="0" lIns="0" rIns="0" tIns="0" wrap="none"/>
-          <a:p>
-            <a:endParaRPr/>
-          </a:p>
-        </p:txBody>
-      </p:sp>
-    </p:spTree>
-  </p:cSld>
-</p:sldLayout>
-</file>
-
 <file path=ppt/slideLayouts/slideLayout2.xml><?xml version="1.0" encoding="utf-8"?>
 <p:sldLayout xmlns:a="http://schemas.openxmlformats.org/drawingml/2006/main" xmlns:p="http://schemas.openxmlformats.org/presentationml/2006/main" xmlns:r="http://schemas.openxmlformats.org/officeDocument/2006/relationships" preserve="1" type="tx">
   <p:cSld name="Title Slide">
@@ -976,938 +473,6 @@
           <a:xfrm>
             <a:off x="457200" y="1203480"/>
             <a:ext cx="8046360" cy="2983320"/>
-          </a:xfrm>
-          <a:prstGeom prst="rect">
-            <a:avLst/>
-          </a:prstGeom>
-        </p:spPr>
-        <p:txBody>
-          <a:bodyPr anchor="ctr" bIns="0" lIns="0" rIns="0" tIns="0" wrap="none"/>
-          <a:p>
-            <a:pPr algn="ctr"/>
-            <a:endParaRPr/>
-          </a:p>
-        </p:txBody>
-      </p:sp>
-    </p:spTree>
-  </p:cSld>
-</p:sldLayout>
-</file>
-
-<file path=ppt/slideLayouts/slideLayout20.xml><?xml version="1.0" encoding="utf-8"?>
-<p:sldLayout xmlns:a="http://schemas.openxmlformats.org/drawingml/2006/main" xmlns:p="http://schemas.openxmlformats.org/presentationml/2006/main" xmlns:r="http://schemas.openxmlformats.org/officeDocument/2006/relationships" preserve="1" type="objAndTwoObj">
-  <p:cSld name="Title Content and 2 Content">
-    <p:spTree>
-      <p:nvGrpSpPr>
-        <p:cNvPr id="1" name=""/>
-        <p:cNvGrpSpPr/>
-        <p:nvPr/>
-      </p:nvGrpSpPr>
-      <p:grpSpPr>
-        <a:xfrm>
-          <a:off x="0" y="0"/>
-          <a:ext cx="0" cy="0"/>
-          <a:chOff x="0" y="0"/>
-          <a:chExt cx="0" cy="0"/>
-        </a:xfrm>
-      </p:grpSpPr>
-      <p:sp>
-        <p:nvSpPr>
-          <p:cNvPr id="49" name="PlaceHolder 1"/>
-          <p:cNvSpPr>
-            <a:spLocks noGrp="1"/>
-          </p:cNvSpPr>
-          <p:nvPr>
-            <p:ph type="title"/>
-          </p:nvPr>
-        </p:nvSpPr>
-        <p:spPr>
-          <a:xfrm>
-            <a:off x="457200" y="205200"/>
-            <a:ext cx="8229240" cy="858960"/>
-          </a:xfrm>
-          <a:prstGeom prst="rect">
-            <a:avLst/>
-          </a:prstGeom>
-        </p:spPr>
-        <p:txBody>
-          <a:bodyPr anchor="ctr" bIns="0" lIns="0" rIns="0" tIns="0" wrap="none"/>
-          <a:p>
-            <a:pPr algn="ctr"/>
-            <a:endParaRPr/>
-          </a:p>
-        </p:txBody>
-      </p:sp>
-      <p:sp>
-        <p:nvSpPr>
-          <p:cNvPr id="50" name="PlaceHolder 2"/>
-          <p:cNvSpPr>
-            <a:spLocks noGrp="1"/>
-          </p:cNvSpPr>
-          <p:nvPr>
-            <p:ph type="body"/>
-          </p:nvPr>
-        </p:nvSpPr>
-        <p:spPr>
-          <a:xfrm>
-            <a:off x="457200" y="1203480"/>
-            <a:ext cx="3926160" cy="2982960"/>
-          </a:xfrm>
-          <a:prstGeom prst="rect">
-            <a:avLst/>
-          </a:prstGeom>
-        </p:spPr>
-        <p:txBody>
-          <a:bodyPr bIns="0" lIns="0" rIns="0" tIns="0" wrap="none"/>
-          <a:p>
-            <a:endParaRPr/>
-          </a:p>
-        </p:txBody>
-      </p:sp>
-      <p:sp>
-        <p:nvSpPr>
-          <p:cNvPr id="51" name="PlaceHolder 3"/>
-          <p:cNvSpPr>
-            <a:spLocks noGrp="1"/>
-          </p:cNvSpPr>
-          <p:nvPr>
-            <p:ph type="body"/>
-          </p:nvPr>
-        </p:nvSpPr>
-        <p:spPr>
-          <a:xfrm>
-            <a:off x="4579920" y="1203480"/>
-            <a:ext cx="3926160" cy="1422360"/>
-          </a:xfrm>
-          <a:prstGeom prst="rect">
-            <a:avLst/>
-          </a:prstGeom>
-        </p:spPr>
-        <p:txBody>
-          <a:bodyPr bIns="0" lIns="0" rIns="0" tIns="0" wrap="none"/>
-          <a:p>
-            <a:endParaRPr/>
-          </a:p>
-        </p:txBody>
-      </p:sp>
-      <p:sp>
-        <p:nvSpPr>
-          <p:cNvPr id="52" name="PlaceHolder 4"/>
-          <p:cNvSpPr>
-            <a:spLocks noGrp="1"/>
-          </p:cNvSpPr>
-          <p:nvPr>
-            <p:ph type="body"/>
-          </p:nvPr>
-        </p:nvSpPr>
-        <p:spPr>
-          <a:xfrm>
-            <a:off x="4579920" y="2761200"/>
-            <a:ext cx="3926160" cy="1422360"/>
-          </a:xfrm>
-          <a:prstGeom prst="rect">
-            <a:avLst/>
-          </a:prstGeom>
-        </p:spPr>
-        <p:txBody>
-          <a:bodyPr bIns="0" lIns="0" rIns="0" tIns="0" wrap="none"/>
-          <a:p>
-            <a:endParaRPr/>
-          </a:p>
-        </p:txBody>
-      </p:sp>
-    </p:spTree>
-  </p:cSld>
-</p:sldLayout>
-</file>
-
-<file path=ppt/slideLayouts/slideLayout21.xml><?xml version="1.0" encoding="utf-8"?>
-<p:sldLayout xmlns:a="http://schemas.openxmlformats.org/drawingml/2006/main" xmlns:p="http://schemas.openxmlformats.org/presentationml/2006/main" xmlns:r="http://schemas.openxmlformats.org/officeDocument/2006/relationships" preserve="1" type="twoObjOverTx">
-  <p:cSld name="Title, 2 Content over Content">
-    <p:spTree>
-      <p:nvGrpSpPr>
-        <p:cNvPr id="1" name=""/>
-        <p:cNvGrpSpPr/>
-        <p:nvPr/>
-      </p:nvGrpSpPr>
-      <p:grpSpPr>
-        <a:xfrm>
-          <a:off x="0" y="0"/>
-          <a:ext cx="0" cy="0"/>
-          <a:chOff x="0" y="0"/>
-          <a:chExt cx="0" cy="0"/>
-        </a:xfrm>
-      </p:grpSpPr>
-      <p:sp>
-        <p:nvSpPr>
-          <p:cNvPr id="53" name="PlaceHolder 1"/>
-          <p:cNvSpPr>
-            <a:spLocks noGrp="1"/>
-          </p:cNvSpPr>
-          <p:nvPr>
-            <p:ph type="title"/>
-          </p:nvPr>
-        </p:nvSpPr>
-        <p:spPr>
-          <a:xfrm>
-            <a:off x="457200" y="205200"/>
-            <a:ext cx="8229240" cy="858960"/>
-          </a:xfrm>
-          <a:prstGeom prst="rect">
-            <a:avLst/>
-          </a:prstGeom>
-        </p:spPr>
-        <p:txBody>
-          <a:bodyPr anchor="ctr" bIns="0" lIns="0" rIns="0" tIns="0" wrap="none"/>
-          <a:p>
-            <a:pPr algn="ctr"/>
-            <a:endParaRPr/>
-          </a:p>
-        </p:txBody>
-      </p:sp>
-      <p:sp>
-        <p:nvSpPr>
-          <p:cNvPr id="54" name="PlaceHolder 2"/>
-          <p:cNvSpPr>
-            <a:spLocks noGrp="1"/>
-          </p:cNvSpPr>
-          <p:nvPr>
-            <p:ph type="body"/>
-          </p:nvPr>
-        </p:nvSpPr>
-        <p:spPr>
-          <a:xfrm>
-            <a:off x="457200" y="1203480"/>
-            <a:ext cx="3926160" cy="1422360"/>
-          </a:xfrm>
-          <a:prstGeom prst="rect">
-            <a:avLst/>
-          </a:prstGeom>
-        </p:spPr>
-        <p:txBody>
-          <a:bodyPr bIns="0" lIns="0" rIns="0" tIns="0" wrap="none"/>
-          <a:p>
-            <a:endParaRPr/>
-          </a:p>
-        </p:txBody>
-      </p:sp>
-      <p:sp>
-        <p:nvSpPr>
-          <p:cNvPr id="55" name="PlaceHolder 3"/>
-          <p:cNvSpPr>
-            <a:spLocks noGrp="1"/>
-          </p:cNvSpPr>
-          <p:nvPr>
-            <p:ph type="body"/>
-          </p:nvPr>
-        </p:nvSpPr>
-        <p:spPr>
-          <a:xfrm>
-            <a:off x="4579920" y="1203480"/>
-            <a:ext cx="3926160" cy="1422360"/>
-          </a:xfrm>
-          <a:prstGeom prst="rect">
-            <a:avLst/>
-          </a:prstGeom>
-        </p:spPr>
-        <p:txBody>
-          <a:bodyPr bIns="0" lIns="0" rIns="0" tIns="0" wrap="none"/>
-          <a:p>
-            <a:endParaRPr/>
-          </a:p>
-        </p:txBody>
-      </p:sp>
-      <p:sp>
-        <p:nvSpPr>
-          <p:cNvPr id="56" name="PlaceHolder 4"/>
-          <p:cNvSpPr>
-            <a:spLocks noGrp="1"/>
-          </p:cNvSpPr>
-          <p:nvPr>
-            <p:ph type="body"/>
-          </p:nvPr>
-        </p:nvSpPr>
-        <p:spPr>
-          <a:xfrm>
-            <a:off x="457200" y="2761200"/>
-            <a:ext cx="8045640" cy="1422360"/>
-          </a:xfrm>
-          <a:prstGeom prst="rect">
-            <a:avLst/>
-          </a:prstGeom>
-        </p:spPr>
-        <p:txBody>
-          <a:bodyPr bIns="0" lIns="0" rIns="0" tIns="0" wrap="none"/>
-          <a:p>
-            <a:endParaRPr/>
-          </a:p>
-        </p:txBody>
-      </p:sp>
-    </p:spTree>
-  </p:cSld>
-</p:sldLayout>
-</file>
-
-<file path=ppt/slideLayouts/slideLayout22.xml><?xml version="1.0" encoding="utf-8"?>
-<p:sldLayout xmlns:a="http://schemas.openxmlformats.org/drawingml/2006/main" xmlns:p="http://schemas.openxmlformats.org/presentationml/2006/main" xmlns:r="http://schemas.openxmlformats.org/officeDocument/2006/relationships" preserve="1" type="objOverTx">
-  <p:cSld name="Title, Content over Content">
-    <p:spTree>
-      <p:nvGrpSpPr>
-        <p:cNvPr id="1" name=""/>
-        <p:cNvGrpSpPr/>
-        <p:nvPr/>
-      </p:nvGrpSpPr>
-      <p:grpSpPr>
-        <a:xfrm>
-          <a:off x="0" y="0"/>
-          <a:ext cx="0" cy="0"/>
-          <a:chOff x="0" y="0"/>
-          <a:chExt cx="0" cy="0"/>
-        </a:xfrm>
-      </p:grpSpPr>
-      <p:sp>
-        <p:nvSpPr>
-          <p:cNvPr id="57" name="PlaceHolder 1"/>
-          <p:cNvSpPr>
-            <a:spLocks noGrp="1"/>
-          </p:cNvSpPr>
-          <p:nvPr>
-            <p:ph type="title"/>
-          </p:nvPr>
-        </p:nvSpPr>
-        <p:spPr>
-          <a:xfrm>
-            <a:off x="457200" y="205200"/>
-            <a:ext cx="8229240" cy="858960"/>
-          </a:xfrm>
-          <a:prstGeom prst="rect">
-            <a:avLst/>
-          </a:prstGeom>
-        </p:spPr>
-        <p:txBody>
-          <a:bodyPr anchor="ctr" bIns="0" lIns="0" rIns="0" tIns="0" wrap="none"/>
-          <a:p>
-            <a:pPr algn="ctr"/>
-            <a:endParaRPr/>
-          </a:p>
-        </p:txBody>
-      </p:sp>
-      <p:sp>
-        <p:nvSpPr>
-          <p:cNvPr id="58" name="PlaceHolder 2"/>
-          <p:cNvSpPr>
-            <a:spLocks noGrp="1"/>
-          </p:cNvSpPr>
-          <p:nvPr>
-            <p:ph type="body"/>
-          </p:nvPr>
-        </p:nvSpPr>
-        <p:spPr>
-          <a:xfrm>
-            <a:off x="457200" y="1203480"/>
-            <a:ext cx="8046360" cy="1422360"/>
-          </a:xfrm>
-          <a:prstGeom prst="rect">
-            <a:avLst/>
-          </a:prstGeom>
-        </p:spPr>
-        <p:txBody>
-          <a:bodyPr bIns="0" lIns="0" rIns="0" tIns="0" wrap="none"/>
-          <a:p>
-            <a:endParaRPr/>
-          </a:p>
-        </p:txBody>
-      </p:sp>
-      <p:sp>
-        <p:nvSpPr>
-          <p:cNvPr id="59" name="PlaceHolder 3"/>
-          <p:cNvSpPr>
-            <a:spLocks noGrp="1"/>
-          </p:cNvSpPr>
-          <p:nvPr>
-            <p:ph type="body"/>
-          </p:nvPr>
-        </p:nvSpPr>
-        <p:spPr>
-          <a:xfrm>
-            <a:off x="457200" y="2761200"/>
-            <a:ext cx="8046360" cy="1422360"/>
-          </a:xfrm>
-          <a:prstGeom prst="rect">
-            <a:avLst/>
-          </a:prstGeom>
-        </p:spPr>
-        <p:txBody>
-          <a:bodyPr bIns="0" lIns="0" rIns="0" tIns="0" wrap="none"/>
-          <a:p>
-            <a:endParaRPr/>
-          </a:p>
-        </p:txBody>
-      </p:sp>
-    </p:spTree>
-  </p:cSld>
-</p:sldLayout>
-</file>
-
-<file path=ppt/slideLayouts/slideLayout23.xml><?xml version="1.0" encoding="utf-8"?>
-<p:sldLayout xmlns:a="http://schemas.openxmlformats.org/drawingml/2006/main" xmlns:p="http://schemas.openxmlformats.org/presentationml/2006/main" xmlns:r="http://schemas.openxmlformats.org/officeDocument/2006/relationships" preserve="1" type="fourObj">
-  <p:cSld name="Title, 4 Content">
-    <p:spTree>
-      <p:nvGrpSpPr>
-        <p:cNvPr id="1" name=""/>
-        <p:cNvGrpSpPr/>
-        <p:nvPr/>
-      </p:nvGrpSpPr>
-      <p:grpSpPr>
-        <a:xfrm>
-          <a:off x="0" y="0"/>
-          <a:ext cx="0" cy="0"/>
-          <a:chOff x="0" y="0"/>
-          <a:chExt cx="0" cy="0"/>
-        </a:xfrm>
-      </p:grpSpPr>
-      <p:sp>
-        <p:nvSpPr>
-          <p:cNvPr id="60" name="PlaceHolder 1"/>
-          <p:cNvSpPr>
-            <a:spLocks noGrp="1"/>
-          </p:cNvSpPr>
-          <p:nvPr>
-            <p:ph type="title"/>
-          </p:nvPr>
-        </p:nvSpPr>
-        <p:spPr>
-          <a:xfrm>
-            <a:off x="457200" y="205200"/>
-            <a:ext cx="8229240" cy="858960"/>
-          </a:xfrm>
-          <a:prstGeom prst="rect">
-            <a:avLst/>
-          </a:prstGeom>
-        </p:spPr>
-        <p:txBody>
-          <a:bodyPr anchor="ctr" bIns="0" lIns="0" rIns="0" tIns="0" wrap="none"/>
-          <a:p>
-            <a:pPr algn="ctr"/>
-            <a:endParaRPr/>
-          </a:p>
-        </p:txBody>
-      </p:sp>
-      <p:sp>
-        <p:nvSpPr>
-          <p:cNvPr id="61" name="PlaceHolder 2"/>
-          <p:cNvSpPr>
-            <a:spLocks noGrp="1"/>
-          </p:cNvSpPr>
-          <p:nvPr>
-            <p:ph type="body"/>
-          </p:nvPr>
-        </p:nvSpPr>
-        <p:spPr>
-          <a:xfrm>
-            <a:off x="457200" y="1203480"/>
-            <a:ext cx="3926160" cy="1422360"/>
-          </a:xfrm>
-          <a:prstGeom prst="rect">
-            <a:avLst/>
-          </a:prstGeom>
-        </p:spPr>
-        <p:txBody>
-          <a:bodyPr bIns="0" lIns="0" rIns="0" tIns="0" wrap="none"/>
-          <a:p>
-            <a:endParaRPr/>
-          </a:p>
-        </p:txBody>
-      </p:sp>
-      <p:sp>
-        <p:nvSpPr>
-          <p:cNvPr id="62" name="PlaceHolder 3"/>
-          <p:cNvSpPr>
-            <a:spLocks noGrp="1"/>
-          </p:cNvSpPr>
-          <p:nvPr>
-            <p:ph type="body"/>
-          </p:nvPr>
-        </p:nvSpPr>
-        <p:spPr>
-          <a:xfrm>
-            <a:off x="4579920" y="1203480"/>
-            <a:ext cx="3926160" cy="1422360"/>
-          </a:xfrm>
-          <a:prstGeom prst="rect">
-            <a:avLst/>
-          </a:prstGeom>
-        </p:spPr>
-        <p:txBody>
-          <a:bodyPr bIns="0" lIns="0" rIns="0" tIns="0" wrap="none"/>
-          <a:p>
-            <a:endParaRPr/>
-          </a:p>
-        </p:txBody>
-      </p:sp>
-      <p:sp>
-        <p:nvSpPr>
-          <p:cNvPr id="63" name="PlaceHolder 4"/>
-          <p:cNvSpPr>
-            <a:spLocks noGrp="1"/>
-          </p:cNvSpPr>
-          <p:nvPr>
-            <p:ph type="body"/>
-          </p:nvPr>
-        </p:nvSpPr>
-        <p:spPr>
-          <a:xfrm>
-            <a:off x="4579920" y="2761200"/>
-            <a:ext cx="3926160" cy="1422360"/>
-          </a:xfrm>
-          <a:prstGeom prst="rect">
-            <a:avLst/>
-          </a:prstGeom>
-        </p:spPr>
-        <p:txBody>
-          <a:bodyPr bIns="0" lIns="0" rIns="0" tIns="0" wrap="none"/>
-          <a:p>
-            <a:endParaRPr/>
-          </a:p>
-        </p:txBody>
-      </p:sp>
-      <p:sp>
-        <p:nvSpPr>
-          <p:cNvPr id="64" name="PlaceHolder 5"/>
-          <p:cNvSpPr>
-            <a:spLocks noGrp="1"/>
-          </p:cNvSpPr>
-          <p:nvPr>
-            <p:ph type="body"/>
-          </p:nvPr>
-        </p:nvSpPr>
-        <p:spPr>
-          <a:xfrm>
-            <a:off x="457200" y="2761200"/>
-            <a:ext cx="3926160" cy="1422360"/>
-          </a:xfrm>
-          <a:prstGeom prst="rect">
-            <a:avLst/>
-          </a:prstGeom>
-        </p:spPr>
-        <p:txBody>
-          <a:bodyPr bIns="0" lIns="0" rIns="0" tIns="0" wrap="none"/>
-          <a:p>
-            <a:endParaRPr/>
-          </a:p>
-        </p:txBody>
-      </p:sp>
-    </p:spTree>
-  </p:cSld>
-</p:sldLayout>
-</file>
-
-<file path=ppt/slideLayouts/slideLayout24.xml><?xml version="1.0" encoding="utf-8"?>
-<p:sldLayout xmlns:a="http://schemas.openxmlformats.org/drawingml/2006/main" xmlns:p="http://schemas.openxmlformats.org/presentationml/2006/main" xmlns:r="http://schemas.openxmlformats.org/officeDocument/2006/relationships" preserve="1" type="blank">
-  <p:cSld name="Title, 6 Content">
-    <p:spTree>
-      <p:nvGrpSpPr>
-        <p:cNvPr id="1" name=""/>
-        <p:cNvGrpSpPr/>
-        <p:nvPr/>
-      </p:nvGrpSpPr>
-      <p:grpSpPr>
-        <a:xfrm>
-          <a:off x="0" y="0"/>
-          <a:ext cx="0" cy="0"/>
-          <a:chOff x="0" y="0"/>
-          <a:chExt cx="0" cy="0"/>
-        </a:xfrm>
-      </p:grpSpPr>
-      <p:sp>
-        <p:nvSpPr>
-          <p:cNvPr id="65" name="PlaceHolder 1"/>
-          <p:cNvSpPr>
-            <a:spLocks noGrp="1"/>
-          </p:cNvSpPr>
-          <p:nvPr>
-            <p:ph type="title"/>
-          </p:nvPr>
-        </p:nvSpPr>
-        <p:spPr>
-          <a:xfrm>
-            <a:off x="457200" y="205200"/>
-            <a:ext cx="8229240" cy="858960"/>
-          </a:xfrm>
-          <a:prstGeom prst="rect">
-            <a:avLst/>
-          </a:prstGeom>
-        </p:spPr>
-        <p:txBody>
-          <a:bodyPr anchor="ctr" bIns="0" lIns="0" rIns="0" tIns="0" wrap="none"/>
-          <a:p>
-            <a:pPr algn="ctr"/>
-            <a:endParaRPr/>
-          </a:p>
-        </p:txBody>
-      </p:sp>
-      <p:sp>
-        <p:nvSpPr>
-          <p:cNvPr id="66" name="PlaceHolder 2"/>
-          <p:cNvSpPr>
-            <a:spLocks noGrp="1"/>
-          </p:cNvSpPr>
-          <p:nvPr>
-            <p:ph type="body"/>
-          </p:nvPr>
-        </p:nvSpPr>
-        <p:spPr>
-          <a:xfrm>
-            <a:off x="457200" y="1203480"/>
-            <a:ext cx="3926160" cy="1422360"/>
-          </a:xfrm>
-          <a:prstGeom prst="rect">
-            <a:avLst/>
-          </a:prstGeom>
-        </p:spPr>
-        <p:txBody>
-          <a:bodyPr bIns="0" lIns="0" rIns="0" tIns="0" wrap="none"/>
-          <a:p>
-            <a:endParaRPr/>
-          </a:p>
-        </p:txBody>
-      </p:sp>
-      <p:sp>
-        <p:nvSpPr>
-          <p:cNvPr id="67" name="PlaceHolder 3"/>
-          <p:cNvSpPr>
-            <a:spLocks noGrp="1"/>
-          </p:cNvSpPr>
-          <p:nvPr>
-            <p:ph type="body"/>
-          </p:nvPr>
-        </p:nvSpPr>
-        <p:spPr>
-          <a:xfrm>
-            <a:off x="4579920" y="1203480"/>
-            <a:ext cx="3926160" cy="1422360"/>
-          </a:xfrm>
-          <a:prstGeom prst="rect">
-            <a:avLst/>
-          </a:prstGeom>
-        </p:spPr>
-        <p:txBody>
-          <a:bodyPr bIns="0" lIns="0" rIns="0" tIns="0" wrap="none"/>
-          <a:p>
-            <a:endParaRPr/>
-          </a:p>
-        </p:txBody>
-      </p:sp>
-    </p:spTree>
-  </p:cSld>
-</p:sldLayout>
-</file>
-
-<file path=ppt/slideLayouts/slideLayout25.xml><?xml version="1.0" encoding="utf-8"?>
-<p:sldLayout xmlns:a="http://schemas.openxmlformats.org/drawingml/2006/main" xmlns:p="http://schemas.openxmlformats.org/presentationml/2006/main" xmlns:r="http://schemas.openxmlformats.org/officeDocument/2006/relationships" preserve="1" type="blank">
-  <p:cSld name="Blank Slide">
-    <p:spTree>
-      <p:nvGrpSpPr>
-        <p:cNvPr id="1" name=""/>
-        <p:cNvGrpSpPr/>
-        <p:nvPr/>
-      </p:nvGrpSpPr>
-      <p:grpSpPr>
-        <a:xfrm>
-          <a:off x="0" y="0"/>
-          <a:ext cx="0" cy="0"/>
-          <a:chOff x="0" y="0"/>
-          <a:chExt cx="0" cy="0"/>
-        </a:xfrm>
-      </p:grpSpPr>
-    </p:spTree>
-  </p:cSld>
-</p:sldLayout>
-</file>
-
-<file path=ppt/slideLayouts/slideLayout26.xml><?xml version="1.0" encoding="utf-8"?>
-<p:sldLayout xmlns:a="http://schemas.openxmlformats.org/drawingml/2006/main" xmlns:p="http://schemas.openxmlformats.org/presentationml/2006/main" xmlns:r="http://schemas.openxmlformats.org/officeDocument/2006/relationships" preserve="1" type="tx">
-  <p:cSld name="Title Slide">
-    <p:spTree>
-      <p:nvGrpSpPr>
-        <p:cNvPr id="1" name=""/>
-        <p:cNvGrpSpPr/>
-        <p:nvPr/>
-      </p:nvGrpSpPr>
-      <p:grpSpPr>
-        <a:xfrm>
-          <a:off x="0" y="0"/>
-          <a:ext cx="0" cy="0"/>
-          <a:chOff x="0" y="0"/>
-          <a:chExt cx="0" cy="0"/>
-        </a:xfrm>
-      </p:grpSpPr>
-      <p:sp>
-        <p:nvSpPr>
-          <p:cNvPr id="70" name="PlaceHolder 1"/>
-          <p:cNvSpPr>
-            <a:spLocks noGrp="1"/>
-          </p:cNvSpPr>
-          <p:nvPr>
-            <p:ph type="title"/>
-          </p:nvPr>
-        </p:nvSpPr>
-        <p:spPr>
-          <a:xfrm>
-            <a:off x="457200" y="205200"/>
-            <a:ext cx="8229240" cy="858960"/>
-          </a:xfrm>
-          <a:prstGeom prst="rect">
-            <a:avLst/>
-          </a:prstGeom>
-        </p:spPr>
-        <p:txBody>
-          <a:bodyPr anchor="ctr" bIns="0" lIns="0" rIns="0" tIns="0" wrap="none"/>
-          <a:p>
-            <a:pPr algn="ctr"/>
-            <a:endParaRPr/>
-          </a:p>
-        </p:txBody>
-      </p:sp>
-      <p:sp>
-        <p:nvSpPr>
-          <p:cNvPr id="71" name="PlaceHolder 2"/>
-          <p:cNvSpPr>
-            <a:spLocks noGrp="1"/>
-          </p:cNvSpPr>
-          <p:nvPr>
-            <p:ph type="subTitle"/>
-          </p:nvPr>
-        </p:nvSpPr>
-        <p:spPr>
-          <a:xfrm>
-            <a:off x="457200" y="1203480"/>
-            <a:ext cx="8046360" cy="2983320"/>
-          </a:xfrm>
-          <a:prstGeom prst="rect">
-            <a:avLst/>
-          </a:prstGeom>
-        </p:spPr>
-        <p:txBody>
-          <a:bodyPr anchor="ctr" bIns="0" lIns="0" rIns="0" tIns="0" wrap="none"/>
-          <a:p>
-            <a:pPr algn="ctr"/>
-            <a:endParaRPr/>
-          </a:p>
-        </p:txBody>
-      </p:sp>
-    </p:spTree>
-  </p:cSld>
-</p:sldLayout>
-</file>
-
-<file path=ppt/slideLayouts/slideLayout27.xml><?xml version="1.0" encoding="utf-8"?>
-<p:sldLayout xmlns:a="http://schemas.openxmlformats.org/drawingml/2006/main" xmlns:p="http://schemas.openxmlformats.org/presentationml/2006/main" xmlns:r="http://schemas.openxmlformats.org/officeDocument/2006/relationships" preserve="1" type="obj">
-  <p:cSld name="Title, Content">
-    <p:spTree>
-      <p:nvGrpSpPr>
-        <p:cNvPr id="1" name=""/>
-        <p:cNvGrpSpPr/>
-        <p:nvPr/>
-      </p:nvGrpSpPr>
-      <p:grpSpPr>
-        <a:xfrm>
-          <a:off x="0" y="0"/>
-          <a:ext cx="0" cy="0"/>
-          <a:chOff x="0" y="0"/>
-          <a:chExt cx="0" cy="0"/>
-        </a:xfrm>
-      </p:grpSpPr>
-      <p:sp>
-        <p:nvSpPr>
-          <p:cNvPr id="72" name="PlaceHolder 1"/>
-          <p:cNvSpPr>
-            <a:spLocks noGrp="1"/>
-          </p:cNvSpPr>
-          <p:nvPr>
-            <p:ph type="title"/>
-          </p:nvPr>
-        </p:nvSpPr>
-        <p:spPr>
-          <a:xfrm>
-            <a:off x="457200" y="205200"/>
-            <a:ext cx="8229240" cy="858960"/>
-          </a:xfrm>
-          <a:prstGeom prst="rect">
-            <a:avLst/>
-          </a:prstGeom>
-        </p:spPr>
-        <p:txBody>
-          <a:bodyPr anchor="ctr" bIns="0" lIns="0" rIns="0" tIns="0" wrap="none"/>
-          <a:p>
-            <a:pPr algn="ctr"/>
-            <a:endParaRPr/>
-          </a:p>
-        </p:txBody>
-      </p:sp>
-      <p:sp>
-        <p:nvSpPr>
-          <p:cNvPr id="73" name="PlaceHolder 2"/>
-          <p:cNvSpPr>
-            <a:spLocks noGrp="1"/>
-          </p:cNvSpPr>
-          <p:nvPr>
-            <p:ph type="body"/>
-          </p:nvPr>
-        </p:nvSpPr>
-        <p:spPr>
-          <a:xfrm>
-            <a:off x="457200" y="1203480"/>
-            <a:ext cx="8046360" cy="2982960"/>
-          </a:xfrm>
-          <a:prstGeom prst="rect">
-            <a:avLst/>
-          </a:prstGeom>
-        </p:spPr>
-        <p:txBody>
-          <a:bodyPr bIns="0" lIns="0" rIns="0" tIns="0" wrap="none"/>
-          <a:p>
-            <a:endParaRPr/>
-          </a:p>
-        </p:txBody>
-      </p:sp>
-    </p:spTree>
-  </p:cSld>
-</p:sldLayout>
-</file>
-
-<file path=ppt/slideLayouts/slideLayout28.xml><?xml version="1.0" encoding="utf-8"?>
-<p:sldLayout xmlns:a="http://schemas.openxmlformats.org/drawingml/2006/main" xmlns:p="http://schemas.openxmlformats.org/presentationml/2006/main" xmlns:r="http://schemas.openxmlformats.org/officeDocument/2006/relationships" preserve="1" type="twoObj">
-  <p:cSld name="Title, 2 Content">
-    <p:spTree>
-      <p:nvGrpSpPr>
-        <p:cNvPr id="1" name=""/>
-        <p:cNvGrpSpPr/>
-        <p:nvPr/>
-      </p:nvGrpSpPr>
-      <p:grpSpPr>
-        <a:xfrm>
-          <a:off x="0" y="0"/>
-          <a:ext cx="0" cy="0"/>
-          <a:chOff x="0" y="0"/>
-          <a:chExt cx="0" cy="0"/>
-        </a:xfrm>
-      </p:grpSpPr>
-      <p:sp>
-        <p:nvSpPr>
-          <p:cNvPr id="74" name="PlaceHolder 1"/>
-          <p:cNvSpPr>
-            <a:spLocks noGrp="1"/>
-          </p:cNvSpPr>
-          <p:nvPr>
-            <p:ph type="title"/>
-          </p:nvPr>
-        </p:nvSpPr>
-        <p:spPr>
-          <a:xfrm>
-            <a:off x="457200" y="205200"/>
-            <a:ext cx="8229240" cy="858960"/>
-          </a:xfrm>
-          <a:prstGeom prst="rect">
-            <a:avLst/>
-          </a:prstGeom>
-        </p:spPr>
-        <p:txBody>
-          <a:bodyPr anchor="ctr" bIns="0" lIns="0" rIns="0" tIns="0" wrap="none"/>
-          <a:p>
-            <a:pPr algn="ctr"/>
-            <a:endParaRPr/>
-          </a:p>
-        </p:txBody>
-      </p:sp>
-      <p:sp>
-        <p:nvSpPr>
-          <p:cNvPr id="75" name="PlaceHolder 2"/>
-          <p:cNvSpPr>
-            <a:spLocks noGrp="1"/>
-          </p:cNvSpPr>
-          <p:nvPr>
-            <p:ph type="body"/>
-          </p:nvPr>
-        </p:nvSpPr>
-        <p:spPr>
-          <a:xfrm>
-            <a:off x="457200" y="1203480"/>
-            <a:ext cx="3926160" cy="2982960"/>
-          </a:xfrm>
-          <a:prstGeom prst="rect">
-            <a:avLst/>
-          </a:prstGeom>
-        </p:spPr>
-        <p:txBody>
-          <a:bodyPr bIns="0" lIns="0" rIns="0" tIns="0" wrap="none"/>
-          <a:p>
-            <a:endParaRPr/>
-          </a:p>
-        </p:txBody>
-      </p:sp>
-      <p:sp>
-        <p:nvSpPr>
-          <p:cNvPr id="76" name="PlaceHolder 3"/>
-          <p:cNvSpPr>
-            <a:spLocks noGrp="1"/>
-          </p:cNvSpPr>
-          <p:nvPr>
-            <p:ph type="body"/>
-          </p:nvPr>
-        </p:nvSpPr>
-        <p:spPr>
-          <a:xfrm>
-            <a:off x="4579920" y="1203480"/>
-            <a:ext cx="3926160" cy="2982960"/>
-          </a:xfrm>
-          <a:prstGeom prst="rect">
-            <a:avLst/>
-          </a:prstGeom>
-        </p:spPr>
-        <p:txBody>
-          <a:bodyPr bIns="0" lIns="0" rIns="0" tIns="0" wrap="none"/>
-          <a:p>
-            <a:endParaRPr/>
-          </a:p>
-        </p:txBody>
-      </p:sp>
-    </p:spTree>
-  </p:cSld>
-</p:sldLayout>
-</file>
-
-<file path=ppt/slideLayouts/slideLayout29.xml><?xml version="1.0" encoding="utf-8"?>
-<p:sldLayout xmlns:a="http://schemas.openxmlformats.org/drawingml/2006/main" xmlns:p="http://schemas.openxmlformats.org/presentationml/2006/main" xmlns:r="http://schemas.openxmlformats.org/officeDocument/2006/relationships" preserve="1" type="titleOnly">
-  <p:cSld name="Title Only">
-    <p:spTree>
-      <p:nvGrpSpPr>
-        <p:cNvPr id="1" name=""/>
-        <p:cNvGrpSpPr/>
-        <p:nvPr/>
-      </p:nvGrpSpPr>
-      <p:grpSpPr>
-        <a:xfrm>
-          <a:off x="0" y="0"/>
-          <a:ext cx="0" cy="0"/>
-          <a:chOff x="0" y="0"/>
-          <a:chExt cx="0" cy="0"/>
-        </a:xfrm>
-      </p:grpSpPr>
-      <p:sp>
-        <p:nvSpPr>
-          <p:cNvPr id="77" name="PlaceHolder 1"/>
-          <p:cNvSpPr>
-            <a:spLocks noGrp="1"/>
-          </p:cNvSpPr>
-          <p:nvPr>
-            <p:ph type="title"/>
-          </p:nvPr>
-        </p:nvSpPr>
-        <p:spPr>
-          <a:xfrm>
-            <a:off x="457200" y="205200"/>
-            <a:ext cx="8229240" cy="858960"/>
           </a:xfrm>
           <a:prstGeom prst="rect">
             <a:avLst/>
@@ -2001,964 +566,6 @@
 </p:sldLayout>
 </file>
 
-<file path=ppt/slideLayouts/slideLayout30.xml><?xml version="1.0" encoding="utf-8"?>
-<p:sldLayout xmlns:a="http://schemas.openxmlformats.org/drawingml/2006/main" xmlns:p="http://schemas.openxmlformats.org/presentationml/2006/main" xmlns:r="http://schemas.openxmlformats.org/officeDocument/2006/relationships" preserve="1" type="objOnly">
-  <p:cSld name="Centered Text">
-    <p:spTree>
-      <p:nvGrpSpPr>
-        <p:cNvPr id="1" name=""/>
-        <p:cNvGrpSpPr/>
-        <p:nvPr/>
-      </p:nvGrpSpPr>
-      <p:grpSpPr>
-        <a:xfrm>
-          <a:off x="0" y="0"/>
-          <a:ext cx="0" cy="0"/>
-          <a:chOff x="0" y="0"/>
-          <a:chExt cx="0" cy="0"/>
-        </a:xfrm>
-      </p:grpSpPr>
-      <p:sp>
-        <p:nvSpPr>
-          <p:cNvPr id="78" name="PlaceHolder 1"/>
-          <p:cNvSpPr>
-            <a:spLocks noGrp="1"/>
-          </p:cNvSpPr>
-          <p:nvPr>
-            <p:ph type="subTitle"/>
-          </p:nvPr>
-        </p:nvSpPr>
-        <p:spPr>
-          <a:xfrm>
-            <a:off x="457200" y="205200"/>
-            <a:ext cx="8229240" cy="3981240"/>
-          </a:xfrm>
-          <a:prstGeom prst="rect">
-            <a:avLst/>
-          </a:prstGeom>
-        </p:spPr>
-        <p:txBody>
-          <a:bodyPr anchor="ctr" bIns="0" lIns="0" rIns="0" tIns="0" wrap="none"/>
-          <a:p>
-            <a:pPr algn="ctr"/>
-            <a:endParaRPr/>
-          </a:p>
-        </p:txBody>
-      </p:sp>
-    </p:spTree>
-  </p:cSld>
-</p:sldLayout>
-</file>
-
-<file path=ppt/slideLayouts/slideLayout31.xml><?xml version="1.0" encoding="utf-8"?>
-<p:sldLayout xmlns:a="http://schemas.openxmlformats.org/drawingml/2006/main" xmlns:p="http://schemas.openxmlformats.org/presentationml/2006/main" xmlns:r="http://schemas.openxmlformats.org/officeDocument/2006/relationships" preserve="1" type="twoObjAndObj">
-  <p:cSld name="Title, 2 Content and Content">
-    <p:spTree>
-      <p:nvGrpSpPr>
-        <p:cNvPr id="1" name=""/>
-        <p:cNvGrpSpPr/>
-        <p:nvPr/>
-      </p:nvGrpSpPr>
-      <p:grpSpPr>
-        <a:xfrm>
-          <a:off x="0" y="0"/>
-          <a:ext cx="0" cy="0"/>
-          <a:chOff x="0" y="0"/>
-          <a:chExt cx="0" cy="0"/>
-        </a:xfrm>
-      </p:grpSpPr>
-      <p:sp>
-        <p:nvSpPr>
-          <p:cNvPr id="79" name="PlaceHolder 1"/>
-          <p:cNvSpPr>
-            <a:spLocks noGrp="1"/>
-          </p:cNvSpPr>
-          <p:nvPr>
-            <p:ph type="title"/>
-          </p:nvPr>
-        </p:nvSpPr>
-        <p:spPr>
-          <a:xfrm>
-            <a:off x="457200" y="205200"/>
-            <a:ext cx="8229240" cy="858960"/>
-          </a:xfrm>
-          <a:prstGeom prst="rect">
-            <a:avLst/>
-          </a:prstGeom>
-        </p:spPr>
-        <p:txBody>
-          <a:bodyPr anchor="ctr" bIns="0" lIns="0" rIns="0" tIns="0" wrap="none"/>
-          <a:p>
-            <a:pPr algn="ctr"/>
-            <a:endParaRPr/>
-          </a:p>
-        </p:txBody>
-      </p:sp>
-      <p:sp>
-        <p:nvSpPr>
-          <p:cNvPr id="80" name="PlaceHolder 2"/>
-          <p:cNvSpPr>
-            <a:spLocks noGrp="1"/>
-          </p:cNvSpPr>
-          <p:nvPr>
-            <p:ph type="body"/>
-          </p:nvPr>
-        </p:nvSpPr>
-        <p:spPr>
-          <a:xfrm>
-            <a:off x="457200" y="1203480"/>
-            <a:ext cx="3926160" cy="1422360"/>
-          </a:xfrm>
-          <a:prstGeom prst="rect">
-            <a:avLst/>
-          </a:prstGeom>
-        </p:spPr>
-        <p:txBody>
-          <a:bodyPr bIns="0" lIns="0" rIns="0" tIns="0" wrap="none"/>
-          <a:p>
-            <a:endParaRPr/>
-          </a:p>
-        </p:txBody>
-      </p:sp>
-      <p:sp>
-        <p:nvSpPr>
-          <p:cNvPr id="81" name="PlaceHolder 3"/>
-          <p:cNvSpPr>
-            <a:spLocks noGrp="1"/>
-          </p:cNvSpPr>
-          <p:nvPr>
-            <p:ph type="body"/>
-          </p:nvPr>
-        </p:nvSpPr>
-        <p:spPr>
-          <a:xfrm>
-            <a:off x="457200" y="2761200"/>
-            <a:ext cx="3926160" cy="1422360"/>
-          </a:xfrm>
-          <a:prstGeom prst="rect">
-            <a:avLst/>
-          </a:prstGeom>
-        </p:spPr>
-        <p:txBody>
-          <a:bodyPr bIns="0" lIns="0" rIns="0" tIns="0" wrap="none"/>
-          <a:p>
-            <a:endParaRPr/>
-          </a:p>
-        </p:txBody>
-      </p:sp>
-      <p:sp>
-        <p:nvSpPr>
-          <p:cNvPr id="82" name="PlaceHolder 4"/>
-          <p:cNvSpPr>
-            <a:spLocks noGrp="1"/>
-          </p:cNvSpPr>
-          <p:nvPr>
-            <p:ph type="body"/>
-          </p:nvPr>
-        </p:nvSpPr>
-        <p:spPr>
-          <a:xfrm>
-            <a:off x="4579920" y="1203480"/>
-            <a:ext cx="3926160" cy="2982960"/>
-          </a:xfrm>
-          <a:prstGeom prst="rect">
-            <a:avLst/>
-          </a:prstGeom>
-        </p:spPr>
-        <p:txBody>
-          <a:bodyPr bIns="0" lIns="0" rIns="0" tIns="0" wrap="none"/>
-          <a:p>
-            <a:endParaRPr/>
-          </a:p>
-        </p:txBody>
-      </p:sp>
-    </p:spTree>
-  </p:cSld>
-</p:sldLayout>
-</file>
-
-<file path=ppt/slideLayouts/slideLayout32.xml><?xml version="1.0" encoding="utf-8"?>
-<p:sldLayout xmlns:a="http://schemas.openxmlformats.org/drawingml/2006/main" xmlns:p="http://schemas.openxmlformats.org/presentationml/2006/main" xmlns:r="http://schemas.openxmlformats.org/officeDocument/2006/relationships" preserve="1" type="objAndTwoObj">
-  <p:cSld name="Title Content and 2 Content">
-    <p:spTree>
-      <p:nvGrpSpPr>
-        <p:cNvPr id="1" name=""/>
-        <p:cNvGrpSpPr/>
-        <p:nvPr/>
-      </p:nvGrpSpPr>
-      <p:grpSpPr>
-        <a:xfrm>
-          <a:off x="0" y="0"/>
-          <a:ext cx="0" cy="0"/>
-          <a:chOff x="0" y="0"/>
-          <a:chExt cx="0" cy="0"/>
-        </a:xfrm>
-      </p:grpSpPr>
-      <p:sp>
-        <p:nvSpPr>
-          <p:cNvPr id="83" name="PlaceHolder 1"/>
-          <p:cNvSpPr>
-            <a:spLocks noGrp="1"/>
-          </p:cNvSpPr>
-          <p:nvPr>
-            <p:ph type="title"/>
-          </p:nvPr>
-        </p:nvSpPr>
-        <p:spPr>
-          <a:xfrm>
-            <a:off x="457200" y="205200"/>
-            <a:ext cx="8229240" cy="858960"/>
-          </a:xfrm>
-          <a:prstGeom prst="rect">
-            <a:avLst/>
-          </a:prstGeom>
-        </p:spPr>
-        <p:txBody>
-          <a:bodyPr anchor="ctr" bIns="0" lIns="0" rIns="0" tIns="0" wrap="none"/>
-          <a:p>
-            <a:pPr algn="ctr"/>
-            <a:endParaRPr/>
-          </a:p>
-        </p:txBody>
-      </p:sp>
-      <p:sp>
-        <p:nvSpPr>
-          <p:cNvPr id="84" name="PlaceHolder 2"/>
-          <p:cNvSpPr>
-            <a:spLocks noGrp="1"/>
-          </p:cNvSpPr>
-          <p:nvPr>
-            <p:ph type="body"/>
-          </p:nvPr>
-        </p:nvSpPr>
-        <p:spPr>
-          <a:xfrm>
-            <a:off x="457200" y="1203480"/>
-            <a:ext cx="3926160" cy="2982960"/>
-          </a:xfrm>
-          <a:prstGeom prst="rect">
-            <a:avLst/>
-          </a:prstGeom>
-        </p:spPr>
-        <p:txBody>
-          <a:bodyPr bIns="0" lIns="0" rIns="0" tIns="0" wrap="none"/>
-          <a:p>
-            <a:endParaRPr/>
-          </a:p>
-        </p:txBody>
-      </p:sp>
-      <p:sp>
-        <p:nvSpPr>
-          <p:cNvPr id="85" name="PlaceHolder 3"/>
-          <p:cNvSpPr>
-            <a:spLocks noGrp="1"/>
-          </p:cNvSpPr>
-          <p:nvPr>
-            <p:ph type="body"/>
-          </p:nvPr>
-        </p:nvSpPr>
-        <p:spPr>
-          <a:xfrm>
-            <a:off x="4579920" y="1203480"/>
-            <a:ext cx="3926160" cy="1422360"/>
-          </a:xfrm>
-          <a:prstGeom prst="rect">
-            <a:avLst/>
-          </a:prstGeom>
-        </p:spPr>
-        <p:txBody>
-          <a:bodyPr bIns="0" lIns="0" rIns="0" tIns="0" wrap="none"/>
-          <a:p>
-            <a:endParaRPr/>
-          </a:p>
-        </p:txBody>
-      </p:sp>
-      <p:sp>
-        <p:nvSpPr>
-          <p:cNvPr id="86" name="PlaceHolder 4"/>
-          <p:cNvSpPr>
-            <a:spLocks noGrp="1"/>
-          </p:cNvSpPr>
-          <p:nvPr>
-            <p:ph type="body"/>
-          </p:nvPr>
-        </p:nvSpPr>
-        <p:spPr>
-          <a:xfrm>
-            <a:off x="4579920" y="2761200"/>
-            <a:ext cx="3926160" cy="1422360"/>
-          </a:xfrm>
-          <a:prstGeom prst="rect">
-            <a:avLst/>
-          </a:prstGeom>
-        </p:spPr>
-        <p:txBody>
-          <a:bodyPr bIns="0" lIns="0" rIns="0" tIns="0" wrap="none"/>
-          <a:p>
-            <a:endParaRPr/>
-          </a:p>
-        </p:txBody>
-      </p:sp>
-    </p:spTree>
-  </p:cSld>
-</p:sldLayout>
-</file>
-
-<file path=ppt/slideLayouts/slideLayout33.xml><?xml version="1.0" encoding="utf-8"?>
-<p:sldLayout xmlns:a="http://schemas.openxmlformats.org/drawingml/2006/main" xmlns:p="http://schemas.openxmlformats.org/presentationml/2006/main" xmlns:r="http://schemas.openxmlformats.org/officeDocument/2006/relationships" preserve="1" type="twoObjOverTx">
-  <p:cSld name="Title, 2 Content over Content">
-    <p:spTree>
-      <p:nvGrpSpPr>
-        <p:cNvPr id="1" name=""/>
-        <p:cNvGrpSpPr/>
-        <p:nvPr/>
-      </p:nvGrpSpPr>
-      <p:grpSpPr>
-        <a:xfrm>
-          <a:off x="0" y="0"/>
-          <a:ext cx="0" cy="0"/>
-          <a:chOff x="0" y="0"/>
-          <a:chExt cx="0" cy="0"/>
-        </a:xfrm>
-      </p:grpSpPr>
-      <p:sp>
-        <p:nvSpPr>
-          <p:cNvPr id="87" name="PlaceHolder 1"/>
-          <p:cNvSpPr>
-            <a:spLocks noGrp="1"/>
-          </p:cNvSpPr>
-          <p:nvPr>
-            <p:ph type="title"/>
-          </p:nvPr>
-        </p:nvSpPr>
-        <p:spPr>
-          <a:xfrm>
-            <a:off x="457200" y="205200"/>
-            <a:ext cx="8229240" cy="858960"/>
-          </a:xfrm>
-          <a:prstGeom prst="rect">
-            <a:avLst/>
-          </a:prstGeom>
-        </p:spPr>
-        <p:txBody>
-          <a:bodyPr anchor="ctr" bIns="0" lIns="0" rIns="0" tIns="0" wrap="none"/>
-          <a:p>
-            <a:pPr algn="ctr"/>
-            <a:endParaRPr/>
-          </a:p>
-        </p:txBody>
-      </p:sp>
-      <p:sp>
-        <p:nvSpPr>
-          <p:cNvPr id="88" name="PlaceHolder 2"/>
-          <p:cNvSpPr>
-            <a:spLocks noGrp="1"/>
-          </p:cNvSpPr>
-          <p:nvPr>
-            <p:ph type="body"/>
-          </p:nvPr>
-        </p:nvSpPr>
-        <p:spPr>
-          <a:xfrm>
-            <a:off x="457200" y="1203480"/>
-            <a:ext cx="3926160" cy="1422360"/>
-          </a:xfrm>
-          <a:prstGeom prst="rect">
-            <a:avLst/>
-          </a:prstGeom>
-        </p:spPr>
-        <p:txBody>
-          <a:bodyPr bIns="0" lIns="0" rIns="0" tIns="0" wrap="none"/>
-          <a:p>
-            <a:endParaRPr/>
-          </a:p>
-        </p:txBody>
-      </p:sp>
-      <p:sp>
-        <p:nvSpPr>
-          <p:cNvPr id="89" name="PlaceHolder 3"/>
-          <p:cNvSpPr>
-            <a:spLocks noGrp="1"/>
-          </p:cNvSpPr>
-          <p:nvPr>
-            <p:ph type="body"/>
-          </p:nvPr>
-        </p:nvSpPr>
-        <p:spPr>
-          <a:xfrm>
-            <a:off x="4579920" y="1203480"/>
-            <a:ext cx="3926160" cy="1422360"/>
-          </a:xfrm>
-          <a:prstGeom prst="rect">
-            <a:avLst/>
-          </a:prstGeom>
-        </p:spPr>
-        <p:txBody>
-          <a:bodyPr bIns="0" lIns="0" rIns="0" tIns="0" wrap="none"/>
-          <a:p>
-            <a:endParaRPr/>
-          </a:p>
-        </p:txBody>
-      </p:sp>
-      <p:sp>
-        <p:nvSpPr>
-          <p:cNvPr id="90" name="PlaceHolder 4"/>
-          <p:cNvSpPr>
-            <a:spLocks noGrp="1"/>
-          </p:cNvSpPr>
-          <p:nvPr>
-            <p:ph type="body"/>
-          </p:nvPr>
-        </p:nvSpPr>
-        <p:spPr>
-          <a:xfrm>
-            <a:off x="457200" y="2761200"/>
-            <a:ext cx="8045640" cy="1422360"/>
-          </a:xfrm>
-          <a:prstGeom prst="rect">
-            <a:avLst/>
-          </a:prstGeom>
-        </p:spPr>
-        <p:txBody>
-          <a:bodyPr bIns="0" lIns="0" rIns="0" tIns="0" wrap="none"/>
-          <a:p>
-            <a:endParaRPr/>
-          </a:p>
-        </p:txBody>
-      </p:sp>
-    </p:spTree>
-  </p:cSld>
-</p:sldLayout>
-</file>
-
-<file path=ppt/slideLayouts/slideLayout34.xml><?xml version="1.0" encoding="utf-8"?>
-<p:sldLayout xmlns:a="http://schemas.openxmlformats.org/drawingml/2006/main" xmlns:p="http://schemas.openxmlformats.org/presentationml/2006/main" xmlns:r="http://schemas.openxmlformats.org/officeDocument/2006/relationships" preserve="1" type="objOverTx">
-  <p:cSld name="Title, Content over Content">
-    <p:spTree>
-      <p:nvGrpSpPr>
-        <p:cNvPr id="1" name=""/>
-        <p:cNvGrpSpPr/>
-        <p:nvPr/>
-      </p:nvGrpSpPr>
-      <p:grpSpPr>
-        <a:xfrm>
-          <a:off x="0" y="0"/>
-          <a:ext cx="0" cy="0"/>
-          <a:chOff x="0" y="0"/>
-          <a:chExt cx="0" cy="0"/>
-        </a:xfrm>
-      </p:grpSpPr>
-      <p:sp>
-        <p:nvSpPr>
-          <p:cNvPr id="91" name="PlaceHolder 1"/>
-          <p:cNvSpPr>
-            <a:spLocks noGrp="1"/>
-          </p:cNvSpPr>
-          <p:nvPr>
-            <p:ph type="title"/>
-          </p:nvPr>
-        </p:nvSpPr>
-        <p:spPr>
-          <a:xfrm>
-            <a:off x="457200" y="205200"/>
-            <a:ext cx="8229240" cy="858960"/>
-          </a:xfrm>
-          <a:prstGeom prst="rect">
-            <a:avLst/>
-          </a:prstGeom>
-        </p:spPr>
-        <p:txBody>
-          <a:bodyPr anchor="ctr" bIns="0" lIns="0" rIns="0" tIns="0" wrap="none"/>
-          <a:p>
-            <a:pPr algn="ctr"/>
-            <a:endParaRPr/>
-          </a:p>
-        </p:txBody>
-      </p:sp>
-      <p:sp>
-        <p:nvSpPr>
-          <p:cNvPr id="92" name="PlaceHolder 2"/>
-          <p:cNvSpPr>
-            <a:spLocks noGrp="1"/>
-          </p:cNvSpPr>
-          <p:nvPr>
-            <p:ph type="body"/>
-          </p:nvPr>
-        </p:nvSpPr>
-        <p:spPr>
-          <a:xfrm>
-            <a:off x="457200" y="1203480"/>
-            <a:ext cx="8046360" cy="1422360"/>
-          </a:xfrm>
-          <a:prstGeom prst="rect">
-            <a:avLst/>
-          </a:prstGeom>
-        </p:spPr>
-        <p:txBody>
-          <a:bodyPr bIns="0" lIns="0" rIns="0" tIns="0" wrap="none"/>
-          <a:p>
-            <a:endParaRPr/>
-          </a:p>
-        </p:txBody>
-      </p:sp>
-      <p:sp>
-        <p:nvSpPr>
-          <p:cNvPr id="93" name="PlaceHolder 3"/>
-          <p:cNvSpPr>
-            <a:spLocks noGrp="1"/>
-          </p:cNvSpPr>
-          <p:nvPr>
-            <p:ph type="body"/>
-          </p:nvPr>
-        </p:nvSpPr>
-        <p:spPr>
-          <a:xfrm>
-            <a:off x="457200" y="2761200"/>
-            <a:ext cx="8046360" cy="1422360"/>
-          </a:xfrm>
-          <a:prstGeom prst="rect">
-            <a:avLst/>
-          </a:prstGeom>
-        </p:spPr>
-        <p:txBody>
-          <a:bodyPr bIns="0" lIns="0" rIns="0" tIns="0" wrap="none"/>
-          <a:p>
-            <a:endParaRPr/>
-          </a:p>
-        </p:txBody>
-      </p:sp>
-    </p:spTree>
-  </p:cSld>
-</p:sldLayout>
-</file>
-
-<file path=ppt/slideLayouts/slideLayout35.xml><?xml version="1.0" encoding="utf-8"?>
-<p:sldLayout xmlns:a="http://schemas.openxmlformats.org/drawingml/2006/main" xmlns:p="http://schemas.openxmlformats.org/presentationml/2006/main" xmlns:r="http://schemas.openxmlformats.org/officeDocument/2006/relationships" preserve="1" type="fourObj">
-  <p:cSld name="Title, 4 Content">
-    <p:spTree>
-      <p:nvGrpSpPr>
-        <p:cNvPr id="1" name=""/>
-        <p:cNvGrpSpPr/>
-        <p:nvPr/>
-      </p:nvGrpSpPr>
-      <p:grpSpPr>
-        <a:xfrm>
-          <a:off x="0" y="0"/>
-          <a:ext cx="0" cy="0"/>
-          <a:chOff x="0" y="0"/>
-          <a:chExt cx="0" cy="0"/>
-        </a:xfrm>
-      </p:grpSpPr>
-      <p:sp>
-        <p:nvSpPr>
-          <p:cNvPr id="94" name="PlaceHolder 1"/>
-          <p:cNvSpPr>
-            <a:spLocks noGrp="1"/>
-          </p:cNvSpPr>
-          <p:nvPr>
-            <p:ph type="title"/>
-          </p:nvPr>
-        </p:nvSpPr>
-        <p:spPr>
-          <a:xfrm>
-            <a:off x="457200" y="205200"/>
-            <a:ext cx="8229240" cy="858960"/>
-          </a:xfrm>
-          <a:prstGeom prst="rect">
-            <a:avLst/>
-          </a:prstGeom>
-        </p:spPr>
-        <p:txBody>
-          <a:bodyPr anchor="ctr" bIns="0" lIns="0" rIns="0" tIns="0" wrap="none"/>
-          <a:p>
-            <a:pPr algn="ctr"/>
-            <a:endParaRPr/>
-          </a:p>
-        </p:txBody>
-      </p:sp>
-      <p:sp>
-        <p:nvSpPr>
-          <p:cNvPr id="95" name="PlaceHolder 2"/>
-          <p:cNvSpPr>
-            <a:spLocks noGrp="1"/>
-          </p:cNvSpPr>
-          <p:nvPr>
-            <p:ph type="body"/>
-          </p:nvPr>
-        </p:nvSpPr>
-        <p:spPr>
-          <a:xfrm>
-            <a:off x="457200" y="1203480"/>
-            <a:ext cx="3926160" cy="1422360"/>
-          </a:xfrm>
-          <a:prstGeom prst="rect">
-            <a:avLst/>
-          </a:prstGeom>
-        </p:spPr>
-        <p:txBody>
-          <a:bodyPr bIns="0" lIns="0" rIns="0" tIns="0" wrap="none"/>
-          <a:p>
-            <a:endParaRPr/>
-          </a:p>
-        </p:txBody>
-      </p:sp>
-      <p:sp>
-        <p:nvSpPr>
-          <p:cNvPr id="96" name="PlaceHolder 3"/>
-          <p:cNvSpPr>
-            <a:spLocks noGrp="1"/>
-          </p:cNvSpPr>
-          <p:nvPr>
-            <p:ph type="body"/>
-          </p:nvPr>
-        </p:nvSpPr>
-        <p:spPr>
-          <a:xfrm>
-            <a:off x="4579920" y="1203480"/>
-            <a:ext cx="3926160" cy="1422360"/>
-          </a:xfrm>
-          <a:prstGeom prst="rect">
-            <a:avLst/>
-          </a:prstGeom>
-        </p:spPr>
-        <p:txBody>
-          <a:bodyPr bIns="0" lIns="0" rIns="0" tIns="0" wrap="none"/>
-          <a:p>
-            <a:endParaRPr/>
-          </a:p>
-        </p:txBody>
-      </p:sp>
-      <p:sp>
-        <p:nvSpPr>
-          <p:cNvPr id="97" name="PlaceHolder 4"/>
-          <p:cNvSpPr>
-            <a:spLocks noGrp="1"/>
-          </p:cNvSpPr>
-          <p:nvPr>
-            <p:ph type="body"/>
-          </p:nvPr>
-        </p:nvSpPr>
-        <p:spPr>
-          <a:xfrm>
-            <a:off x="4579920" y="2761200"/>
-            <a:ext cx="3926160" cy="1422360"/>
-          </a:xfrm>
-          <a:prstGeom prst="rect">
-            <a:avLst/>
-          </a:prstGeom>
-        </p:spPr>
-        <p:txBody>
-          <a:bodyPr bIns="0" lIns="0" rIns="0" tIns="0" wrap="none"/>
-          <a:p>
-            <a:endParaRPr/>
-          </a:p>
-        </p:txBody>
-      </p:sp>
-      <p:sp>
-        <p:nvSpPr>
-          <p:cNvPr id="98" name="PlaceHolder 5"/>
-          <p:cNvSpPr>
-            <a:spLocks noGrp="1"/>
-          </p:cNvSpPr>
-          <p:nvPr>
-            <p:ph type="body"/>
-          </p:nvPr>
-        </p:nvSpPr>
-        <p:spPr>
-          <a:xfrm>
-            <a:off x="457200" y="2761200"/>
-            <a:ext cx="3926160" cy="1422360"/>
-          </a:xfrm>
-          <a:prstGeom prst="rect">
-            <a:avLst/>
-          </a:prstGeom>
-        </p:spPr>
-        <p:txBody>
-          <a:bodyPr bIns="0" lIns="0" rIns="0" tIns="0" wrap="none"/>
-          <a:p>
-            <a:endParaRPr/>
-          </a:p>
-        </p:txBody>
-      </p:sp>
-    </p:spTree>
-  </p:cSld>
-</p:sldLayout>
-</file>
-
-<file path=ppt/slideLayouts/slideLayout36.xml><?xml version="1.0" encoding="utf-8"?>
-<p:sldLayout xmlns:a="http://schemas.openxmlformats.org/drawingml/2006/main" xmlns:p="http://schemas.openxmlformats.org/presentationml/2006/main" xmlns:r="http://schemas.openxmlformats.org/officeDocument/2006/relationships" preserve="1" type="blank">
-  <p:cSld name="Title, 6 Content">
-    <p:spTree>
-      <p:nvGrpSpPr>
-        <p:cNvPr id="1" name=""/>
-        <p:cNvGrpSpPr/>
-        <p:nvPr/>
-      </p:nvGrpSpPr>
-      <p:grpSpPr>
-        <a:xfrm>
-          <a:off x="0" y="0"/>
-          <a:ext cx="0" cy="0"/>
-          <a:chOff x="0" y="0"/>
-          <a:chExt cx="0" cy="0"/>
-        </a:xfrm>
-      </p:grpSpPr>
-      <p:sp>
-        <p:nvSpPr>
-          <p:cNvPr id="99" name="PlaceHolder 1"/>
-          <p:cNvSpPr>
-            <a:spLocks noGrp="1"/>
-          </p:cNvSpPr>
-          <p:nvPr>
-            <p:ph type="title"/>
-          </p:nvPr>
-        </p:nvSpPr>
-        <p:spPr>
-          <a:xfrm>
-            <a:off x="457200" y="205200"/>
-            <a:ext cx="8229240" cy="858960"/>
-          </a:xfrm>
-          <a:prstGeom prst="rect">
-            <a:avLst/>
-          </a:prstGeom>
-        </p:spPr>
-        <p:txBody>
-          <a:bodyPr anchor="ctr" bIns="0" lIns="0" rIns="0" tIns="0" wrap="none"/>
-          <a:p>
-            <a:pPr algn="ctr"/>
-            <a:endParaRPr/>
-          </a:p>
-        </p:txBody>
-      </p:sp>
-      <p:sp>
-        <p:nvSpPr>
-          <p:cNvPr id="100" name="PlaceHolder 2"/>
-          <p:cNvSpPr>
-            <a:spLocks noGrp="1"/>
-          </p:cNvSpPr>
-          <p:nvPr>
-            <p:ph type="body"/>
-          </p:nvPr>
-        </p:nvSpPr>
-        <p:spPr>
-          <a:xfrm>
-            <a:off x="457200" y="1203480"/>
-            <a:ext cx="3926160" cy="1422360"/>
-          </a:xfrm>
-          <a:prstGeom prst="rect">
-            <a:avLst/>
-          </a:prstGeom>
-        </p:spPr>
-        <p:txBody>
-          <a:bodyPr bIns="0" lIns="0" rIns="0" tIns="0" wrap="none"/>
-          <a:p>
-            <a:endParaRPr/>
-          </a:p>
-        </p:txBody>
-      </p:sp>
-      <p:sp>
-        <p:nvSpPr>
-          <p:cNvPr id="101" name="PlaceHolder 3"/>
-          <p:cNvSpPr>
-            <a:spLocks noGrp="1"/>
-          </p:cNvSpPr>
-          <p:nvPr>
-            <p:ph type="body"/>
-          </p:nvPr>
-        </p:nvSpPr>
-        <p:spPr>
-          <a:xfrm>
-            <a:off x="4579920" y="1203480"/>
-            <a:ext cx="3926160" cy="1422360"/>
-          </a:xfrm>
-          <a:prstGeom prst="rect">
-            <a:avLst/>
-          </a:prstGeom>
-        </p:spPr>
-        <p:txBody>
-          <a:bodyPr bIns="0" lIns="0" rIns="0" tIns="0" wrap="none"/>
-          <a:p>
-            <a:endParaRPr/>
-          </a:p>
-        </p:txBody>
-      </p:sp>
-    </p:spTree>
-  </p:cSld>
-</p:sldLayout>
-</file>
-
-<file path=ppt/slideLayouts/slideLayout37.xml><?xml version="1.0" encoding="utf-8"?>
-<p:sldLayout xmlns:a="http://schemas.openxmlformats.org/drawingml/2006/main" xmlns:p="http://schemas.openxmlformats.org/presentationml/2006/main" xmlns:r="http://schemas.openxmlformats.org/officeDocument/2006/relationships" preserve="1" type="blank">
-  <p:cSld name="Blank Slide">
-    <p:spTree>
-      <p:nvGrpSpPr>
-        <p:cNvPr id="1" name=""/>
-        <p:cNvGrpSpPr/>
-        <p:nvPr/>
-      </p:nvGrpSpPr>
-      <p:grpSpPr>
-        <a:xfrm>
-          <a:off x="0" y="0"/>
-          <a:ext cx="0" cy="0"/>
-          <a:chOff x="0" y="0"/>
-          <a:chExt cx="0" cy="0"/>
-        </a:xfrm>
-      </p:grpSpPr>
-    </p:spTree>
-  </p:cSld>
-</p:sldLayout>
-</file>
-
-<file path=ppt/slideLayouts/slideLayout38.xml><?xml version="1.0" encoding="utf-8"?>
-<p:sldLayout xmlns:a="http://schemas.openxmlformats.org/drawingml/2006/main" xmlns:p="http://schemas.openxmlformats.org/presentationml/2006/main" xmlns:r="http://schemas.openxmlformats.org/officeDocument/2006/relationships" preserve="1" type="tx">
-  <p:cSld name="Title Slide">
-    <p:spTree>
-      <p:nvGrpSpPr>
-        <p:cNvPr id="1" name=""/>
-        <p:cNvGrpSpPr/>
-        <p:nvPr/>
-      </p:nvGrpSpPr>
-      <p:grpSpPr>
-        <a:xfrm>
-          <a:off x="0" y="0"/>
-          <a:ext cx="0" cy="0"/>
-          <a:chOff x="0" y="0"/>
-          <a:chExt cx="0" cy="0"/>
-        </a:xfrm>
-      </p:grpSpPr>
-      <p:sp>
-        <p:nvSpPr>
-          <p:cNvPr id="104" name="PlaceHolder 1"/>
-          <p:cNvSpPr>
-            <a:spLocks noGrp="1"/>
-          </p:cNvSpPr>
-          <p:nvPr>
-            <p:ph type="title"/>
-          </p:nvPr>
-        </p:nvSpPr>
-        <p:spPr>
-          <a:xfrm>
-            <a:off x="457200" y="205200"/>
-            <a:ext cx="8229240" cy="858960"/>
-          </a:xfrm>
-          <a:prstGeom prst="rect">
-            <a:avLst/>
-          </a:prstGeom>
-        </p:spPr>
-        <p:txBody>
-          <a:bodyPr anchor="ctr" bIns="0" lIns="0" rIns="0" tIns="0" wrap="none"/>
-          <a:p>
-            <a:pPr algn="ctr"/>
-            <a:endParaRPr/>
-          </a:p>
-        </p:txBody>
-      </p:sp>
-      <p:sp>
-        <p:nvSpPr>
-          <p:cNvPr id="105" name="PlaceHolder 2"/>
-          <p:cNvSpPr>
-            <a:spLocks noGrp="1"/>
-          </p:cNvSpPr>
-          <p:nvPr>
-            <p:ph type="subTitle"/>
-          </p:nvPr>
-        </p:nvSpPr>
-        <p:spPr>
-          <a:xfrm>
-            <a:off x="457200" y="1203480"/>
-            <a:ext cx="8046360" cy="2983320"/>
-          </a:xfrm>
-          <a:prstGeom prst="rect">
-            <a:avLst/>
-          </a:prstGeom>
-        </p:spPr>
-        <p:txBody>
-          <a:bodyPr anchor="ctr" bIns="0" lIns="0" rIns="0" tIns="0" wrap="none"/>
-          <a:p>
-            <a:pPr algn="ctr"/>
-            <a:endParaRPr/>
-          </a:p>
-        </p:txBody>
-      </p:sp>
-    </p:spTree>
-  </p:cSld>
-</p:sldLayout>
-</file>
-
-<file path=ppt/slideLayouts/slideLayout39.xml><?xml version="1.0" encoding="utf-8"?>
-<p:sldLayout xmlns:a="http://schemas.openxmlformats.org/drawingml/2006/main" xmlns:p="http://schemas.openxmlformats.org/presentationml/2006/main" xmlns:r="http://schemas.openxmlformats.org/officeDocument/2006/relationships" preserve="1" type="obj">
-  <p:cSld name="Title, Content">
-    <p:spTree>
-      <p:nvGrpSpPr>
-        <p:cNvPr id="1" name=""/>
-        <p:cNvGrpSpPr/>
-        <p:nvPr/>
-      </p:nvGrpSpPr>
-      <p:grpSpPr>
-        <a:xfrm>
-          <a:off x="0" y="0"/>
-          <a:ext cx="0" cy="0"/>
-          <a:chOff x="0" y="0"/>
-          <a:chExt cx="0" cy="0"/>
-        </a:xfrm>
-      </p:grpSpPr>
-      <p:sp>
-        <p:nvSpPr>
-          <p:cNvPr id="106" name="PlaceHolder 1"/>
-          <p:cNvSpPr>
-            <a:spLocks noGrp="1"/>
-          </p:cNvSpPr>
-          <p:nvPr>
-            <p:ph type="title"/>
-          </p:nvPr>
-        </p:nvSpPr>
-        <p:spPr>
-          <a:xfrm>
-            <a:off x="457200" y="205200"/>
-            <a:ext cx="8229240" cy="858960"/>
-          </a:xfrm>
-          <a:prstGeom prst="rect">
-            <a:avLst/>
-          </a:prstGeom>
-        </p:spPr>
-        <p:txBody>
-          <a:bodyPr anchor="ctr" bIns="0" lIns="0" rIns="0" tIns="0" wrap="none"/>
-          <a:p>
-            <a:pPr algn="ctr"/>
-            <a:endParaRPr/>
-          </a:p>
-        </p:txBody>
-      </p:sp>
-      <p:sp>
-        <p:nvSpPr>
-          <p:cNvPr id="107" name="PlaceHolder 2"/>
-          <p:cNvSpPr>
-            <a:spLocks noGrp="1"/>
-          </p:cNvSpPr>
-          <p:nvPr>
-            <p:ph type="body"/>
-          </p:nvPr>
-        </p:nvSpPr>
-        <p:spPr>
-          <a:xfrm>
-            <a:off x="457200" y="1203480"/>
-            <a:ext cx="8046360" cy="2982960"/>
-          </a:xfrm>
-          <a:prstGeom prst="rect">
-            <a:avLst/>
-          </a:prstGeom>
-        </p:spPr>
-        <p:txBody>
-          <a:bodyPr bIns="0" lIns="0" rIns="0" tIns="0" wrap="none"/>
-          <a:p>
-            <a:endParaRPr/>
-          </a:p>
-        </p:txBody>
-      </p:sp>
-    </p:spTree>
-  </p:cSld>
-</p:sldLayout>
-</file>
-
 <file path=ppt/slideLayouts/slideLayout4.xml><?xml version="1.0" encoding="utf-8"?>
 <p:sldLayout xmlns:a="http://schemas.openxmlformats.org/drawingml/2006/main" xmlns:p="http://schemas.openxmlformats.org/presentationml/2006/main" xmlns:r="http://schemas.openxmlformats.org/officeDocument/2006/relationships" preserve="1" type="twoObj">
   <p:cSld name="Title, 2 Content">
@@ -3055,963 +662,6 @@
           </a:p>
         </p:txBody>
       </p:sp>
-    </p:spTree>
-  </p:cSld>
-</p:sldLayout>
-</file>
-
-<file path=ppt/slideLayouts/slideLayout40.xml><?xml version="1.0" encoding="utf-8"?>
-<p:sldLayout xmlns:a="http://schemas.openxmlformats.org/drawingml/2006/main" xmlns:p="http://schemas.openxmlformats.org/presentationml/2006/main" xmlns:r="http://schemas.openxmlformats.org/officeDocument/2006/relationships" preserve="1" type="twoObj">
-  <p:cSld name="Title, 2 Content">
-    <p:spTree>
-      <p:nvGrpSpPr>
-        <p:cNvPr id="1" name=""/>
-        <p:cNvGrpSpPr/>
-        <p:nvPr/>
-      </p:nvGrpSpPr>
-      <p:grpSpPr>
-        <a:xfrm>
-          <a:off x="0" y="0"/>
-          <a:ext cx="0" cy="0"/>
-          <a:chOff x="0" y="0"/>
-          <a:chExt cx="0" cy="0"/>
-        </a:xfrm>
-      </p:grpSpPr>
-      <p:sp>
-        <p:nvSpPr>
-          <p:cNvPr id="108" name="PlaceHolder 1"/>
-          <p:cNvSpPr>
-            <a:spLocks noGrp="1"/>
-          </p:cNvSpPr>
-          <p:nvPr>
-            <p:ph type="title"/>
-          </p:nvPr>
-        </p:nvSpPr>
-        <p:spPr>
-          <a:xfrm>
-            <a:off x="457200" y="205200"/>
-            <a:ext cx="8229240" cy="858960"/>
-          </a:xfrm>
-          <a:prstGeom prst="rect">
-            <a:avLst/>
-          </a:prstGeom>
-        </p:spPr>
-        <p:txBody>
-          <a:bodyPr anchor="ctr" bIns="0" lIns="0" rIns="0" tIns="0" wrap="none"/>
-          <a:p>
-            <a:pPr algn="ctr"/>
-            <a:endParaRPr/>
-          </a:p>
-        </p:txBody>
-      </p:sp>
-      <p:sp>
-        <p:nvSpPr>
-          <p:cNvPr id="109" name="PlaceHolder 2"/>
-          <p:cNvSpPr>
-            <a:spLocks noGrp="1"/>
-          </p:cNvSpPr>
-          <p:nvPr>
-            <p:ph type="body"/>
-          </p:nvPr>
-        </p:nvSpPr>
-        <p:spPr>
-          <a:xfrm>
-            <a:off x="457200" y="1203480"/>
-            <a:ext cx="3926160" cy="2982960"/>
-          </a:xfrm>
-          <a:prstGeom prst="rect">
-            <a:avLst/>
-          </a:prstGeom>
-        </p:spPr>
-        <p:txBody>
-          <a:bodyPr bIns="0" lIns="0" rIns="0" tIns="0" wrap="none"/>
-          <a:p>
-            <a:endParaRPr/>
-          </a:p>
-        </p:txBody>
-      </p:sp>
-      <p:sp>
-        <p:nvSpPr>
-          <p:cNvPr id="110" name="PlaceHolder 3"/>
-          <p:cNvSpPr>
-            <a:spLocks noGrp="1"/>
-          </p:cNvSpPr>
-          <p:nvPr>
-            <p:ph type="body"/>
-          </p:nvPr>
-        </p:nvSpPr>
-        <p:spPr>
-          <a:xfrm>
-            <a:off x="4579920" y="1203480"/>
-            <a:ext cx="3926160" cy="2982960"/>
-          </a:xfrm>
-          <a:prstGeom prst="rect">
-            <a:avLst/>
-          </a:prstGeom>
-        </p:spPr>
-        <p:txBody>
-          <a:bodyPr bIns="0" lIns="0" rIns="0" tIns="0" wrap="none"/>
-          <a:p>
-            <a:endParaRPr/>
-          </a:p>
-        </p:txBody>
-      </p:sp>
-    </p:spTree>
-  </p:cSld>
-</p:sldLayout>
-</file>
-
-<file path=ppt/slideLayouts/slideLayout41.xml><?xml version="1.0" encoding="utf-8"?>
-<p:sldLayout xmlns:a="http://schemas.openxmlformats.org/drawingml/2006/main" xmlns:p="http://schemas.openxmlformats.org/presentationml/2006/main" xmlns:r="http://schemas.openxmlformats.org/officeDocument/2006/relationships" preserve="1" type="titleOnly">
-  <p:cSld name="Title Only">
-    <p:spTree>
-      <p:nvGrpSpPr>
-        <p:cNvPr id="1" name=""/>
-        <p:cNvGrpSpPr/>
-        <p:nvPr/>
-      </p:nvGrpSpPr>
-      <p:grpSpPr>
-        <a:xfrm>
-          <a:off x="0" y="0"/>
-          <a:ext cx="0" cy="0"/>
-          <a:chOff x="0" y="0"/>
-          <a:chExt cx="0" cy="0"/>
-        </a:xfrm>
-      </p:grpSpPr>
-      <p:sp>
-        <p:nvSpPr>
-          <p:cNvPr id="111" name="PlaceHolder 1"/>
-          <p:cNvSpPr>
-            <a:spLocks noGrp="1"/>
-          </p:cNvSpPr>
-          <p:nvPr>
-            <p:ph type="title"/>
-          </p:nvPr>
-        </p:nvSpPr>
-        <p:spPr>
-          <a:xfrm>
-            <a:off x="457200" y="205200"/>
-            <a:ext cx="8229240" cy="858960"/>
-          </a:xfrm>
-          <a:prstGeom prst="rect">
-            <a:avLst/>
-          </a:prstGeom>
-        </p:spPr>
-        <p:txBody>
-          <a:bodyPr anchor="ctr" bIns="0" lIns="0" rIns="0" tIns="0" wrap="none"/>
-          <a:p>
-            <a:pPr algn="ctr"/>
-            <a:endParaRPr/>
-          </a:p>
-        </p:txBody>
-      </p:sp>
-    </p:spTree>
-  </p:cSld>
-</p:sldLayout>
-</file>
-
-<file path=ppt/slideLayouts/slideLayout42.xml><?xml version="1.0" encoding="utf-8"?>
-<p:sldLayout xmlns:a="http://schemas.openxmlformats.org/drawingml/2006/main" xmlns:p="http://schemas.openxmlformats.org/presentationml/2006/main" xmlns:r="http://schemas.openxmlformats.org/officeDocument/2006/relationships" preserve="1" type="objOnly">
-  <p:cSld name="Centered Text">
-    <p:spTree>
-      <p:nvGrpSpPr>
-        <p:cNvPr id="1" name=""/>
-        <p:cNvGrpSpPr/>
-        <p:nvPr/>
-      </p:nvGrpSpPr>
-      <p:grpSpPr>
-        <a:xfrm>
-          <a:off x="0" y="0"/>
-          <a:ext cx="0" cy="0"/>
-          <a:chOff x="0" y="0"/>
-          <a:chExt cx="0" cy="0"/>
-        </a:xfrm>
-      </p:grpSpPr>
-      <p:sp>
-        <p:nvSpPr>
-          <p:cNvPr id="112" name="PlaceHolder 1"/>
-          <p:cNvSpPr>
-            <a:spLocks noGrp="1"/>
-          </p:cNvSpPr>
-          <p:nvPr>
-            <p:ph type="subTitle"/>
-          </p:nvPr>
-        </p:nvSpPr>
-        <p:spPr>
-          <a:xfrm>
-            <a:off x="457200" y="205200"/>
-            <a:ext cx="8229240" cy="3981240"/>
-          </a:xfrm>
-          <a:prstGeom prst="rect">
-            <a:avLst/>
-          </a:prstGeom>
-        </p:spPr>
-        <p:txBody>
-          <a:bodyPr anchor="ctr" bIns="0" lIns="0" rIns="0" tIns="0" wrap="none"/>
-          <a:p>
-            <a:pPr algn="ctr"/>
-            <a:endParaRPr/>
-          </a:p>
-        </p:txBody>
-      </p:sp>
-    </p:spTree>
-  </p:cSld>
-</p:sldLayout>
-</file>
-
-<file path=ppt/slideLayouts/slideLayout43.xml><?xml version="1.0" encoding="utf-8"?>
-<p:sldLayout xmlns:a="http://schemas.openxmlformats.org/drawingml/2006/main" xmlns:p="http://schemas.openxmlformats.org/presentationml/2006/main" xmlns:r="http://schemas.openxmlformats.org/officeDocument/2006/relationships" preserve="1" type="twoObjAndObj">
-  <p:cSld name="Title, 2 Content and Content">
-    <p:spTree>
-      <p:nvGrpSpPr>
-        <p:cNvPr id="1" name=""/>
-        <p:cNvGrpSpPr/>
-        <p:nvPr/>
-      </p:nvGrpSpPr>
-      <p:grpSpPr>
-        <a:xfrm>
-          <a:off x="0" y="0"/>
-          <a:ext cx="0" cy="0"/>
-          <a:chOff x="0" y="0"/>
-          <a:chExt cx="0" cy="0"/>
-        </a:xfrm>
-      </p:grpSpPr>
-      <p:sp>
-        <p:nvSpPr>
-          <p:cNvPr id="113" name="PlaceHolder 1"/>
-          <p:cNvSpPr>
-            <a:spLocks noGrp="1"/>
-          </p:cNvSpPr>
-          <p:nvPr>
-            <p:ph type="title"/>
-          </p:nvPr>
-        </p:nvSpPr>
-        <p:spPr>
-          <a:xfrm>
-            <a:off x="457200" y="205200"/>
-            <a:ext cx="8229240" cy="858960"/>
-          </a:xfrm>
-          <a:prstGeom prst="rect">
-            <a:avLst/>
-          </a:prstGeom>
-        </p:spPr>
-        <p:txBody>
-          <a:bodyPr anchor="ctr" bIns="0" lIns="0" rIns="0" tIns="0" wrap="none"/>
-          <a:p>
-            <a:pPr algn="ctr"/>
-            <a:endParaRPr/>
-          </a:p>
-        </p:txBody>
-      </p:sp>
-      <p:sp>
-        <p:nvSpPr>
-          <p:cNvPr id="114" name="PlaceHolder 2"/>
-          <p:cNvSpPr>
-            <a:spLocks noGrp="1"/>
-          </p:cNvSpPr>
-          <p:nvPr>
-            <p:ph type="body"/>
-          </p:nvPr>
-        </p:nvSpPr>
-        <p:spPr>
-          <a:xfrm>
-            <a:off x="457200" y="1203480"/>
-            <a:ext cx="3926160" cy="1422360"/>
-          </a:xfrm>
-          <a:prstGeom prst="rect">
-            <a:avLst/>
-          </a:prstGeom>
-        </p:spPr>
-        <p:txBody>
-          <a:bodyPr bIns="0" lIns="0" rIns="0" tIns="0" wrap="none"/>
-          <a:p>
-            <a:endParaRPr/>
-          </a:p>
-        </p:txBody>
-      </p:sp>
-      <p:sp>
-        <p:nvSpPr>
-          <p:cNvPr id="115" name="PlaceHolder 3"/>
-          <p:cNvSpPr>
-            <a:spLocks noGrp="1"/>
-          </p:cNvSpPr>
-          <p:nvPr>
-            <p:ph type="body"/>
-          </p:nvPr>
-        </p:nvSpPr>
-        <p:spPr>
-          <a:xfrm>
-            <a:off x="457200" y="2761200"/>
-            <a:ext cx="3926160" cy="1422360"/>
-          </a:xfrm>
-          <a:prstGeom prst="rect">
-            <a:avLst/>
-          </a:prstGeom>
-        </p:spPr>
-        <p:txBody>
-          <a:bodyPr bIns="0" lIns="0" rIns="0" tIns="0" wrap="none"/>
-          <a:p>
-            <a:endParaRPr/>
-          </a:p>
-        </p:txBody>
-      </p:sp>
-      <p:sp>
-        <p:nvSpPr>
-          <p:cNvPr id="116" name="PlaceHolder 4"/>
-          <p:cNvSpPr>
-            <a:spLocks noGrp="1"/>
-          </p:cNvSpPr>
-          <p:nvPr>
-            <p:ph type="body"/>
-          </p:nvPr>
-        </p:nvSpPr>
-        <p:spPr>
-          <a:xfrm>
-            <a:off x="4579920" y="1203480"/>
-            <a:ext cx="3926160" cy="2982960"/>
-          </a:xfrm>
-          <a:prstGeom prst="rect">
-            <a:avLst/>
-          </a:prstGeom>
-        </p:spPr>
-        <p:txBody>
-          <a:bodyPr bIns="0" lIns="0" rIns="0" tIns="0" wrap="none"/>
-          <a:p>
-            <a:endParaRPr/>
-          </a:p>
-        </p:txBody>
-      </p:sp>
-    </p:spTree>
-  </p:cSld>
-</p:sldLayout>
-</file>
-
-<file path=ppt/slideLayouts/slideLayout44.xml><?xml version="1.0" encoding="utf-8"?>
-<p:sldLayout xmlns:a="http://schemas.openxmlformats.org/drawingml/2006/main" xmlns:p="http://schemas.openxmlformats.org/presentationml/2006/main" xmlns:r="http://schemas.openxmlformats.org/officeDocument/2006/relationships" preserve="1" type="objAndTwoObj">
-  <p:cSld name="Title Content and 2 Content">
-    <p:spTree>
-      <p:nvGrpSpPr>
-        <p:cNvPr id="1" name=""/>
-        <p:cNvGrpSpPr/>
-        <p:nvPr/>
-      </p:nvGrpSpPr>
-      <p:grpSpPr>
-        <a:xfrm>
-          <a:off x="0" y="0"/>
-          <a:ext cx="0" cy="0"/>
-          <a:chOff x="0" y="0"/>
-          <a:chExt cx="0" cy="0"/>
-        </a:xfrm>
-      </p:grpSpPr>
-      <p:sp>
-        <p:nvSpPr>
-          <p:cNvPr id="117" name="PlaceHolder 1"/>
-          <p:cNvSpPr>
-            <a:spLocks noGrp="1"/>
-          </p:cNvSpPr>
-          <p:nvPr>
-            <p:ph type="title"/>
-          </p:nvPr>
-        </p:nvSpPr>
-        <p:spPr>
-          <a:xfrm>
-            <a:off x="457200" y="205200"/>
-            <a:ext cx="8229240" cy="858960"/>
-          </a:xfrm>
-          <a:prstGeom prst="rect">
-            <a:avLst/>
-          </a:prstGeom>
-        </p:spPr>
-        <p:txBody>
-          <a:bodyPr anchor="ctr" bIns="0" lIns="0" rIns="0" tIns="0" wrap="none"/>
-          <a:p>
-            <a:pPr algn="ctr"/>
-            <a:endParaRPr/>
-          </a:p>
-        </p:txBody>
-      </p:sp>
-      <p:sp>
-        <p:nvSpPr>
-          <p:cNvPr id="118" name="PlaceHolder 2"/>
-          <p:cNvSpPr>
-            <a:spLocks noGrp="1"/>
-          </p:cNvSpPr>
-          <p:nvPr>
-            <p:ph type="body"/>
-          </p:nvPr>
-        </p:nvSpPr>
-        <p:spPr>
-          <a:xfrm>
-            <a:off x="457200" y="1203480"/>
-            <a:ext cx="3926160" cy="2982960"/>
-          </a:xfrm>
-          <a:prstGeom prst="rect">
-            <a:avLst/>
-          </a:prstGeom>
-        </p:spPr>
-        <p:txBody>
-          <a:bodyPr bIns="0" lIns="0" rIns="0" tIns="0" wrap="none"/>
-          <a:p>
-            <a:endParaRPr/>
-          </a:p>
-        </p:txBody>
-      </p:sp>
-      <p:sp>
-        <p:nvSpPr>
-          <p:cNvPr id="119" name="PlaceHolder 3"/>
-          <p:cNvSpPr>
-            <a:spLocks noGrp="1"/>
-          </p:cNvSpPr>
-          <p:nvPr>
-            <p:ph type="body"/>
-          </p:nvPr>
-        </p:nvSpPr>
-        <p:spPr>
-          <a:xfrm>
-            <a:off x="4579920" y="1203480"/>
-            <a:ext cx="3926160" cy="1422360"/>
-          </a:xfrm>
-          <a:prstGeom prst="rect">
-            <a:avLst/>
-          </a:prstGeom>
-        </p:spPr>
-        <p:txBody>
-          <a:bodyPr bIns="0" lIns="0" rIns="0" tIns="0" wrap="none"/>
-          <a:p>
-            <a:endParaRPr/>
-          </a:p>
-        </p:txBody>
-      </p:sp>
-      <p:sp>
-        <p:nvSpPr>
-          <p:cNvPr id="120" name="PlaceHolder 4"/>
-          <p:cNvSpPr>
-            <a:spLocks noGrp="1"/>
-          </p:cNvSpPr>
-          <p:nvPr>
-            <p:ph type="body"/>
-          </p:nvPr>
-        </p:nvSpPr>
-        <p:spPr>
-          <a:xfrm>
-            <a:off x="4579920" y="2761200"/>
-            <a:ext cx="3926160" cy="1422360"/>
-          </a:xfrm>
-          <a:prstGeom prst="rect">
-            <a:avLst/>
-          </a:prstGeom>
-        </p:spPr>
-        <p:txBody>
-          <a:bodyPr bIns="0" lIns="0" rIns="0" tIns="0" wrap="none"/>
-          <a:p>
-            <a:endParaRPr/>
-          </a:p>
-        </p:txBody>
-      </p:sp>
-    </p:spTree>
-  </p:cSld>
-</p:sldLayout>
-</file>
-
-<file path=ppt/slideLayouts/slideLayout45.xml><?xml version="1.0" encoding="utf-8"?>
-<p:sldLayout xmlns:a="http://schemas.openxmlformats.org/drawingml/2006/main" xmlns:p="http://schemas.openxmlformats.org/presentationml/2006/main" xmlns:r="http://schemas.openxmlformats.org/officeDocument/2006/relationships" preserve="1" type="twoObjOverTx">
-  <p:cSld name="Title, 2 Content over Content">
-    <p:spTree>
-      <p:nvGrpSpPr>
-        <p:cNvPr id="1" name=""/>
-        <p:cNvGrpSpPr/>
-        <p:nvPr/>
-      </p:nvGrpSpPr>
-      <p:grpSpPr>
-        <a:xfrm>
-          <a:off x="0" y="0"/>
-          <a:ext cx="0" cy="0"/>
-          <a:chOff x="0" y="0"/>
-          <a:chExt cx="0" cy="0"/>
-        </a:xfrm>
-      </p:grpSpPr>
-      <p:sp>
-        <p:nvSpPr>
-          <p:cNvPr id="121" name="PlaceHolder 1"/>
-          <p:cNvSpPr>
-            <a:spLocks noGrp="1"/>
-          </p:cNvSpPr>
-          <p:nvPr>
-            <p:ph type="title"/>
-          </p:nvPr>
-        </p:nvSpPr>
-        <p:spPr>
-          <a:xfrm>
-            <a:off x="457200" y="205200"/>
-            <a:ext cx="8229240" cy="858960"/>
-          </a:xfrm>
-          <a:prstGeom prst="rect">
-            <a:avLst/>
-          </a:prstGeom>
-        </p:spPr>
-        <p:txBody>
-          <a:bodyPr anchor="ctr" bIns="0" lIns="0" rIns="0" tIns="0" wrap="none"/>
-          <a:p>
-            <a:pPr algn="ctr"/>
-            <a:endParaRPr/>
-          </a:p>
-        </p:txBody>
-      </p:sp>
-      <p:sp>
-        <p:nvSpPr>
-          <p:cNvPr id="122" name="PlaceHolder 2"/>
-          <p:cNvSpPr>
-            <a:spLocks noGrp="1"/>
-          </p:cNvSpPr>
-          <p:nvPr>
-            <p:ph type="body"/>
-          </p:nvPr>
-        </p:nvSpPr>
-        <p:spPr>
-          <a:xfrm>
-            <a:off x="457200" y="1203480"/>
-            <a:ext cx="3926160" cy="1422360"/>
-          </a:xfrm>
-          <a:prstGeom prst="rect">
-            <a:avLst/>
-          </a:prstGeom>
-        </p:spPr>
-        <p:txBody>
-          <a:bodyPr bIns="0" lIns="0" rIns="0" tIns="0" wrap="none"/>
-          <a:p>
-            <a:endParaRPr/>
-          </a:p>
-        </p:txBody>
-      </p:sp>
-      <p:sp>
-        <p:nvSpPr>
-          <p:cNvPr id="123" name="PlaceHolder 3"/>
-          <p:cNvSpPr>
-            <a:spLocks noGrp="1"/>
-          </p:cNvSpPr>
-          <p:nvPr>
-            <p:ph type="body"/>
-          </p:nvPr>
-        </p:nvSpPr>
-        <p:spPr>
-          <a:xfrm>
-            <a:off x="4579920" y="1203480"/>
-            <a:ext cx="3926160" cy="1422360"/>
-          </a:xfrm>
-          <a:prstGeom prst="rect">
-            <a:avLst/>
-          </a:prstGeom>
-        </p:spPr>
-        <p:txBody>
-          <a:bodyPr bIns="0" lIns="0" rIns="0" tIns="0" wrap="none"/>
-          <a:p>
-            <a:endParaRPr/>
-          </a:p>
-        </p:txBody>
-      </p:sp>
-      <p:sp>
-        <p:nvSpPr>
-          <p:cNvPr id="124" name="PlaceHolder 4"/>
-          <p:cNvSpPr>
-            <a:spLocks noGrp="1"/>
-          </p:cNvSpPr>
-          <p:nvPr>
-            <p:ph type="body"/>
-          </p:nvPr>
-        </p:nvSpPr>
-        <p:spPr>
-          <a:xfrm>
-            <a:off x="457200" y="2761200"/>
-            <a:ext cx="8045640" cy="1422360"/>
-          </a:xfrm>
-          <a:prstGeom prst="rect">
-            <a:avLst/>
-          </a:prstGeom>
-        </p:spPr>
-        <p:txBody>
-          <a:bodyPr bIns="0" lIns="0" rIns="0" tIns="0" wrap="none"/>
-          <a:p>
-            <a:endParaRPr/>
-          </a:p>
-        </p:txBody>
-      </p:sp>
-    </p:spTree>
-  </p:cSld>
-</p:sldLayout>
-</file>
-
-<file path=ppt/slideLayouts/slideLayout46.xml><?xml version="1.0" encoding="utf-8"?>
-<p:sldLayout xmlns:a="http://schemas.openxmlformats.org/drawingml/2006/main" xmlns:p="http://schemas.openxmlformats.org/presentationml/2006/main" xmlns:r="http://schemas.openxmlformats.org/officeDocument/2006/relationships" preserve="1" type="objOverTx">
-  <p:cSld name="Title, Content over Content">
-    <p:spTree>
-      <p:nvGrpSpPr>
-        <p:cNvPr id="1" name=""/>
-        <p:cNvGrpSpPr/>
-        <p:nvPr/>
-      </p:nvGrpSpPr>
-      <p:grpSpPr>
-        <a:xfrm>
-          <a:off x="0" y="0"/>
-          <a:ext cx="0" cy="0"/>
-          <a:chOff x="0" y="0"/>
-          <a:chExt cx="0" cy="0"/>
-        </a:xfrm>
-      </p:grpSpPr>
-      <p:sp>
-        <p:nvSpPr>
-          <p:cNvPr id="125" name="PlaceHolder 1"/>
-          <p:cNvSpPr>
-            <a:spLocks noGrp="1"/>
-          </p:cNvSpPr>
-          <p:nvPr>
-            <p:ph type="title"/>
-          </p:nvPr>
-        </p:nvSpPr>
-        <p:spPr>
-          <a:xfrm>
-            <a:off x="457200" y="205200"/>
-            <a:ext cx="8229240" cy="858960"/>
-          </a:xfrm>
-          <a:prstGeom prst="rect">
-            <a:avLst/>
-          </a:prstGeom>
-        </p:spPr>
-        <p:txBody>
-          <a:bodyPr anchor="ctr" bIns="0" lIns="0" rIns="0" tIns="0" wrap="none"/>
-          <a:p>
-            <a:pPr algn="ctr"/>
-            <a:endParaRPr/>
-          </a:p>
-        </p:txBody>
-      </p:sp>
-      <p:sp>
-        <p:nvSpPr>
-          <p:cNvPr id="126" name="PlaceHolder 2"/>
-          <p:cNvSpPr>
-            <a:spLocks noGrp="1"/>
-          </p:cNvSpPr>
-          <p:nvPr>
-            <p:ph type="body"/>
-          </p:nvPr>
-        </p:nvSpPr>
-        <p:spPr>
-          <a:xfrm>
-            <a:off x="457200" y="1203480"/>
-            <a:ext cx="8046360" cy="1422360"/>
-          </a:xfrm>
-          <a:prstGeom prst="rect">
-            <a:avLst/>
-          </a:prstGeom>
-        </p:spPr>
-        <p:txBody>
-          <a:bodyPr bIns="0" lIns="0" rIns="0" tIns="0" wrap="none"/>
-          <a:p>
-            <a:endParaRPr/>
-          </a:p>
-        </p:txBody>
-      </p:sp>
-      <p:sp>
-        <p:nvSpPr>
-          <p:cNvPr id="127" name="PlaceHolder 3"/>
-          <p:cNvSpPr>
-            <a:spLocks noGrp="1"/>
-          </p:cNvSpPr>
-          <p:nvPr>
-            <p:ph type="body"/>
-          </p:nvPr>
-        </p:nvSpPr>
-        <p:spPr>
-          <a:xfrm>
-            <a:off x="457200" y="2761200"/>
-            <a:ext cx="8046360" cy="1422360"/>
-          </a:xfrm>
-          <a:prstGeom prst="rect">
-            <a:avLst/>
-          </a:prstGeom>
-        </p:spPr>
-        <p:txBody>
-          <a:bodyPr bIns="0" lIns="0" rIns="0" tIns="0" wrap="none"/>
-          <a:p>
-            <a:endParaRPr/>
-          </a:p>
-        </p:txBody>
-      </p:sp>
-    </p:spTree>
-  </p:cSld>
-</p:sldLayout>
-</file>
-
-<file path=ppt/slideLayouts/slideLayout47.xml><?xml version="1.0" encoding="utf-8"?>
-<p:sldLayout xmlns:a="http://schemas.openxmlformats.org/drawingml/2006/main" xmlns:p="http://schemas.openxmlformats.org/presentationml/2006/main" xmlns:r="http://schemas.openxmlformats.org/officeDocument/2006/relationships" preserve="1" type="fourObj">
-  <p:cSld name="Title, 4 Content">
-    <p:spTree>
-      <p:nvGrpSpPr>
-        <p:cNvPr id="1" name=""/>
-        <p:cNvGrpSpPr/>
-        <p:nvPr/>
-      </p:nvGrpSpPr>
-      <p:grpSpPr>
-        <a:xfrm>
-          <a:off x="0" y="0"/>
-          <a:ext cx="0" cy="0"/>
-          <a:chOff x="0" y="0"/>
-          <a:chExt cx="0" cy="0"/>
-        </a:xfrm>
-      </p:grpSpPr>
-      <p:sp>
-        <p:nvSpPr>
-          <p:cNvPr id="128" name="PlaceHolder 1"/>
-          <p:cNvSpPr>
-            <a:spLocks noGrp="1"/>
-          </p:cNvSpPr>
-          <p:nvPr>
-            <p:ph type="title"/>
-          </p:nvPr>
-        </p:nvSpPr>
-        <p:spPr>
-          <a:xfrm>
-            <a:off x="457200" y="205200"/>
-            <a:ext cx="8229240" cy="858960"/>
-          </a:xfrm>
-          <a:prstGeom prst="rect">
-            <a:avLst/>
-          </a:prstGeom>
-        </p:spPr>
-        <p:txBody>
-          <a:bodyPr anchor="ctr" bIns="0" lIns="0" rIns="0" tIns="0" wrap="none"/>
-          <a:p>
-            <a:pPr algn="ctr"/>
-            <a:endParaRPr/>
-          </a:p>
-        </p:txBody>
-      </p:sp>
-      <p:sp>
-        <p:nvSpPr>
-          <p:cNvPr id="129" name="PlaceHolder 2"/>
-          <p:cNvSpPr>
-            <a:spLocks noGrp="1"/>
-          </p:cNvSpPr>
-          <p:nvPr>
-            <p:ph type="body"/>
-          </p:nvPr>
-        </p:nvSpPr>
-        <p:spPr>
-          <a:xfrm>
-            <a:off x="457200" y="1203480"/>
-            <a:ext cx="3926160" cy="1422360"/>
-          </a:xfrm>
-          <a:prstGeom prst="rect">
-            <a:avLst/>
-          </a:prstGeom>
-        </p:spPr>
-        <p:txBody>
-          <a:bodyPr bIns="0" lIns="0" rIns="0" tIns="0" wrap="none"/>
-          <a:p>
-            <a:endParaRPr/>
-          </a:p>
-        </p:txBody>
-      </p:sp>
-      <p:sp>
-        <p:nvSpPr>
-          <p:cNvPr id="130" name="PlaceHolder 3"/>
-          <p:cNvSpPr>
-            <a:spLocks noGrp="1"/>
-          </p:cNvSpPr>
-          <p:nvPr>
-            <p:ph type="body"/>
-          </p:nvPr>
-        </p:nvSpPr>
-        <p:spPr>
-          <a:xfrm>
-            <a:off x="4579920" y="1203480"/>
-            <a:ext cx="3926160" cy="1422360"/>
-          </a:xfrm>
-          <a:prstGeom prst="rect">
-            <a:avLst/>
-          </a:prstGeom>
-        </p:spPr>
-        <p:txBody>
-          <a:bodyPr bIns="0" lIns="0" rIns="0" tIns="0" wrap="none"/>
-          <a:p>
-            <a:endParaRPr/>
-          </a:p>
-        </p:txBody>
-      </p:sp>
-      <p:sp>
-        <p:nvSpPr>
-          <p:cNvPr id="131" name="PlaceHolder 4"/>
-          <p:cNvSpPr>
-            <a:spLocks noGrp="1"/>
-          </p:cNvSpPr>
-          <p:nvPr>
-            <p:ph type="body"/>
-          </p:nvPr>
-        </p:nvSpPr>
-        <p:spPr>
-          <a:xfrm>
-            <a:off x="4579920" y="2761200"/>
-            <a:ext cx="3926160" cy="1422360"/>
-          </a:xfrm>
-          <a:prstGeom prst="rect">
-            <a:avLst/>
-          </a:prstGeom>
-        </p:spPr>
-        <p:txBody>
-          <a:bodyPr bIns="0" lIns="0" rIns="0" tIns="0" wrap="none"/>
-          <a:p>
-            <a:endParaRPr/>
-          </a:p>
-        </p:txBody>
-      </p:sp>
-      <p:sp>
-        <p:nvSpPr>
-          <p:cNvPr id="132" name="PlaceHolder 5"/>
-          <p:cNvSpPr>
-            <a:spLocks noGrp="1"/>
-          </p:cNvSpPr>
-          <p:nvPr>
-            <p:ph type="body"/>
-          </p:nvPr>
-        </p:nvSpPr>
-        <p:spPr>
-          <a:xfrm>
-            <a:off x="457200" y="2761200"/>
-            <a:ext cx="3926160" cy="1422360"/>
-          </a:xfrm>
-          <a:prstGeom prst="rect">
-            <a:avLst/>
-          </a:prstGeom>
-        </p:spPr>
-        <p:txBody>
-          <a:bodyPr bIns="0" lIns="0" rIns="0" tIns="0" wrap="none"/>
-          <a:p>
-            <a:endParaRPr/>
-          </a:p>
-        </p:txBody>
-      </p:sp>
-    </p:spTree>
-  </p:cSld>
-</p:sldLayout>
-</file>
-
-<file path=ppt/slideLayouts/slideLayout48.xml><?xml version="1.0" encoding="utf-8"?>
-<p:sldLayout xmlns:a="http://schemas.openxmlformats.org/drawingml/2006/main" xmlns:p="http://schemas.openxmlformats.org/presentationml/2006/main" xmlns:r="http://schemas.openxmlformats.org/officeDocument/2006/relationships" preserve="1" type="blank">
-  <p:cSld name="Title, 6 Content">
-    <p:spTree>
-      <p:nvGrpSpPr>
-        <p:cNvPr id="1" name=""/>
-        <p:cNvGrpSpPr/>
-        <p:nvPr/>
-      </p:nvGrpSpPr>
-      <p:grpSpPr>
-        <a:xfrm>
-          <a:off x="0" y="0"/>
-          <a:ext cx="0" cy="0"/>
-          <a:chOff x="0" y="0"/>
-          <a:chExt cx="0" cy="0"/>
-        </a:xfrm>
-      </p:grpSpPr>
-      <p:sp>
-        <p:nvSpPr>
-          <p:cNvPr id="133" name="PlaceHolder 1"/>
-          <p:cNvSpPr>
-            <a:spLocks noGrp="1"/>
-          </p:cNvSpPr>
-          <p:nvPr>
-            <p:ph type="title"/>
-          </p:nvPr>
-        </p:nvSpPr>
-        <p:spPr>
-          <a:xfrm>
-            <a:off x="457200" y="205200"/>
-            <a:ext cx="8229240" cy="858960"/>
-          </a:xfrm>
-          <a:prstGeom prst="rect">
-            <a:avLst/>
-          </a:prstGeom>
-        </p:spPr>
-        <p:txBody>
-          <a:bodyPr anchor="ctr" bIns="0" lIns="0" rIns="0" tIns="0" wrap="none"/>
-          <a:p>
-            <a:pPr algn="ctr"/>
-            <a:endParaRPr/>
-          </a:p>
-        </p:txBody>
-      </p:sp>
-      <p:sp>
-        <p:nvSpPr>
-          <p:cNvPr id="134" name="PlaceHolder 2"/>
-          <p:cNvSpPr>
-            <a:spLocks noGrp="1"/>
-          </p:cNvSpPr>
-          <p:nvPr>
-            <p:ph type="body"/>
-          </p:nvPr>
-        </p:nvSpPr>
-        <p:spPr>
-          <a:xfrm>
-            <a:off x="457200" y="1203480"/>
-            <a:ext cx="3926160" cy="1422360"/>
-          </a:xfrm>
-          <a:prstGeom prst="rect">
-            <a:avLst/>
-          </a:prstGeom>
-        </p:spPr>
-        <p:txBody>
-          <a:bodyPr bIns="0" lIns="0" rIns="0" tIns="0" wrap="none"/>
-          <a:p>
-            <a:endParaRPr/>
-          </a:p>
-        </p:txBody>
-      </p:sp>
-      <p:sp>
-        <p:nvSpPr>
-          <p:cNvPr id="135" name="PlaceHolder 3"/>
-          <p:cNvSpPr>
-            <a:spLocks noGrp="1"/>
-          </p:cNvSpPr>
-          <p:nvPr>
-            <p:ph type="body"/>
-          </p:nvPr>
-        </p:nvSpPr>
-        <p:spPr>
-          <a:xfrm>
-            <a:off x="4579920" y="1203480"/>
-            <a:ext cx="3926160" cy="1422360"/>
-          </a:xfrm>
-          <a:prstGeom prst="rect">
-            <a:avLst/>
-          </a:prstGeom>
-        </p:spPr>
-        <p:txBody>
-          <a:bodyPr bIns="0" lIns="0" rIns="0" tIns="0" wrap="none"/>
-          <a:p>
-            <a:endParaRPr/>
-          </a:p>
-        </p:txBody>
-      </p:sp>
-    </p:spTree>
-  </p:cSld>
-</p:sldLayout>
-</file>
-
-<file path=ppt/slideLayouts/slideLayout49.xml><?xml version="1.0" encoding="utf-8"?>
-<p:sldLayout xmlns:a="http://schemas.openxmlformats.org/drawingml/2006/main" xmlns:p="http://schemas.openxmlformats.org/presentationml/2006/main" xmlns:r="http://schemas.openxmlformats.org/officeDocument/2006/relationships" preserve="1" type="blank">
-  <p:cSld name="Blank Slide">
-    <p:spTree>
-      <p:nvGrpSpPr>
-        <p:cNvPr id="1" name=""/>
-        <p:cNvGrpSpPr/>
-        <p:nvPr/>
-      </p:nvGrpSpPr>
-      <p:grpSpPr>
-        <a:xfrm>
-          <a:off x="0" y="0"/>
-          <a:ext cx="0" cy="0"/>
-          <a:chOff x="0" y="0"/>
-          <a:chExt cx="0" cy="0"/>
-        </a:xfrm>
-      </p:grpSpPr>
     </p:spTree>
   </p:cSld>
 </p:sldLayout>
@@ -4066,991 +716,6 @@
 </p:sldLayout>
 </file>
 
-<file path=ppt/slideLayouts/slideLayout50.xml><?xml version="1.0" encoding="utf-8"?>
-<p:sldLayout xmlns:a="http://schemas.openxmlformats.org/drawingml/2006/main" xmlns:p="http://schemas.openxmlformats.org/presentationml/2006/main" xmlns:r="http://schemas.openxmlformats.org/officeDocument/2006/relationships" preserve="1" type="tx">
-  <p:cSld name="Title Slide">
-    <p:spTree>
-      <p:nvGrpSpPr>
-        <p:cNvPr id="1" name=""/>
-        <p:cNvGrpSpPr/>
-        <p:nvPr/>
-      </p:nvGrpSpPr>
-      <p:grpSpPr>
-        <a:xfrm>
-          <a:off x="0" y="0"/>
-          <a:ext cx="0" cy="0"/>
-          <a:chOff x="0" y="0"/>
-          <a:chExt cx="0" cy="0"/>
-        </a:xfrm>
-      </p:grpSpPr>
-      <p:sp>
-        <p:nvSpPr>
-          <p:cNvPr id="141" name="PlaceHolder 1"/>
-          <p:cNvSpPr>
-            <a:spLocks noGrp="1"/>
-          </p:cNvSpPr>
-          <p:nvPr>
-            <p:ph type="title"/>
-          </p:nvPr>
-        </p:nvSpPr>
-        <p:spPr>
-          <a:xfrm>
-            <a:off x="457200" y="205200"/>
-            <a:ext cx="8229240" cy="858960"/>
-          </a:xfrm>
-          <a:prstGeom prst="rect">
-            <a:avLst/>
-          </a:prstGeom>
-        </p:spPr>
-        <p:txBody>
-          <a:bodyPr anchor="ctr" bIns="0" lIns="0" rIns="0" tIns="0" wrap="none"/>
-          <a:p>
-            <a:pPr algn="ctr"/>
-            <a:endParaRPr/>
-          </a:p>
-        </p:txBody>
-      </p:sp>
-      <p:sp>
-        <p:nvSpPr>
-          <p:cNvPr id="142" name="PlaceHolder 2"/>
-          <p:cNvSpPr>
-            <a:spLocks noGrp="1"/>
-          </p:cNvSpPr>
-          <p:nvPr>
-            <p:ph type="subTitle"/>
-          </p:nvPr>
-        </p:nvSpPr>
-        <p:spPr>
-          <a:xfrm>
-            <a:off x="457200" y="1203480"/>
-            <a:ext cx="8046360" cy="2983320"/>
-          </a:xfrm>
-          <a:prstGeom prst="rect">
-            <a:avLst/>
-          </a:prstGeom>
-        </p:spPr>
-        <p:txBody>
-          <a:bodyPr anchor="ctr" bIns="0" lIns="0" rIns="0" tIns="0" wrap="none"/>
-          <a:p>
-            <a:pPr algn="ctr"/>
-            <a:endParaRPr/>
-          </a:p>
-        </p:txBody>
-      </p:sp>
-    </p:spTree>
-  </p:cSld>
-</p:sldLayout>
-</file>
-
-<file path=ppt/slideLayouts/slideLayout51.xml><?xml version="1.0" encoding="utf-8"?>
-<p:sldLayout xmlns:a="http://schemas.openxmlformats.org/drawingml/2006/main" xmlns:p="http://schemas.openxmlformats.org/presentationml/2006/main" xmlns:r="http://schemas.openxmlformats.org/officeDocument/2006/relationships" preserve="1" type="obj">
-  <p:cSld name="Title, Content">
-    <p:spTree>
-      <p:nvGrpSpPr>
-        <p:cNvPr id="1" name=""/>
-        <p:cNvGrpSpPr/>
-        <p:nvPr/>
-      </p:nvGrpSpPr>
-      <p:grpSpPr>
-        <a:xfrm>
-          <a:off x="0" y="0"/>
-          <a:ext cx="0" cy="0"/>
-          <a:chOff x="0" y="0"/>
-          <a:chExt cx="0" cy="0"/>
-        </a:xfrm>
-      </p:grpSpPr>
-      <p:sp>
-        <p:nvSpPr>
-          <p:cNvPr id="143" name="PlaceHolder 1"/>
-          <p:cNvSpPr>
-            <a:spLocks noGrp="1"/>
-          </p:cNvSpPr>
-          <p:nvPr>
-            <p:ph type="title"/>
-          </p:nvPr>
-        </p:nvSpPr>
-        <p:spPr>
-          <a:xfrm>
-            <a:off x="457200" y="205200"/>
-            <a:ext cx="8229240" cy="858960"/>
-          </a:xfrm>
-          <a:prstGeom prst="rect">
-            <a:avLst/>
-          </a:prstGeom>
-        </p:spPr>
-        <p:txBody>
-          <a:bodyPr anchor="ctr" bIns="0" lIns="0" rIns="0" tIns="0" wrap="none"/>
-          <a:p>
-            <a:pPr algn="ctr"/>
-            <a:endParaRPr/>
-          </a:p>
-        </p:txBody>
-      </p:sp>
-      <p:sp>
-        <p:nvSpPr>
-          <p:cNvPr id="144" name="PlaceHolder 2"/>
-          <p:cNvSpPr>
-            <a:spLocks noGrp="1"/>
-          </p:cNvSpPr>
-          <p:nvPr>
-            <p:ph type="body"/>
-          </p:nvPr>
-        </p:nvSpPr>
-        <p:spPr>
-          <a:xfrm>
-            <a:off x="457200" y="1203480"/>
-            <a:ext cx="8046360" cy="2982960"/>
-          </a:xfrm>
-          <a:prstGeom prst="rect">
-            <a:avLst/>
-          </a:prstGeom>
-        </p:spPr>
-        <p:txBody>
-          <a:bodyPr bIns="0" lIns="0" rIns="0" tIns="0" wrap="none"/>
-          <a:p>
-            <a:endParaRPr/>
-          </a:p>
-        </p:txBody>
-      </p:sp>
-    </p:spTree>
-  </p:cSld>
-</p:sldLayout>
-</file>
-
-<file path=ppt/slideLayouts/slideLayout52.xml><?xml version="1.0" encoding="utf-8"?>
-<p:sldLayout xmlns:a="http://schemas.openxmlformats.org/drawingml/2006/main" xmlns:p="http://schemas.openxmlformats.org/presentationml/2006/main" xmlns:r="http://schemas.openxmlformats.org/officeDocument/2006/relationships" preserve="1" type="twoObj">
-  <p:cSld name="Title, 2 Content">
-    <p:spTree>
-      <p:nvGrpSpPr>
-        <p:cNvPr id="1" name=""/>
-        <p:cNvGrpSpPr/>
-        <p:nvPr/>
-      </p:nvGrpSpPr>
-      <p:grpSpPr>
-        <a:xfrm>
-          <a:off x="0" y="0"/>
-          <a:ext cx="0" cy="0"/>
-          <a:chOff x="0" y="0"/>
-          <a:chExt cx="0" cy="0"/>
-        </a:xfrm>
-      </p:grpSpPr>
-      <p:sp>
-        <p:nvSpPr>
-          <p:cNvPr id="145" name="PlaceHolder 1"/>
-          <p:cNvSpPr>
-            <a:spLocks noGrp="1"/>
-          </p:cNvSpPr>
-          <p:nvPr>
-            <p:ph type="title"/>
-          </p:nvPr>
-        </p:nvSpPr>
-        <p:spPr>
-          <a:xfrm>
-            <a:off x="457200" y="205200"/>
-            <a:ext cx="8229240" cy="858960"/>
-          </a:xfrm>
-          <a:prstGeom prst="rect">
-            <a:avLst/>
-          </a:prstGeom>
-        </p:spPr>
-        <p:txBody>
-          <a:bodyPr anchor="ctr" bIns="0" lIns="0" rIns="0" tIns="0" wrap="none"/>
-          <a:p>
-            <a:pPr algn="ctr"/>
-            <a:endParaRPr/>
-          </a:p>
-        </p:txBody>
-      </p:sp>
-      <p:sp>
-        <p:nvSpPr>
-          <p:cNvPr id="146" name="PlaceHolder 2"/>
-          <p:cNvSpPr>
-            <a:spLocks noGrp="1"/>
-          </p:cNvSpPr>
-          <p:nvPr>
-            <p:ph type="body"/>
-          </p:nvPr>
-        </p:nvSpPr>
-        <p:spPr>
-          <a:xfrm>
-            <a:off x="457200" y="1203480"/>
-            <a:ext cx="3926160" cy="2982960"/>
-          </a:xfrm>
-          <a:prstGeom prst="rect">
-            <a:avLst/>
-          </a:prstGeom>
-        </p:spPr>
-        <p:txBody>
-          <a:bodyPr bIns="0" lIns="0" rIns="0" tIns="0" wrap="none"/>
-          <a:p>
-            <a:endParaRPr/>
-          </a:p>
-        </p:txBody>
-      </p:sp>
-      <p:sp>
-        <p:nvSpPr>
-          <p:cNvPr id="147" name="PlaceHolder 3"/>
-          <p:cNvSpPr>
-            <a:spLocks noGrp="1"/>
-          </p:cNvSpPr>
-          <p:nvPr>
-            <p:ph type="body"/>
-          </p:nvPr>
-        </p:nvSpPr>
-        <p:spPr>
-          <a:xfrm>
-            <a:off x="4579920" y="1203480"/>
-            <a:ext cx="3926160" cy="2982960"/>
-          </a:xfrm>
-          <a:prstGeom prst="rect">
-            <a:avLst/>
-          </a:prstGeom>
-        </p:spPr>
-        <p:txBody>
-          <a:bodyPr bIns="0" lIns="0" rIns="0" tIns="0" wrap="none"/>
-          <a:p>
-            <a:endParaRPr/>
-          </a:p>
-        </p:txBody>
-      </p:sp>
-    </p:spTree>
-  </p:cSld>
-</p:sldLayout>
-</file>
-
-<file path=ppt/slideLayouts/slideLayout53.xml><?xml version="1.0" encoding="utf-8"?>
-<p:sldLayout xmlns:a="http://schemas.openxmlformats.org/drawingml/2006/main" xmlns:p="http://schemas.openxmlformats.org/presentationml/2006/main" xmlns:r="http://schemas.openxmlformats.org/officeDocument/2006/relationships" preserve="1" type="titleOnly">
-  <p:cSld name="Title Only">
-    <p:spTree>
-      <p:nvGrpSpPr>
-        <p:cNvPr id="1" name=""/>
-        <p:cNvGrpSpPr/>
-        <p:nvPr/>
-      </p:nvGrpSpPr>
-      <p:grpSpPr>
-        <a:xfrm>
-          <a:off x="0" y="0"/>
-          <a:ext cx="0" cy="0"/>
-          <a:chOff x="0" y="0"/>
-          <a:chExt cx="0" cy="0"/>
-        </a:xfrm>
-      </p:grpSpPr>
-      <p:sp>
-        <p:nvSpPr>
-          <p:cNvPr id="148" name="PlaceHolder 1"/>
-          <p:cNvSpPr>
-            <a:spLocks noGrp="1"/>
-          </p:cNvSpPr>
-          <p:nvPr>
-            <p:ph type="title"/>
-          </p:nvPr>
-        </p:nvSpPr>
-        <p:spPr>
-          <a:xfrm>
-            <a:off x="457200" y="205200"/>
-            <a:ext cx="8229240" cy="858960"/>
-          </a:xfrm>
-          <a:prstGeom prst="rect">
-            <a:avLst/>
-          </a:prstGeom>
-        </p:spPr>
-        <p:txBody>
-          <a:bodyPr anchor="ctr" bIns="0" lIns="0" rIns="0" tIns="0" wrap="none"/>
-          <a:p>
-            <a:pPr algn="ctr"/>
-            <a:endParaRPr/>
-          </a:p>
-        </p:txBody>
-      </p:sp>
-    </p:spTree>
-  </p:cSld>
-</p:sldLayout>
-</file>
-
-<file path=ppt/slideLayouts/slideLayout54.xml><?xml version="1.0" encoding="utf-8"?>
-<p:sldLayout xmlns:a="http://schemas.openxmlformats.org/drawingml/2006/main" xmlns:p="http://schemas.openxmlformats.org/presentationml/2006/main" xmlns:r="http://schemas.openxmlformats.org/officeDocument/2006/relationships" preserve="1" type="objOnly">
-  <p:cSld name="Centered Text">
-    <p:spTree>
-      <p:nvGrpSpPr>
-        <p:cNvPr id="1" name=""/>
-        <p:cNvGrpSpPr/>
-        <p:nvPr/>
-      </p:nvGrpSpPr>
-      <p:grpSpPr>
-        <a:xfrm>
-          <a:off x="0" y="0"/>
-          <a:ext cx="0" cy="0"/>
-          <a:chOff x="0" y="0"/>
-          <a:chExt cx="0" cy="0"/>
-        </a:xfrm>
-      </p:grpSpPr>
-      <p:sp>
-        <p:nvSpPr>
-          <p:cNvPr id="149" name="PlaceHolder 1"/>
-          <p:cNvSpPr>
-            <a:spLocks noGrp="1"/>
-          </p:cNvSpPr>
-          <p:nvPr>
-            <p:ph type="subTitle"/>
-          </p:nvPr>
-        </p:nvSpPr>
-        <p:spPr>
-          <a:xfrm>
-            <a:off x="457200" y="205200"/>
-            <a:ext cx="8229240" cy="3981240"/>
-          </a:xfrm>
-          <a:prstGeom prst="rect">
-            <a:avLst/>
-          </a:prstGeom>
-        </p:spPr>
-        <p:txBody>
-          <a:bodyPr anchor="ctr" bIns="0" lIns="0" rIns="0" tIns="0" wrap="none"/>
-          <a:p>
-            <a:pPr algn="ctr"/>
-            <a:endParaRPr/>
-          </a:p>
-        </p:txBody>
-      </p:sp>
-    </p:spTree>
-  </p:cSld>
-</p:sldLayout>
-</file>
-
-<file path=ppt/slideLayouts/slideLayout55.xml><?xml version="1.0" encoding="utf-8"?>
-<p:sldLayout xmlns:a="http://schemas.openxmlformats.org/drawingml/2006/main" xmlns:p="http://schemas.openxmlformats.org/presentationml/2006/main" xmlns:r="http://schemas.openxmlformats.org/officeDocument/2006/relationships" preserve="1" type="twoObjAndObj">
-  <p:cSld name="Title, 2 Content and Content">
-    <p:spTree>
-      <p:nvGrpSpPr>
-        <p:cNvPr id="1" name=""/>
-        <p:cNvGrpSpPr/>
-        <p:nvPr/>
-      </p:nvGrpSpPr>
-      <p:grpSpPr>
-        <a:xfrm>
-          <a:off x="0" y="0"/>
-          <a:ext cx="0" cy="0"/>
-          <a:chOff x="0" y="0"/>
-          <a:chExt cx="0" cy="0"/>
-        </a:xfrm>
-      </p:grpSpPr>
-      <p:sp>
-        <p:nvSpPr>
-          <p:cNvPr id="150" name="PlaceHolder 1"/>
-          <p:cNvSpPr>
-            <a:spLocks noGrp="1"/>
-          </p:cNvSpPr>
-          <p:nvPr>
-            <p:ph type="title"/>
-          </p:nvPr>
-        </p:nvSpPr>
-        <p:spPr>
-          <a:xfrm>
-            <a:off x="457200" y="205200"/>
-            <a:ext cx="8229240" cy="858960"/>
-          </a:xfrm>
-          <a:prstGeom prst="rect">
-            <a:avLst/>
-          </a:prstGeom>
-        </p:spPr>
-        <p:txBody>
-          <a:bodyPr anchor="ctr" bIns="0" lIns="0" rIns="0" tIns="0" wrap="none"/>
-          <a:p>
-            <a:pPr algn="ctr"/>
-            <a:endParaRPr/>
-          </a:p>
-        </p:txBody>
-      </p:sp>
-      <p:sp>
-        <p:nvSpPr>
-          <p:cNvPr id="151" name="PlaceHolder 2"/>
-          <p:cNvSpPr>
-            <a:spLocks noGrp="1"/>
-          </p:cNvSpPr>
-          <p:nvPr>
-            <p:ph type="body"/>
-          </p:nvPr>
-        </p:nvSpPr>
-        <p:spPr>
-          <a:xfrm>
-            <a:off x="457200" y="1203480"/>
-            <a:ext cx="3926160" cy="1422360"/>
-          </a:xfrm>
-          <a:prstGeom prst="rect">
-            <a:avLst/>
-          </a:prstGeom>
-        </p:spPr>
-        <p:txBody>
-          <a:bodyPr bIns="0" lIns="0" rIns="0" tIns="0" wrap="none"/>
-          <a:p>
-            <a:endParaRPr/>
-          </a:p>
-        </p:txBody>
-      </p:sp>
-      <p:sp>
-        <p:nvSpPr>
-          <p:cNvPr id="152" name="PlaceHolder 3"/>
-          <p:cNvSpPr>
-            <a:spLocks noGrp="1"/>
-          </p:cNvSpPr>
-          <p:nvPr>
-            <p:ph type="body"/>
-          </p:nvPr>
-        </p:nvSpPr>
-        <p:spPr>
-          <a:xfrm>
-            <a:off x="457200" y="2761200"/>
-            <a:ext cx="3926160" cy="1422360"/>
-          </a:xfrm>
-          <a:prstGeom prst="rect">
-            <a:avLst/>
-          </a:prstGeom>
-        </p:spPr>
-        <p:txBody>
-          <a:bodyPr bIns="0" lIns="0" rIns="0" tIns="0" wrap="none"/>
-          <a:p>
-            <a:endParaRPr/>
-          </a:p>
-        </p:txBody>
-      </p:sp>
-      <p:sp>
-        <p:nvSpPr>
-          <p:cNvPr id="153" name="PlaceHolder 4"/>
-          <p:cNvSpPr>
-            <a:spLocks noGrp="1"/>
-          </p:cNvSpPr>
-          <p:nvPr>
-            <p:ph type="body"/>
-          </p:nvPr>
-        </p:nvSpPr>
-        <p:spPr>
-          <a:xfrm>
-            <a:off x="4579920" y="1203480"/>
-            <a:ext cx="3926160" cy="2982960"/>
-          </a:xfrm>
-          <a:prstGeom prst="rect">
-            <a:avLst/>
-          </a:prstGeom>
-        </p:spPr>
-        <p:txBody>
-          <a:bodyPr bIns="0" lIns="0" rIns="0" tIns="0" wrap="none"/>
-          <a:p>
-            <a:endParaRPr/>
-          </a:p>
-        </p:txBody>
-      </p:sp>
-    </p:spTree>
-  </p:cSld>
-</p:sldLayout>
-</file>
-
-<file path=ppt/slideLayouts/slideLayout56.xml><?xml version="1.0" encoding="utf-8"?>
-<p:sldLayout xmlns:a="http://schemas.openxmlformats.org/drawingml/2006/main" xmlns:p="http://schemas.openxmlformats.org/presentationml/2006/main" xmlns:r="http://schemas.openxmlformats.org/officeDocument/2006/relationships" preserve="1" type="objAndTwoObj">
-  <p:cSld name="Title Content and 2 Content">
-    <p:spTree>
-      <p:nvGrpSpPr>
-        <p:cNvPr id="1" name=""/>
-        <p:cNvGrpSpPr/>
-        <p:nvPr/>
-      </p:nvGrpSpPr>
-      <p:grpSpPr>
-        <a:xfrm>
-          <a:off x="0" y="0"/>
-          <a:ext cx="0" cy="0"/>
-          <a:chOff x="0" y="0"/>
-          <a:chExt cx="0" cy="0"/>
-        </a:xfrm>
-      </p:grpSpPr>
-      <p:sp>
-        <p:nvSpPr>
-          <p:cNvPr id="154" name="PlaceHolder 1"/>
-          <p:cNvSpPr>
-            <a:spLocks noGrp="1"/>
-          </p:cNvSpPr>
-          <p:nvPr>
-            <p:ph type="title"/>
-          </p:nvPr>
-        </p:nvSpPr>
-        <p:spPr>
-          <a:xfrm>
-            <a:off x="457200" y="205200"/>
-            <a:ext cx="8229240" cy="858960"/>
-          </a:xfrm>
-          <a:prstGeom prst="rect">
-            <a:avLst/>
-          </a:prstGeom>
-        </p:spPr>
-        <p:txBody>
-          <a:bodyPr anchor="ctr" bIns="0" lIns="0" rIns="0" tIns="0" wrap="none"/>
-          <a:p>
-            <a:pPr algn="ctr"/>
-            <a:endParaRPr/>
-          </a:p>
-        </p:txBody>
-      </p:sp>
-      <p:sp>
-        <p:nvSpPr>
-          <p:cNvPr id="155" name="PlaceHolder 2"/>
-          <p:cNvSpPr>
-            <a:spLocks noGrp="1"/>
-          </p:cNvSpPr>
-          <p:nvPr>
-            <p:ph type="body"/>
-          </p:nvPr>
-        </p:nvSpPr>
-        <p:spPr>
-          <a:xfrm>
-            <a:off x="457200" y="1203480"/>
-            <a:ext cx="3926160" cy="2982960"/>
-          </a:xfrm>
-          <a:prstGeom prst="rect">
-            <a:avLst/>
-          </a:prstGeom>
-        </p:spPr>
-        <p:txBody>
-          <a:bodyPr bIns="0" lIns="0" rIns="0" tIns="0" wrap="none"/>
-          <a:p>
-            <a:endParaRPr/>
-          </a:p>
-        </p:txBody>
-      </p:sp>
-      <p:sp>
-        <p:nvSpPr>
-          <p:cNvPr id="156" name="PlaceHolder 3"/>
-          <p:cNvSpPr>
-            <a:spLocks noGrp="1"/>
-          </p:cNvSpPr>
-          <p:nvPr>
-            <p:ph type="body"/>
-          </p:nvPr>
-        </p:nvSpPr>
-        <p:spPr>
-          <a:xfrm>
-            <a:off x="4579920" y="1203480"/>
-            <a:ext cx="3926160" cy="1422360"/>
-          </a:xfrm>
-          <a:prstGeom prst="rect">
-            <a:avLst/>
-          </a:prstGeom>
-        </p:spPr>
-        <p:txBody>
-          <a:bodyPr bIns="0" lIns="0" rIns="0" tIns="0" wrap="none"/>
-          <a:p>
-            <a:endParaRPr/>
-          </a:p>
-        </p:txBody>
-      </p:sp>
-      <p:sp>
-        <p:nvSpPr>
-          <p:cNvPr id="157" name="PlaceHolder 4"/>
-          <p:cNvSpPr>
-            <a:spLocks noGrp="1"/>
-          </p:cNvSpPr>
-          <p:nvPr>
-            <p:ph type="body"/>
-          </p:nvPr>
-        </p:nvSpPr>
-        <p:spPr>
-          <a:xfrm>
-            <a:off x="4579920" y="2761200"/>
-            <a:ext cx="3926160" cy="1422360"/>
-          </a:xfrm>
-          <a:prstGeom prst="rect">
-            <a:avLst/>
-          </a:prstGeom>
-        </p:spPr>
-        <p:txBody>
-          <a:bodyPr bIns="0" lIns="0" rIns="0" tIns="0" wrap="none"/>
-          <a:p>
-            <a:endParaRPr/>
-          </a:p>
-        </p:txBody>
-      </p:sp>
-    </p:spTree>
-  </p:cSld>
-</p:sldLayout>
-</file>
-
-<file path=ppt/slideLayouts/slideLayout57.xml><?xml version="1.0" encoding="utf-8"?>
-<p:sldLayout xmlns:a="http://schemas.openxmlformats.org/drawingml/2006/main" xmlns:p="http://schemas.openxmlformats.org/presentationml/2006/main" xmlns:r="http://schemas.openxmlformats.org/officeDocument/2006/relationships" preserve="1" type="twoObjOverTx">
-  <p:cSld name="Title, 2 Content over Content">
-    <p:spTree>
-      <p:nvGrpSpPr>
-        <p:cNvPr id="1" name=""/>
-        <p:cNvGrpSpPr/>
-        <p:nvPr/>
-      </p:nvGrpSpPr>
-      <p:grpSpPr>
-        <a:xfrm>
-          <a:off x="0" y="0"/>
-          <a:ext cx="0" cy="0"/>
-          <a:chOff x="0" y="0"/>
-          <a:chExt cx="0" cy="0"/>
-        </a:xfrm>
-      </p:grpSpPr>
-      <p:sp>
-        <p:nvSpPr>
-          <p:cNvPr id="158" name="PlaceHolder 1"/>
-          <p:cNvSpPr>
-            <a:spLocks noGrp="1"/>
-          </p:cNvSpPr>
-          <p:nvPr>
-            <p:ph type="title"/>
-          </p:nvPr>
-        </p:nvSpPr>
-        <p:spPr>
-          <a:xfrm>
-            <a:off x="457200" y="205200"/>
-            <a:ext cx="8229240" cy="858960"/>
-          </a:xfrm>
-          <a:prstGeom prst="rect">
-            <a:avLst/>
-          </a:prstGeom>
-        </p:spPr>
-        <p:txBody>
-          <a:bodyPr anchor="ctr" bIns="0" lIns="0" rIns="0" tIns="0" wrap="none"/>
-          <a:p>
-            <a:pPr algn="ctr"/>
-            <a:endParaRPr/>
-          </a:p>
-        </p:txBody>
-      </p:sp>
-      <p:sp>
-        <p:nvSpPr>
-          <p:cNvPr id="159" name="PlaceHolder 2"/>
-          <p:cNvSpPr>
-            <a:spLocks noGrp="1"/>
-          </p:cNvSpPr>
-          <p:nvPr>
-            <p:ph type="body"/>
-          </p:nvPr>
-        </p:nvSpPr>
-        <p:spPr>
-          <a:xfrm>
-            <a:off x="457200" y="1203480"/>
-            <a:ext cx="3926160" cy="1422360"/>
-          </a:xfrm>
-          <a:prstGeom prst="rect">
-            <a:avLst/>
-          </a:prstGeom>
-        </p:spPr>
-        <p:txBody>
-          <a:bodyPr bIns="0" lIns="0" rIns="0" tIns="0" wrap="none"/>
-          <a:p>
-            <a:endParaRPr/>
-          </a:p>
-        </p:txBody>
-      </p:sp>
-      <p:sp>
-        <p:nvSpPr>
-          <p:cNvPr id="160" name="PlaceHolder 3"/>
-          <p:cNvSpPr>
-            <a:spLocks noGrp="1"/>
-          </p:cNvSpPr>
-          <p:nvPr>
-            <p:ph type="body"/>
-          </p:nvPr>
-        </p:nvSpPr>
-        <p:spPr>
-          <a:xfrm>
-            <a:off x="4579920" y="1203480"/>
-            <a:ext cx="3926160" cy="1422360"/>
-          </a:xfrm>
-          <a:prstGeom prst="rect">
-            <a:avLst/>
-          </a:prstGeom>
-        </p:spPr>
-        <p:txBody>
-          <a:bodyPr bIns="0" lIns="0" rIns="0" tIns="0" wrap="none"/>
-          <a:p>
-            <a:endParaRPr/>
-          </a:p>
-        </p:txBody>
-      </p:sp>
-      <p:sp>
-        <p:nvSpPr>
-          <p:cNvPr id="161" name="PlaceHolder 4"/>
-          <p:cNvSpPr>
-            <a:spLocks noGrp="1"/>
-          </p:cNvSpPr>
-          <p:nvPr>
-            <p:ph type="body"/>
-          </p:nvPr>
-        </p:nvSpPr>
-        <p:spPr>
-          <a:xfrm>
-            <a:off x="457200" y="2761200"/>
-            <a:ext cx="8045640" cy="1422360"/>
-          </a:xfrm>
-          <a:prstGeom prst="rect">
-            <a:avLst/>
-          </a:prstGeom>
-        </p:spPr>
-        <p:txBody>
-          <a:bodyPr bIns="0" lIns="0" rIns="0" tIns="0" wrap="none"/>
-          <a:p>
-            <a:endParaRPr/>
-          </a:p>
-        </p:txBody>
-      </p:sp>
-    </p:spTree>
-  </p:cSld>
-</p:sldLayout>
-</file>
-
-<file path=ppt/slideLayouts/slideLayout58.xml><?xml version="1.0" encoding="utf-8"?>
-<p:sldLayout xmlns:a="http://schemas.openxmlformats.org/drawingml/2006/main" xmlns:p="http://schemas.openxmlformats.org/presentationml/2006/main" xmlns:r="http://schemas.openxmlformats.org/officeDocument/2006/relationships" preserve="1" type="objOverTx">
-  <p:cSld name="Title, Content over Content">
-    <p:spTree>
-      <p:nvGrpSpPr>
-        <p:cNvPr id="1" name=""/>
-        <p:cNvGrpSpPr/>
-        <p:nvPr/>
-      </p:nvGrpSpPr>
-      <p:grpSpPr>
-        <a:xfrm>
-          <a:off x="0" y="0"/>
-          <a:ext cx="0" cy="0"/>
-          <a:chOff x="0" y="0"/>
-          <a:chExt cx="0" cy="0"/>
-        </a:xfrm>
-      </p:grpSpPr>
-      <p:sp>
-        <p:nvSpPr>
-          <p:cNvPr id="162" name="PlaceHolder 1"/>
-          <p:cNvSpPr>
-            <a:spLocks noGrp="1"/>
-          </p:cNvSpPr>
-          <p:nvPr>
-            <p:ph type="title"/>
-          </p:nvPr>
-        </p:nvSpPr>
-        <p:spPr>
-          <a:xfrm>
-            <a:off x="457200" y="205200"/>
-            <a:ext cx="8229240" cy="858960"/>
-          </a:xfrm>
-          <a:prstGeom prst="rect">
-            <a:avLst/>
-          </a:prstGeom>
-        </p:spPr>
-        <p:txBody>
-          <a:bodyPr anchor="ctr" bIns="0" lIns="0" rIns="0" tIns="0" wrap="none"/>
-          <a:p>
-            <a:pPr algn="ctr"/>
-            <a:endParaRPr/>
-          </a:p>
-        </p:txBody>
-      </p:sp>
-      <p:sp>
-        <p:nvSpPr>
-          <p:cNvPr id="163" name="PlaceHolder 2"/>
-          <p:cNvSpPr>
-            <a:spLocks noGrp="1"/>
-          </p:cNvSpPr>
-          <p:nvPr>
-            <p:ph type="body"/>
-          </p:nvPr>
-        </p:nvSpPr>
-        <p:spPr>
-          <a:xfrm>
-            <a:off x="457200" y="1203480"/>
-            <a:ext cx="8046360" cy="1422360"/>
-          </a:xfrm>
-          <a:prstGeom prst="rect">
-            <a:avLst/>
-          </a:prstGeom>
-        </p:spPr>
-        <p:txBody>
-          <a:bodyPr bIns="0" lIns="0" rIns="0" tIns="0" wrap="none"/>
-          <a:p>
-            <a:endParaRPr/>
-          </a:p>
-        </p:txBody>
-      </p:sp>
-      <p:sp>
-        <p:nvSpPr>
-          <p:cNvPr id="164" name="PlaceHolder 3"/>
-          <p:cNvSpPr>
-            <a:spLocks noGrp="1"/>
-          </p:cNvSpPr>
-          <p:nvPr>
-            <p:ph type="body"/>
-          </p:nvPr>
-        </p:nvSpPr>
-        <p:spPr>
-          <a:xfrm>
-            <a:off x="457200" y="2761200"/>
-            <a:ext cx="8046360" cy="1422360"/>
-          </a:xfrm>
-          <a:prstGeom prst="rect">
-            <a:avLst/>
-          </a:prstGeom>
-        </p:spPr>
-        <p:txBody>
-          <a:bodyPr bIns="0" lIns="0" rIns="0" tIns="0" wrap="none"/>
-          <a:p>
-            <a:endParaRPr/>
-          </a:p>
-        </p:txBody>
-      </p:sp>
-    </p:spTree>
-  </p:cSld>
-</p:sldLayout>
-</file>
-
-<file path=ppt/slideLayouts/slideLayout59.xml><?xml version="1.0" encoding="utf-8"?>
-<p:sldLayout xmlns:a="http://schemas.openxmlformats.org/drawingml/2006/main" xmlns:p="http://schemas.openxmlformats.org/presentationml/2006/main" xmlns:r="http://schemas.openxmlformats.org/officeDocument/2006/relationships" preserve="1" type="fourObj">
-  <p:cSld name="Title, 4 Content">
-    <p:spTree>
-      <p:nvGrpSpPr>
-        <p:cNvPr id="1" name=""/>
-        <p:cNvGrpSpPr/>
-        <p:nvPr/>
-      </p:nvGrpSpPr>
-      <p:grpSpPr>
-        <a:xfrm>
-          <a:off x="0" y="0"/>
-          <a:ext cx="0" cy="0"/>
-          <a:chOff x="0" y="0"/>
-          <a:chExt cx="0" cy="0"/>
-        </a:xfrm>
-      </p:grpSpPr>
-      <p:sp>
-        <p:nvSpPr>
-          <p:cNvPr id="165" name="PlaceHolder 1"/>
-          <p:cNvSpPr>
-            <a:spLocks noGrp="1"/>
-          </p:cNvSpPr>
-          <p:nvPr>
-            <p:ph type="title"/>
-          </p:nvPr>
-        </p:nvSpPr>
-        <p:spPr>
-          <a:xfrm>
-            <a:off x="457200" y="205200"/>
-            <a:ext cx="8229240" cy="858960"/>
-          </a:xfrm>
-          <a:prstGeom prst="rect">
-            <a:avLst/>
-          </a:prstGeom>
-        </p:spPr>
-        <p:txBody>
-          <a:bodyPr anchor="ctr" bIns="0" lIns="0" rIns="0" tIns="0" wrap="none"/>
-          <a:p>
-            <a:pPr algn="ctr"/>
-            <a:endParaRPr/>
-          </a:p>
-        </p:txBody>
-      </p:sp>
-      <p:sp>
-        <p:nvSpPr>
-          <p:cNvPr id="166" name="PlaceHolder 2"/>
-          <p:cNvSpPr>
-            <a:spLocks noGrp="1"/>
-          </p:cNvSpPr>
-          <p:nvPr>
-            <p:ph type="body"/>
-          </p:nvPr>
-        </p:nvSpPr>
-        <p:spPr>
-          <a:xfrm>
-            <a:off x="457200" y="1203480"/>
-            <a:ext cx="3926160" cy="1422360"/>
-          </a:xfrm>
-          <a:prstGeom prst="rect">
-            <a:avLst/>
-          </a:prstGeom>
-        </p:spPr>
-        <p:txBody>
-          <a:bodyPr bIns="0" lIns="0" rIns="0" tIns="0" wrap="none"/>
-          <a:p>
-            <a:endParaRPr/>
-          </a:p>
-        </p:txBody>
-      </p:sp>
-      <p:sp>
-        <p:nvSpPr>
-          <p:cNvPr id="167" name="PlaceHolder 3"/>
-          <p:cNvSpPr>
-            <a:spLocks noGrp="1"/>
-          </p:cNvSpPr>
-          <p:nvPr>
-            <p:ph type="body"/>
-          </p:nvPr>
-        </p:nvSpPr>
-        <p:spPr>
-          <a:xfrm>
-            <a:off x="4579920" y="1203480"/>
-            <a:ext cx="3926160" cy="1422360"/>
-          </a:xfrm>
-          <a:prstGeom prst="rect">
-            <a:avLst/>
-          </a:prstGeom>
-        </p:spPr>
-        <p:txBody>
-          <a:bodyPr bIns="0" lIns="0" rIns="0" tIns="0" wrap="none"/>
-          <a:p>
-            <a:endParaRPr/>
-          </a:p>
-        </p:txBody>
-      </p:sp>
-      <p:sp>
-        <p:nvSpPr>
-          <p:cNvPr id="168" name="PlaceHolder 4"/>
-          <p:cNvSpPr>
-            <a:spLocks noGrp="1"/>
-          </p:cNvSpPr>
-          <p:nvPr>
-            <p:ph type="body"/>
-          </p:nvPr>
-        </p:nvSpPr>
-        <p:spPr>
-          <a:xfrm>
-            <a:off x="4579920" y="2761200"/>
-            <a:ext cx="3926160" cy="1422360"/>
-          </a:xfrm>
-          <a:prstGeom prst="rect">
-            <a:avLst/>
-          </a:prstGeom>
-        </p:spPr>
-        <p:txBody>
-          <a:bodyPr bIns="0" lIns="0" rIns="0" tIns="0" wrap="none"/>
-          <a:p>
-            <a:endParaRPr/>
-          </a:p>
-        </p:txBody>
-      </p:sp>
-      <p:sp>
-        <p:nvSpPr>
-          <p:cNvPr id="169" name="PlaceHolder 5"/>
-          <p:cNvSpPr>
-            <a:spLocks noGrp="1"/>
-          </p:cNvSpPr>
-          <p:nvPr>
-            <p:ph type="body"/>
-          </p:nvPr>
-        </p:nvSpPr>
-        <p:spPr>
-          <a:xfrm>
-            <a:off x="457200" y="2761200"/>
-            <a:ext cx="3926160" cy="1422360"/>
-          </a:xfrm>
-          <a:prstGeom prst="rect">
-            <a:avLst/>
-          </a:prstGeom>
-        </p:spPr>
-        <p:txBody>
-          <a:bodyPr bIns="0" lIns="0" rIns="0" tIns="0" wrap="none"/>
-          <a:p>
-            <a:endParaRPr/>
-          </a:p>
-        </p:txBody>
-      </p:sp>
-    </p:spTree>
-  </p:cSld>
-</p:sldLayout>
-</file>
-
 <file path=ppt/slideLayouts/slideLayout6.xml><?xml version="1.0" encoding="utf-8"?>
 <p:sldLayout xmlns:a="http://schemas.openxmlformats.org/drawingml/2006/main" xmlns:p="http://schemas.openxmlformats.org/presentationml/2006/main" xmlns:r="http://schemas.openxmlformats.org/officeDocument/2006/relationships" preserve="1" type="objOnly">
   <p:cSld name="Centered Text">
@@ -5091,107 +756,6 @@
           <a:bodyPr anchor="ctr" bIns="0" lIns="0" rIns="0" tIns="0" wrap="none"/>
           <a:p>
             <a:pPr algn="ctr"/>
-            <a:endParaRPr/>
-          </a:p>
-        </p:txBody>
-      </p:sp>
-    </p:spTree>
-  </p:cSld>
-</p:sldLayout>
-</file>
-
-<file path=ppt/slideLayouts/slideLayout60.xml><?xml version="1.0" encoding="utf-8"?>
-<p:sldLayout xmlns:a="http://schemas.openxmlformats.org/drawingml/2006/main" xmlns:p="http://schemas.openxmlformats.org/presentationml/2006/main" xmlns:r="http://schemas.openxmlformats.org/officeDocument/2006/relationships" preserve="1" type="blank">
-  <p:cSld name="Title, 6 Content">
-    <p:spTree>
-      <p:nvGrpSpPr>
-        <p:cNvPr id="1" name=""/>
-        <p:cNvGrpSpPr/>
-        <p:nvPr/>
-      </p:nvGrpSpPr>
-      <p:grpSpPr>
-        <a:xfrm>
-          <a:off x="0" y="0"/>
-          <a:ext cx="0" cy="0"/>
-          <a:chOff x="0" y="0"/>
-          <a:chExt cx="0" cy="0"/>
-        </a:xfrm>
-      </p:grpSpPr>
-      <p:sp>
-        <p:nvSpPr>
-          <p:cNvPr id="170" name="PlaceHolder 1"/>
-          <p:cNvSpPr>
-            <a:spLocks noGrp="1"/>
-          </p:cNvSpPr>
-          <p:nvPr>
-            <p:ph type="title"/>
-          </p:nvPr>
-        </p:nvSpPr>
-        <p:spPr>
-          <a:xfrm>
-            <a:off x="457200" y="205200"/>
-            <a:ext cx="8229240" cy="858960"/>
-          </a:xfrm>
-          <a:prstGeom prst="rect">
-            <a:avLst/>
-          </a:prstGeom>
-        </p:spPr>
-        <p:txBody>
-          <a:bodyPr anchor="ctr" bIns="0" lIns="0" rIns="0" tIns="0" wrap="none"/>
-          <a:p>
-            <a:pPr algn="ctr"/>
-            <a:endParaRPr/>
-          </a:p>
-        </p:txBody>
-      </p:sp>
-      <p:sp>
-        <p:nvSpPr>
-          <p:cNvPr id="171" name="PlaceHolder 2"/>
-          <p:cNvSpPr>
-            <a:spLocks noGrp="1"/>
-          </p:cNvSpPr>
-          <p:nvPr>
-            <p:ph type="body"/>
-          </p:nvPr>
-        </p:nvSpPr>
-        <p:spPr>
-          <a:xfrm>
-            <a:off x="457200" y="1203480"/>
-            <a:ext cx="3926160" cy="1422360"/>
-          </a:xfrm>
-          <a:prstGeom prst="rect">
-            <a:avLst/>
-          </a:prstGeom>
-        </p:spPr>
-        <p:txBody>
-          <a:bodyPr bIns="0" lIns="0" rIns="0" tIns="0" wrap="none"/>
-          <a:p>
-            <a:endParaRPr/>
-          </a:p>
-        </p:txBody>
-      </p:sp>
-      <p:sp>
-        <p:nvSpPr>
-          <p:cNvPr id="172" name="PlaceHolder 3"/>
-          <p:cNvSpPr>
-            <a:spLocks noGrp="1"/>
-          </p:cNvSpPr>
-          <p:nvPr>
-            <p:ph type="body"/>
-          </p:nvPr>
-        </p:nvSpPr>
-        <p:spPr>
-          <a:xfrm>
-            <a:off x="4579920" y="1203480"/>
-            <a:ext cx="3926160" cy="1422360"/>
-          </a:xfrm>
-          <a:prstGeom prst="rect">
-            <a:avLst/>
-          </a:prstGeom>
-        </p:spPr>
-        <p:txBody>
-          <a:bodyPr bIns="0" lIns="0" rIns="0" tIns="0" wrap="none"/>
-          <a:p>
             <a:endParaRPr/>
           </a:p>
         </p:txBody>
@@ -5764,848 +1328,6 @@
 </p:sldMaster>
 </file>
 
-<file path=ppt/slideMasters/slideMaster2.xml><?xml version="1.0" encoding="utf-8"?>
-<p:sldMaster xmlns:a="http://schemas.openxmlformats.org/drawingml/2006/main" xmlns:p="http://schemas.openxmlformats.org/presentationml/2006/main" xmlns:r="http://schemas.openxmlformats.org/officeDocument/2006/relationships">
-  <p:cSld>
-    <p:bg>
-      <p:bgPr>
-        <a:blipFill>
-          <a:blip r:embed="rId2"/>
-        </a:blipFill>
-      </p:bgPr>
-    </p:bg>
-    <p:spTree>
-      <p:nvGrpSpPr>
-        <p:cNvPr id="1" name=""/>
-        <p:cNvGrpSpPr/>
-        <p:nvPr/>
-      </p:nvGrpSpPr>
-      <p:grpSpPr>
-        <a:xfrm>
-          <a:off x="0" y="0"/>
-          <a:ext cx="0" cy="0"/>
-          <a:chOff x="0" y="0"/>
-          <a:chExt cx="0" cy="0"/>
-        </a:xfrm>
-      </p:grpSpPr>
-      <p:sp>
-        <p:nvSpPr>
-          <p:cNvPr id="34" name="PlaceHolder 1"/>
-          <p:cNvSpPr>
-            <a:spLocks noGrp="1"/>
-          </p:cNvSpPr>
-          <p:nvPr>
-            <p:ph type="title"/>
-          </p:nvPr>
-        </p:nvSpPr>
-        <p:spPr>
-          <a:xfrm>
-            <a:off x="457200" y="205200"/>
-            <a:ext cx="8229240" cy="858600"/>
-          </a:xfrm>
-          <a:prstGeom prst="rect">
-            <a:avLst/>
-          </a:prstGeom>
-        </p:spPr>
-        <p:txBody>
-          <a:bodyPr anchor="ctr" bIns="0" lIns="0" rIns="0" tIns="0" wrap="none"/>
-          <a:p>
-            <a:pPr algn="ctr"/>
-            <a:r>
-              <a:rPr lang="en-US"/>
-              <a:t>Click to edit the title text format</a:t>
-            </a:r>
-            <a:endParaRPr/>
-          </a:p>
-        </p:txBody>
-      </p:sp>
-      <p:sp>
-        <p:nvSpPr>
-          <p:cNvPr id="35" name="PlaceHolder 2"/>
-          <p:cNvSpPr>
-            <a:spLocks noGrp="1"/>
-          </p:cNvSpPr>
-          <p:nvPr>
-            <p:ph type="body"/>
-          </p:nvPr>
-        </p:nvSpPr>
-        <p:spPr>
-          <a:xfrm>
-            <a:off x="457200" y="1203480"/>
-            <a:ext cx="8046360" cy="2982960"/>
-          </a:xfrm>
-          <a:prstGeom prst="rect">
-            <a:avLst/>
-          </a:prstGeom>
-        </p:spPr>
-        <p:txBody>
-          <a:bodyPr bIns="0" lIns="0" rIns="0" tIns="0" wrap="none"/>
-          <a:p>
-            <a:pPr>
-              <a:buSzPct val="45000"/>
-              <a:buFont typeface="StarSymbol"/>
-              <a:buChar char=""/>
-            </a:pPr>
-            <a:r>
-              <a:rPr lang="en-US"/>
-              <a:t>Click to edit the outline text format</a:t>
-            </a:r>
-            <a:endParaRPr/>
-          </a:p>
-          <a:p>
-            <a:pPr lvl="1">
-              <a:buSzPct val="75000"/>
-              <a:buFont typeface="StarSymbol"/>
-              <a:buChar char=""/>
-            </a:pPr>
-            <a:r>
-              <a:rPr lang="en-US"/>
-              <a:t>Second Outline Level</a:t>
-            </a:r>
-            <a:endParaRPr/>
-          </a:p>
-          <a:p>
-            <a:pPr lvl="2">
-              <a:buSzPct val="45000"/>
-              <a:buFont typeface="StarSymbol"/>
-              <a:buChar char=""/>
-            </a:pPr>
-            <a:r>
-              <a:rPr lang="en-US"/>
-              <a:t>Third Outline Level</a:t>
-            </a:r>
-            <a:endParaRPr/>
-          </a:p>
-          <a:p>
-            <a:pPr lvl="3">
-              <a:buSzPct val="75000"/>
-              <a:buFont typeface="StarSymbol"/>
-              <a:buChar char=""/>
-            </a:pPr>
-            <a:r>
-              <a:rPr lang="en-US"/>
-              <a:t>Fourth Outline Level</a:t>
-            </a:r>
-            <a:endParaRPr/>
-          </a:p>
-          <a:p>
-            <a:pPr lvl="4">
-              <a:buSzPct val="45000"/>
-              <a:buFont typeface="StarSymbol"/>
-              <a:buChar char=""/>
-            </a:pPr>
-            <a:r>
-              <a:rPr lang="en-US"/>
-              <a:t>Fifth Outline Level</a:t>
-            </a:r>
-            <a:endParaRPr/>
-          </a:p>
-          <a:p>
-            <a:pPr lvl="5">
-              <a:buSzPct val="45000"/>
-              <a:buFont typeface="StarSymbol"/>
-              <a:buChar char=""/>
-            </a:pPr>
-            <a:r>
-              <a:rPr lang="en-US"/>
-              <a:t>Sixth Outline Level</a:t>
-            </a:r>
-            <a:endParaRPr/>
-          </a:p>
-          <a:p>
-            <a:pPr lvl="6">
-              <a:buSzPct val="45000"/>
-              <a:buFont typeface="StarSymbol"/>
-              <a:buChar char=""/>
-            </a:pPr>
-            <a:r>
-              <a:rPr lang="en-US"/>
-              <a:t>Seventh Outline Level</a:t>
-            </a:r>
-            <a:endParaRPr/>
-          </a:p>
-        </p:txBody>
-      </p:sp>
-    </p:spTree>
-  </p:cSld>
-  <p:clrMap accent1="accent1" accent2="accent2" accent3="accent3" accent4="accent4" accent5="accent5" accent6="accent6" bg1="lt1" bg2="lt2" folHlink="folHlink" hlink="hlink" tx1="dk1" tx2="dk2"/>
-  <p:sldLayoutIdLst>
-    <p:sldLayoutId id="2147483662" r:id="rId3"/>
-    <p:sldLayoutId id="2147483663" r:id="rId4"/>
-    <p:sldLayoutId id="2147483664" r:id="rId5"/>
-    <p:sldLayoutId id="2147483665" r:id="rId6"/>
-    <p:sldLayoutId id="2147483666" r:id="rId7"/>
-    <p:sldLayoutId id="2147483667" r:id="rId8"/>
-    <p:sldLayoutId id="2147483668" r:id="rId9"/>
-    <p:sldLayoutId id="2147483669" r:id="rId10"/>
-    <p:sldLayoutId id="2147483670" r:id="rId11"/>
-    <p:sldLayoutId id="2147483671" r:id="rId12"/>
-    <p:sldLayoutId id="2147483672" r:id="rId13"/>
-    <p:sldLayoutId id="2147483673" r:id="rId14"/>
-  </p:sldLayoutIdLst>
-</p:sldMaster>
-</file>
-
-<file path=ppt/slideMasters/slideMaster3.xml><?xml version="1.0" encoding="utf-8"?>
-<p:sldMaster xmlns:a="http://schemas.openxmlformats.org/drawingml/2006/main" xmlns:p="http://schemas.openxmlformats.org/presentationml/2006/main" xmlns:r="http://schemas.openxmlformats.org/officeDocument/2006/relationships">
-  <p:cSld>
-    <p:bg>
-      <p:bgPr>
-        <a:blipFill>
-          <a:blip r:embed="rId2"/>
-        </a:blipFill>
-      </p:bgPr>
-    </p:bg>
-    <p:spTree>
-      <p:nvGrpSpPr>
-        <p:cNvPr id="1" name=""/>
-        <p:cNvGrpSpPr/>
-        <p:nvPr/>
-      </p:nvGrpSpPr>
-      <p:grpSpPr>
-        <a:xfrm>
-          <a:off x="0" y="0"/>
-          <a:ext cx="0" cy="0"/>
-          <a:chOff x="0" y="0"/>
-          <a:chExt cx="0" cy="0"/>
-        </a:xfrm>
-      </p:grpSpPr>
-      <p:sp>
-        <p:nvSpPr>
-          <p:cNvPr id="68" name="PlaceHolder 1"/>
-          <p:cNvSpPr>
-            <a:spLocks noGrp="1"/>
-          </p:cNvSpPr>
-          <p:nvPr>
-            <p:ph type="title"/>
-          </p:nvPr>
-        </p:nvSpPr>
-        <p:spPr>
-          <a:xfrm>
-            <a:off x="457200" y="205200"/>
-            <a:ext cx="8229240" cy="858600"/>
-          </a:xfrm>
-          <a:prstGeom prst="rect">
-            <a:avLst/>
-          </a:prstGeom>
-        </p:spPr>
-        <p:txBody>
-          <a:bodyPr anchor="ctr" bIns="0" lIns="0" rIns="0" tIns="0" wrap="none"/>
-          <a:p>
-            <a:pPr algn="ctr"/>
-            <a:r>
-              <a:rPr lang="en-US"/>
-              <a:t>Click to edit the title text format</a:t>
-            </a:r>
-            <a:endParaRPr/>
-          </a:p>
-        </p:txBody>
-      </p:sp>
-      <p:sp>
-        <p:nvSpPr>
-          <p:cNvPr id="69" name="PlaceHolder 2"/>
-          <p:cNvSpPr>
-            <a:spLocks noGrp="1"/>
-          </p:cNvSpPr>
-          <p:nvPr>
-            <p:ph type="body"/>
-          </p:nvPr>
-        </p:nvSpPr>
-        <p:spPr>
-          <a:xfrm>
-            <a:off x="457200" y="1203480"/>
-            <a:ext cx="8046360" cy="2982960"/>
-          </a:xfrm>
-          <a:prstGeom prst="rect">
-            <a:avLst/>
-          </a:prstGeom>
-        </p:spPr>
-        <p:txBody>
-          <a:bodyPr bIns="0" lIns="0" rIns="0" tIns="0" wrap="none"/>
-          <a:p>
-            <a:pPr>
-              <a:buSzPct val="45000"/>
-              <a:buFont typeface="StarSymbol"/>
-              <a:buChar char=""/>
-            </a:pPr>
-            <a:r>
-              <a:rPr lang="en-US"/>
-              <a:t>Click to edit the outline text format</a:t>
-            </a:r>
-            <a:endParaRPr/>
-          </a:p>
-          <a:p>
-            <a:pPr lvl="1">
-              <a:buSzPct val="75000"/>
-              <a:buFont typeface="StarSymbol"/>
-              <a:buChar char=""/>
-            </a:pPr>
-            <a:r>
-              <a:rPr lang="en-US"/>
-              <a:t>Second Outline Level</a:t>
-            </a:r>
-            <a:endParaRPr/>
-          </a:p>
-          <a:p>
-            <a:pPr lvl="2">
-              <a:buSzPct val="45000"/>
-              <a:buFont typeface="StarSymbol"/>
-              <a:buChar char=""/>
-            </a:pPr>
-            <a:r>
-              <a:rPr lang="en-US"/>
-              <a:t>Third Outline Level</a:t>
-            </a:r>
-            <a:endParaRPr/>
-          </a:p>
-          <a:p>
-            <a:pPr lvl="3">
-              <a:buSzPct val="75000"/>
-              <a:buFont typeface="StarSymbol"/>
-              <a:buChar char=""/>
-            </a:pPr>
-            <a:r>
-              <a:rPr lang="en-US"/>
-              <a:t>Fourth Outline Level</a:t>
-            </a:r>
-            <a:endParaRPr/>
-          </a:p>
-          <a:p>
-            <a:pPr lvl="4">
-              <a:buSzPct val="45000"/>
-              <a:buFont typeface="StarSymbol"/>
-              <a:buChar char=""/>
-            </a:pPr>
-            <a:r>
-              <a:rPr lang="en-US"/>
-              <a:t>Fifth Outline Level</a:t>
-            </a:r>
-            <a:endParaRPr/>
-          </a:p>
-          <a:p>
-            <a:pPr lvl="5">
-              <a:buSzPct val="45000"/>
-              <a:buFont typeface="StarSymbol"/>
-              <a:buChar char=""/>
-            </a:pPr>
-            <a:r>
-              <a:rPr lang="en-US"/>
-              <a:t>Sixth Outline Level</a:t>
-            </a:r>
-            <a:endParaRPr/>
-          </a:p>
-          <a:p>
-            <a:pPr lvl="6">
-              <a:buSzPct val="45000"/>
-              <a:buFont typeface="StarSymbol"/>
-              <a:buChar char=""/>
-            </a:pPr>
-            <a:r>
-              <a:rPr lang="en-US"/>
-              <a:t>Seventh Outline Level</a:t>
-            </a:r>
-            <a:endParaRPr/>
-          </a:p>
-        </p:txBody>
-      </p:sp>
-    </p:spTree>
-  </p:cSld>
-  <p:clrMap accent1="accent1" accent2="accent2" accent3="accent3" accent4="accent4" accent5="accent5" accent6="accent6" bg1="lt1" bg2="lt2" folHlink="folHlink" hlink="hlink" tx1="dk1" tx2="dk2"/>
-  <p:sldLayoutIdLst>
-    <p:sldLayoutId id="2147483675" r:id="rId3"/>
-    <p:sldLayoutId id="2147483676" r:id="rId4"/>
-    <p:sldLayoutId id="2147483677" r:id="rId5"/>
-    <p:sldLayoutId id="2147483678" r:id="rId6"/>
-    <p:sldLayoutId id="2147483679" r:id="rId7"/>
-    <p:sldLayoutId id="2147483680" r:id="rId8"/>
-    <p:sldLayoutId id="2147483681" r:id="rId9"/>
-    <p:sldLayoutId id="2147483682" r:id="rId10"/>
-    <p:sldLayoutId id="2147483683" r:id="rId11"/>
-    <p:sldLayoutId id="2147483684" r:id="rId12"/>
-    <p:sldLayoutId id="2147483685" r:id="rId13"/>
-    <p:sldLayoutId id="2147483686" r:id="rId14"/>
-  </p:sldLayoutIdLst>
-</p:sldMaster>
-</file>
-
-<file path=ppt/slideMasters/slideMaster4.xml><?xml version="1.0" encoding="utf-8"?>
-<p:sldMaster xmlns:a="http://schemas.openxmlformats.org/drawingml/2006/main" xmlns:p="http://schemas.openxmlformats.org/presentationml/2006/main" xmlns:r="http://schemas.openxmlformats.org/officeDocument/2006/relationships">
-  <p:cSld>
-    <p:bg>
-      <p:bgPr>
-        <a:blipFill>
-          <a:blip r:embed="rId2"/>
-        </a:blipFill>
-      </p:bgPr>
-    </p:bg>
-    <p:spTree>
-      <p:nvGrpSpPr>
-        <p:cNvPr id="1" name=""/>
-        <p:cNvGrpSpPr/>
-        <p:nvPr/>
-      </p:nvGrpSpPr>
-      <p:grpSpPr>
-        <a:xfrm>
-          <a:off x="0" y="0"/>
-          <a:ext cx="0" cy="0"/>
-          <a:chOff x="0" y="0"/>
-          <a:chExt cx="0" cy="0"/>
-        </a:xfrm>
-      </p:grpSpPr>
-      <p:sp>
-        <p:nvSpPr>
-          <p:cNvPr id="102" name="PlaceHolder 1"/>
-          <p:cNvSpPr>
-            <a:spLocks noGrp="1"/>
-          </p:cNvSpPr>
-          <p:nvPr>
-            <p:ph type="title"/>
-          </p:nvPr>
-        </p:nvSpPr>
-        <p:spPr>
-          <a:xfrm>
-            <a:off x="457200" y="205200"/>
-            <a:ext cx="8228880" cy="858600"/>
-          </a:xfrm>
-          <a:prstGeom prst="rect">
-            <a:avLst/>
-          </a:prstGeom>
-        </p:spPr>
-        <p:txBody>
-          <a:bodyPr anchor="ctr" bIns="0" lIns="0" rIns="0" tIns="0" wrap="none"/>
-          <a:p>
-            <a:r>
-              <a:rPr lang="en-US"/>
-              <a:t>Click to edit the title text format</a:t>
-            </a:r>
-            <a:endParaRPr/>
-          </a:p>
-        </p:txBody>
-      </p:sp>
-      <p:sp>
-        <p:nvSpPr>
-          <p:cNvPr id="103" name="PlaceHolder 2"/>
-          <p:cNvSpPr>
-            <a:spLocks noGrp="1"/>
-          </p:cNvSpPr>
-          <p:nvPr>
-            <p:ph type="body"/>
-          </p:nvPr>
-        </p:nvSpPr>
-        <p:spPr>
-          <a:xfrm>
-            <a:off x="457200" y="1203480"/>
-            <a:ext cx="8046360" cy="2982960"/>
-          </a:xfrm>
-          <a:prstGeom prst="rect">
-            <a:avLst/>
-          </a:prstGeom>
-        </p:spPr>
-        <p:txBody>
-          <a:bodyPr bIns="0" lIns="0" rIns="0" tIns="0" wrap="none"/>
-          <a:p>
-            <a:pPr>
-              <a:buSzPct val="45000"/>
-              <a:buFont typeface="StarSymbol"/>
-              <a:buChar char=""/>
-            </a:pPr>
-            <a:r>
-              <a:rPr lang="en-US"/>
-              <a:t>Click to edit the outline text format</a:t>
-            </a:r>
-            <a:endParaRPr/>
-          </a:p>
-          <a:p>
-            <a:pPr lvl="1">
-              <a:buSzPct val="75000"/>
-              <a:buFont typeface="StarSymbol"/>
-              <a:buChar char=""/>
-            </a:pPr>
-            <a:r>
-              <a:rPr lang="en-US"/>
-              <a:t>Second Outline Level</a:t>
-            </a:r>
-            <a:endParaRPr/>
-          </a:p>
-          <a:p>
-            <a:pPr lvl="2">
-              <a:buSzPct val="45000"/>
-              <a:buFont typeface="StarSymbol"/>
-              <a:buChar char=""/>
-            </a:pPr>
-            <a:r>
-              <a:rPr lang="en-US"/>
-              <a:t>Third Outline Level</a:t>
-            </a:r>
-            <a:endParaRPr/>
-          </a:p>
-          <a:p>
-            <a:pPr lvl="3">
-              <a:buSzPct val="75000"/>
-              <a:buFont typeface="StarSymbol"/>
-              <a:buChar char=""/>
-            </a:pPr>
-            <a:r>
-              <a:rPr lang="en-US"/>
-              <a:t>Fourth Outline Level</a:t>
-            </a:r>
-            <a:endParaRPr/>
-          </a:p>
-          <a:p>
-            <a:pPr lvl="4">
-              <a:buSzPct val="45000"/>
-              <a:buFont typeface="StarSymbol"/>
-              <a:buChar char=""/>
-            </a:pPr>
-            <a:r>
-              <a:rPr lang="en-US"/>
-              <a:t>Fifth Outline Level</a:t>
-            </a:r>
-            <a:endParaRPr/>
-          </a:p>
-          <a:p>
-            <a:pPr lvl="5">
-              <a:buSzPct val="45000"/>
-              <a:buFont typeface="StarSymbol"/>
-              <a:buChar char=""/>
-            </a:pPr>
-            <a:r>
-              <a:rPr lang="en-US"/>
-              <a:t>Sixth Outline Level</a:t>
-            </a:r>
-            <a:endParaRPr/>
-          </a:p>
-          <a:p>
-            <a:pPr lvl="6">
-              <a:buSzPct val="45000"/>
-              <a:buFont typeface="StarSymbol"/>
-              <a:buChar char=""/>
-            </a:pPr>
-            <a:r>
-              <a:rPr lang="en-US"/>
-              <a:t>Seventh Outline Level</a:t>
-            </a:r>
-            <a:endParaRPr/>
-          </a:p>
-        </p:txBody>
-      </p:sp>
-    </p:spTree>
-  </p:cSld>
-  <p:clrMap accent1="accent1" accent2="accent2" accent3="accent3" accent4="accent4" accent5="accent5" accent6="accent6" bg1="lt1" bg2="lt2" folHlink="folHlink" hlink="hlink" tx1="dk1" tx2="dk2"/>
-  <p:sldLayoutIdLst>
-    <p:sldLayoutId id="2147483688" r:id="rId3"/>
-    <p:sldLayoutId id="2147483689" r:id="rId4"/>
-    <p:sldLayoutId id="2147483690" r:id="rId5"/>
-    <p:sldLayoutId id="2147483691" r:id="rId6"/>
-    <p:sldLayoutId id="2147483692" r:id="rId7"/>
-    <p:sldLayoutId id="2147483693" r:id="rId8"/>
-    <p:sldLayoutId id="2147483694" r:id="rId9"/>
-    <p:sldLayoutId id="2147483695" r:id="rId10"/>
-    <p:sldLayoutId id="2147483696" r:id="rId11"/>
-    <p:sldLayoutId id="2147483697" r:id="rId12"/>
-    <p:sldLayoutId id="2147483698" r:id="rId13"/>
-    <p:sldLayoutId id="2147483699" r:id="rId14"/>
-  </p:sldLayoutIdLst>
-</p:sldMaster>
-</file>
-
-<file path=ppt/slideMasters/slideMaster5.xml><?xml version="1.0" encoding="utf-8"?>
-<p:sldMaster xmlns:a="http://schemas.openxmlformats.org/drawingml/2006/main" xmlns:p="http://schemas.openxmlformats.org/presentationml/2006/main" xmlns:r="http://schemas.openxmlformats.org/officeDocument/2006/relationships">
-  <p:cSld>
-    <p:bg>
-      <p:bgPr>
-        <a:blipFill>
-          <a:blip r:embed="rId2"/>
-        </a:blipFill>
-      </p:bgPr>
-    </p:bg>
-    <p:spTree>
-      <p:nvGrpSpPr>
-        <p:cNvPr id="1" name=""/>
-        <p:cNvGrpSpPr/>
-        <p:nvPr/>
-      </p:nvGrpSpPr>
-      <p:grpSpPr>
-        <a:xfrm>
-          <a:off x="0" y="0"/>
-          <a:ext cx="0" cy="0"/>
-          <a:chOff x="0" y="0"/>
-          <a:chExt cx="0" cy="0"/>
-        </a:xfrm>
-      </p:grpSpPr>
-      <p:sp>
-        <p:nvSpPr>
-          <p:cNvPr id="136" name="PlaceHolder 1"/>
-          <p:cNvSpPr>
-            <a:spLocks noGrp="1"/>
-          </p:cNvSpPr>
-          <p:nvPr>
-            <p:ph type="title"/>
-          </p:nvPr>
-        </p:nvSpPr>
-        <p:spPr>
-          <a:xfrm>
-            <a:off x="685800" y="895320"/>
-            <a:ext cx="8229240" cy="1804680"/>
-          </a:xfrm>
-          <a:prstGeom prst="rect">
-            <a:avLst/>
-          </a:prstGeom>
-        </p:spPr>
-        <p:txBody>
-          <a:bodyPr anchor="b"/>
-          <a:p>
-            <a:pPr>
-              <a:lnSpc>
-                <a:spcPct val="100000"/>
-              </a:lnSpc>
-            </a:pPr>
-            <a:r>
-              <a:rPr lang="en-US" sz="3200">
-                <a:solidFill>
-                  <a:srgbClr val="ffffff"/>
-                </a:solidFill>
-                <a:latin typeface="Calibri"/>
-              </a:rPr>
-              <a:t>Click to edit the title text formatClick to edit Master title style</a:t>
-            </a:r>
-            <a:endParaRPr/>
-          </a:p>
-        </p:txBody>
-      </p:sp>
-      <p:sp>
-        <p:nvSpPr>
-          <p:cNvPr id="137" name="PlaceHolder 2"/>
-          <p:cNvSpPr>
-            <a:spLocks noGrp="1"/>
-          </p:cNvSpPr>
-          <p:nvPr>
-            <p:ph type="dt"/>
-          </p:nvPr>
-        </p:nvSpPr>
-        <p:spPr>
-          <a:xfrm>
-            <a:off x="685800" y="590400"/>
-            <a:ext cx="2361960" cy="285480"/>
-          </a:xfrm>
-          <a:prstGeom prst="rect">
-            <a:avLst/>
-          </a:prstGeom>
-        </p:spPr>
-        <p:txBody>
-          <a:bodyPr bIns="45000" lIns="90000" rIns="90000" tIns="45000"/>
-          <a:p>
-            <a:endParaRPr/>
-          </a:p>
-        </p:txBody>
-      </p:sp>
-      <p:sp>
-        <p:nvSpPr>
-          <p:cNvPr id="138" name="PlaceHolder 3"/>
-          <p:cNvSpPr>
-            <a:spLocks noGrp="1"/>
-          </p:cNvSpPr>
-          <p:nvPr>
-            <p:ph type="ftr"/>
-          </p:nvPr>
-        </p:nvSpPr>
-        <p:spPr>
-          <a:xfrm>
-            <a:off x="685800" y="4869720"/>
-            <a:ext cx="3276360" cy="273600"/>
-          </a:xfrm>
-          <a:prstGeom prst="rect">
-            <a:avLst/>
-          </a:prstGeom>
-        </p:spPr>
-        <p:txBody>
-          <a:bodyPr bIns="45000" lIns="90000" rIns="90000" tIns="45000"/>
-          <a:p>
-            <a:pPr>
-              <a:lnSpc>
-                <a:spcPct val="100000"/>
-              </a:lnSpc>
-            </a:pPr>
-            <a:r>
-              <a:rPr lang="en-US">
-                <a:solidFill>
-                  <a:srgbClr val="0783bd"/>
-                </a:solidFill>
-                <a:latin typeface="Calibri"/>
-              </a:rPr>
-              <a:t>Confidential</a:t>
-            </a:r>
-            <a:endParaRPr/>
-          </a:p>
-        </p:txBody>
-      </p:sp>
-      <p:sp>
-        <p:nvSpPr>
-          <p:cNvPr id="139" name="PlaceHolder 4"/>
-          <p:cNvSpPr>
-            <a:spLocks noGrp="1"/>
-          </p:cNvSpPr>
-          <p:nvPr>
-            <p:ph type="sldNum"/>
-          </p:nvPr>
-        </p:nvSpPr>
-        <p:spPr>
-          <a:xfrm>
-            <a:off x="152280" y="4869720"/>
-            <a:ext cx="533160" cy="285480"/>
-          </a:xfrm>
-          <a:prstGeom prst="rect">
-            <a:avLst/>
-          </a:prstGeom>
-        </p:spPr>
-        <p:txBody>
-          <a:bodyPr bIns="45000" lIns="90000" rIns="90000" tIns="45000"/>
-          <a:p>
-            <a:pPr>
-              <a:lnSpc>
-                <a:spcPct val="100000"/>
-              </a:lnSpc>
-            </a:pPr>
-            <a:fld id="{8A68167C-8FD9-475A-90E3-56534D7F1B6D}" type="slidenum">
-              <a:rPr lang="en-US">
-                <a:solidFill>
-                  <a:srgbClr val="0783bd"/>
-                </a:solidFill>
-                <a:latin typeface="Calibri"/>
-              </a:rPr>
-              <a:t>&lt;number&gt;</a:t>
-            </a:fld>
-            <a:endParaRPr/>
-          </a:p>
-        </p:txBody>
-      </p:sp>
-      <p:sp>
-        <p:nvSpPr>
-          <p:cNvPr id="140" name="PlaceHolder 5"/>
-          <p:cNvSpPr>
-            <a:spLocks noGrp="1"/>
-          </p:cNvSpPr>
-          <p:nvPr>
-            <p:ph type="body"/>
-          </p:nvPr>
-        </p:nvSpPr>
-        <p:spPr>
-          <a:xfrm>
-            <a:off x="457200" y="1203480"/>
-            <a:ext cx="8046360" cy="2982960"/>
-          </a:xfrm>
-          <a:prstGeom prst="rect">
-            <a:avLst/>
-          </a:prstGeom>
-        </p:spPr>
-        <p:txBody>
-          <a:bodyPr bIns="0" lIns="0" rIns="0" tIns="0" wrap="none"/>
-          <a:p>
-            <a:pPr>
-              <a:buSzPct val="45000"/>
-              <a:buFont typeface="StarSymbol"/>
-              <a:buChar char=""/>
-            </a:pPr>
-            <a:r>
-              <a:rPr lang="en-US"/>
-              <a:t>Click to edit the outline text format</a:t>
-            </a:r>
-            <a:endParaRPr/>
-          </a:p>
-          <a:p>
-            <a:pPr lvl="1">
-              <a:buSzPct val="75000"/>
-              <a:buFont typeface="StarSymbol"/>
-              <a:buChar char=""/>
-            </a:pPr>
-            <a:r>
-              <a:rPr lang="en-US"/>
-              <a:t>Second Outline Level</a:t>
-            </a:r>
-            <a:endParaRPr/>
-          </a:p>
-          <a:p>
-            <a:pPr lvl="2">
-              <a:buSzPct val="45000"/>
-              <a:buFont typeface="StarSymbol"/>
-              <a:buChar char=""/>
-            </a:pPr>
-            <a:r>
-              <a:rPr lang="en-US"/>
-              <a:t>Third Outline Level</a:t>
-            </a:r>
-            <a:endParaRPr/>
-          </a:p>
-          <a:p>
-            <a:pPr lvl="3">
-              <a:buSzPct val="75000"/>
-              <a:buFont typeface="StarSymbol"/>
-              <a:buChar char=""/>
-            </a:pPr>
-            <a:r>
-              <a:rPr lang="en-US"/>
-              <a:t>Fourth Outline Level</a:t>
-            </a:r>
-            <a:endParaRPr/>
-          </a:p>
-          <a:p>
-            <a:pPr lvl="4">
-              <a:buSzPct val="45000"/>
-              <a:buFont typeface="StarSymbol"/>
-              <a:buChar char=""/>
-            </a:pPr>
-            <a:r>
-              <a:rPr lang="en-US"/>
-              <a:t>Fifth Outline Level</a:t>
-            </a:r>
-            <a:endParaRPr/>
-          </a:p>
-          <a:p>
-            <a:pPr lvl="5">
-              <a:buSzPct val="45000"/>
-              <a:buFont typeface="StarSymbol"/>
-              <a:buChar char=""/>
-            </a:pPr>
-            <a:r>
-              <a:rPr lang="en-US"/>
-              <a:t>Sixth Outline Level</a:t>
-            </a:r>
-            <a:endParaRPr/>
-          </a:p>
-          <a:p>
-            <a:pPr lvl="6">
-              <a:buSzPct val="45000"/>
-              <a:buFont typeface="StarSymbol"/>
-              <a:buChar char=""/>
-            </a:pPr>
-            <a:r>
-              <a:rPr lang="en-US"/>
-              <a:t>Seventh Outline Level</a:t>
-            </a:r>
-            <a:endParaRPr/>
-          </a:p>
-        </p:txBody>
-      </p:sp>
-    </p:spTree>
-  </p:cSld>
-  <p:clrMap accent1="accent1" accent2="accent2" accent3="accent3" accent4="accent4" accent5="accent5" accent6="accent6" bg1="lt1" bg2="lt2" folHlink="folHlink" hlink="hlink" tx1="dk1" tx2="dk2"/>
-  <p:sldLayoutIdLst>
-    <p:sldLayoutId id="2147483701" r:id="rId3"/>
-    <p:sldLayoutId id="2147483702" r:id="rId4"/>
-    <p:sldLayoutId id="2147483703" r:id="rId5"/>
-    <p:sldLayoutId id="2147483704" r:id="rId6"/>
-    <p:sldLayoutId id="2147483705" r:id="rId7"/>
-    <p:sldLayoutId id="2147483706" r:id="rId8"/>
-    <p:sldLayoutId id="2147483707" r:id="rId9"/>
-    <p:sldLayoutId id="2147483708" r:id="rId10"/>
-    <p:sldLayoutId id="2147483709" r:id="rId11"/>
-    <p:sldLayoutId id="2147483710" r:id="rId12"/>
-    <p:sldLayoutId id="2147483711" r:id="rId13"/>
-    <p:sldLayoutId id="2147483712" r:id="rId14"/>
-  </p:sldLayoutIdLst>
-</p:sldMaster>
-</file>
-
 <file path=ppt/slides/slide1.xml><?xml version="1.0" encoding="utf-8"?>
 <p:sld xmlns:a="http://schemas.openxmlformats.org/drawingml/2006/main" xmlns:p="http://schemas.openxmlformats.org/presentationml/2006/main" xmlns:r="http://schemas.openxmlformats.org/officeDocument/2006/relationships">
   <p:cSld>
@@ -6625,14 +1347,14 @@
       </p:grpSpPr>
       <p:sp>
         <p:nvSpPr>
-          <p:cNvPr id="173" name="CustomShape 1"/>
+          <p:cNvPr id="34" name="CustomShape 1"/>
           <p:cNvSpPr/>
           <p:nvPr/>
         </p:nvSpPr>
         <p:spPr>
           <a:xfrm>
             <a:off x="3051000" y="2795760"/>
-            <a:ext cx="3041640" cy="727200"/>
+            <a:ext cx="3041280" cy="726840"/>
           </a:xfrm>
           <a:prstGeom prst="rect">
             <a:avLst/>
@@ -6680,14 +1402,14 @@
       </p:sp>
       <p:sp>
         <p:nvSpPr>
-          <p:cNvPr id="174" name="CustomShape 2"/>
+          <p:cNvPr id="35" name="CustomShape 2"/>
           <p:cNvSpPr/>
           <p:nvPr/>
         </p:nvSpPr>
         <p:spPr>
           <a:xfrm>
             <a:off x="2168280" y="1620720"/>
-            <a:ext cx="4807800" cy="911880"/>
+            <a:ext cx="4807440" cy="911520"/>
           </a:xfrm>
           <a:prstGeom prst="rect">
             <a:avLst/>
@@ -6779,14 +1501,14 @@
       </p:grpSpPr>
       <p:sp>
         <p:nvSpPr>
-          <p:cNvPr id="200" name="CustomShape 1"/>
+          <p:cNvPr id="61" name="CustomShape 1"/>
           <p:cNvSpPr/>
           <p:nvPr/>
         </p:nvSpPr>
         <p:spPr>
           <a:xfrm>
             <a:off x="182880" y="213840"/>
-            <a:ext cx="4659120" cy="421920"/>
+            <a:ext cx="4658760" cy="421560"/>
           </a:xfrm>
           <a:prstGeom prst="rect">
             <a:avLst/>
@@ -6810,14 +1532,14 @@
       </p:sp>
       <p:sp>
         <p:nvSpPr>
-          <p:cNvPr id="201" name="CustomShape 2"/>
+          <p:cNvPr id="62" name="CustomShape 2"/>
           <p:cNvSpPr/>
           <p:nvPr/>
         </p:nvSpPr>
         <p:spPr>
           <a:xfrm>
             <a:off x="91440" y="1629720"/>
-            <a:ext cx="8956800" cy="2771280"/>
+            <a:ext cx="8956440" cy="2770920"/>
           </a:xfrm>
           <a:prstGeom prst="rect">
             <a:avLst/>
@@ -6982,14 +1704,14 @@
       </p:grpSpPr>
       <p:sp>
         <p:nvSpPr>
-          <p:cNvPr id="202" name="CustomShape 1"/>
+          <p:cNvPr id="63" name="CustomShape 1"/>
           <p:cNvSpPr/>
           <p:nvPr/>
         </p:nvSpPr>
         <p:spPr>
           <a:xfrm>
             <a:off x="182880" y="213840"/>
-            <a:ext cx="4659120" cy="421920"/>
+            <a:ext cx="4658760" cy="421560"/>
           </a:xfrm>
           <a:prstGeom prst="rect">
             <a:avLst/>
@@ -7013,14 +1735,14 @@
       </p:sp>
       <p:sp>
         <p:nvSpPr>
-          <p:cNvPr id="203" name="CustomShape 2"/>
+          <p:cNvPr id="64" name="CustomShape 2"/>
           <p:cNvSpPr/>
           <p:nvPr/>
         </p:nvSpPr>
         <p:spPr>
           <a:xfrm>
             <a:off x="253800" y="895320"/>
-            <a:ext cx="8810640" cy="3515040"/>
+            <a:ext cx="8810280" cy="3514680"/>
           </a:xfrm>
           <a:prstGeom prst="rect">
             <a:avLst/>
@@ -7239,14 +1961,14 @@
       </p:grpSpPr>
       <p:sp>
         <p:nvSpPr>
-          <p:cNvPr id="204" name="CustomShape 1"/>
+          <p:cNvPr id="65" name="CustomShape 1"/>
           <p:cNvSpPr/>
           <p:nvPr/>
         </p:nvSpPr>
         <p:spPr>
           <a:xfrm>
             <a:off x="182880" y="213840"/>
-            <a:ext cx="4659120" cy="421920"/>
+            <a:ext cx="4658760" cy="421560"/>
           </a:xfrm>
           <a:prstGeom prst="rect">
             <a:avLst/>
@@ -7270,14 +1992,14 @@
       </p:sp>
       <p:sp>
         <p:nvSpPr>
-          <p:cNvPr id="205" name="CustomShape 2"/>
+          <p:cNvPr id="66" name="CustomShape 2"/>
           <p:cNvSpPr/>
           <p:nvPr/>
         </p:nvSpPr>
         <p:spPr>
           <a:xfrm>
             <a:off x="274320" y="1280160"/>
-            <a:ext cx="8684640" cy="3655440"/>
+            <a:ext cx="8684280" cy="3655080"/>
           </a:xfrm>
           <a:prstGeom prst="rect">
             <a:avLst/>
@@ -7294,30 +2016,30 @@
       </p:sp>
       <p:sp>
         <p:nvSpPr>
-          <p:cNvPr id="206" name="CustomShape 3"/>
+          <p:cNvPr id="67" name="CustomShape 3"/>
           <p:cNvSpPr/>
           <p:nvPr/>
         </p:nvSpPr>
         <p:spPr>
           <a:xfrm>
             <a:off x="5120640" y="1463040"/>
-            <a:ext cx="178560" cy="344160"/>
-          </a:xfrm>
-          <a:prstGeom prst="rect">
-            <a:avLst/>
-          </a:prstGeom>
-        </p:spPr>
-      </p:sp>
-      <p:sp>
-        <p:nvSpPr>
-          <p:cNvPr id="207" name="CustomShape 4"/>
+            <a:ext cx="178200" cy="343800"/>
+          </a:xfrm>
+          <a:prstGeom prst="rect">
+            <a:avLst/>
+          </a:prstGeom>
+        </p:spPr>
+      </p:sp>
+      <p:sp>
+        <p:nvSpPr>
+          <p:cNvPr id="68" name="CustomShape 4"/>
           <p:cNvSpPr/>
           <p:nvPr/>
         </p:nvSpPr>
         <p:spPr>
           <a:xfrm>
             <a:off x="3036960" y="833040"/>
-            <a:ext cx="3067920" cy="353520"/>
+            <a:ext cx="3067560" cy="353160"/>
           </a:xfrm>
           <a:prstGeom prst="rect">
             <a:avLst/>
@@ -7341,14 +2063,14 @@
       </p:sp>
       <p:sp>
         <p:nvSpPr>
-          <p:cNvPr id="208" name="CustomShape 5"/>
+          <p:cNvPr id="69" name="CustomShape 5"/>
           <p:cNvSpPr/>
           <p:nvPr/>
         </p:nvSpPr>
         <p:spPr>
           <a:xfrm>
             <a:off x="365760" y="1371600"/>
-            <a:ext cx="2998080" cy="344160"/>
+            <a:ext cx="2997720" cy="343800"/>
           </a:xfrm>
           <a:prstGeom prst="rect">
             <a:avLst/>
@@ -7367,14 +2089,14 @@
       </p:sp>
       <p:sp>
         <p:nvSpPr>
-          <p:cNvPr id="209" name="CustomShape 6"/>
+          <p:cNvPr id="70" name="CustomShape 6"/>
           <p:cNvSpPr/>
           <p:nvPr/>
         </p:nvSpPr>
         <p:spPr>
           <a:xfrm>
             <a:off x="548640" y="1828800"/>
-            <a:ext cx="8136000" cy="2832480"/>
+            <a:ext cx="8135640" cy="2832120"/>
           </a:xfrm>
           <a:prstGeom prst="rect">
             <a:avLst/>
@@ -7408,14 +2130,14 @@
       </p:sp>
       <p:sp>
         <p:nvSpPr>
-          <p:cNvPr id="210" name="CustomShape 7"/>
+          <p:cNvPr id="71" name="CustomShape 7"/>
           <p:cNvSpPr/>
           <p:nvPr/>
         </p:nvSpPr>
         <p:spPr>
           <a:xfrm>
             <a:off x="4325040" y="2149920"/>
-            <a:ext cx="1918080" cy="637920"/>
+            <a:ext cx="1917720" cy="637560"/>
           </a:xfrm>
           <a:prstGeom prst="rect">
             <a:avLst/>
@@ -7459,14 +2181,14 @@
       </p:sp>
       <p:sp>
         <p:nvSpPr>
-          <p:cNvPr id="211" name="CustomShape 8"/>
+          <p:cNvPr id="72" name="CustomShape 8"/>
           <p:cNvSpPr/>
           <p:nvPr/>
         </p:nvSpPr>
         <p:spPr>
           <a:xfrm>
             <a:off x="6428160" y="3612960"/>
-            <a:ext cx="1918080" cy="637920"/>
+            <a:ext cx="1917720" cy="637560"/>
           </a:xfrm>
           <a:prstGeom prst="rect">
             <a:avLst/>
@@ -7510,14 +2232,14 @@
       </p:sp>
       <p:sp>
         <p:nvSpPr>
-          <p:cNvPr id="212" name="CustomShape 9"/>
+          <p:cNvPr id="73" name="CustomShape 9"/>
           <p:cNvSpPr/>
           <p:nvPr/>
         </p:nvSpPr>
         <p:spPr>
           <a:xfrm>
             <a:off x="6428160" y="2881440"/>
-            <a:ext cx="1918080" cy="637920"/>
+            <a:ext cx="1917720" cy="637560"/>
           </a:xfrm>
           <a:prstGeom prst="rect">
             <a:avLst/>
@@ -7561,14 +2283,14 @@
       </p:sp>
       <p:sp>
         <p:nvSpPr>
-          <p:cNvPr id="213" name="CustomShape 10"/>
+          <p:cNvPr id="74" name="CustomShape 10"/>
           <p:cNvSpPr/>
           <p:nvPr/>
         </p:nvSpPr>
         <p:spPr>
           <a:xfrm>
             <a:off x="4325040" y="3612960"/>
-            <a:ext cx="1918080" cy="637920"/>
+            <a:ext cx="1917720" cy="637560"/>
           </a:xfrm>
           <a:prstGeom prst="rect">
             <a:avLst/>
@@ -7612,14 +2334,14 @@
       </p:sp>
       <p:sp>
         <p:nvSpPr>
-          <p:cNvPr id="214" name="CustomShape 11"/>
+          <p:cNvPr id="75" name="CustomShape 11"/>
           <p:cNvSpPr/>
           <p:nvPr/>
         </p:nvSpPr>
         <p:spPr>
           <a:xfrm>
             <a:off x="4325040" y="2881440"/>
-            <a:ext cx="1918080" cy="637920"/>
+            <a:ext cx="1917720" cy="637560"/>
           </a:xfrm>
           <a:prstGeom prst="rect">
             <a:avLst/>
@@ -7663,14 +2385,14 @@
       </p:sp>
       <p:sp>
         <p:nvSpPr>
-          <p:cNvPr id="215" name="CustomShape 12"/>
+          <p:cNvPr id="76" name="CustomShape 12"/>
           <p:cNvSpPr/>
           <p:nvPr/>
         </p:nvSpPr>
         <p:spPr>
           <a:xfrm>
             <a:off x="6428160" y="2149920"/>
-            <a:ext cx="1918080" cy="637920"/>
+            <a:ext cx="1917720" cy="637560"/>
           </a:xfrm>
           <a:prstGeom prst="rect">
             <a:avLst/>
@@ -7714,14 +2436,14 @@
       </p:sp>
       <p:sp>
         <p:nvSpPr>
-          <p:cNvPr id="216" name="CustomShape 13"/>
+          <p:cNvPr id="77" name="CustomShape 13"/>
           <p:cNvSpPr/>
           <p:nvPr/>
         </p:nvSpPr>
         <p:spPr>
           <a:xfrm>
             <a:off x="2093040" y="2869920"/>
-            <a:ext cx="1918080" cy="637920"/>
+            <a:ext cx="1917720" cy="637560"/>
           </a:xfrm>
           <a:prstGeom prst="rect">
             <a:avLst/>
@@ -7816,14 +2538,14 @@
       </p:grpSpPr>
       <p:sp>
         <p:nvSpPr>
-          <p:cNvPr id="217" name="CustomShape 1"/>
+          <p:cNvPr id="78" name="CustomShape 1"/>
           <p:cNvSpPr/>
           <p:nvPr/>
         </p:nvSpPr>
         <p:spPr>
           <a:xfrm>
             <a:off x="182880" y="213840"/>
-            <a:ext cx="4659120" cy="421920"/>
+            <a:ext cx="4658760" cy="421560"/>
           </a:xfrm>
           <a:prstGeom prst="rect">
             <a:avLst/>
@@ -7847,14 +2569,14 @@
       </p:sp>
       <p:sp>
         <p:nvSpPr>
-          <p:cNvPr id="218" name="CustomShape 2"/>
+          <p:cNvPr id="79" name="CustomShape 2"/>
           <p:cNvSpPr/>
           <p:nvPr/>
         </p:nvSpPr>
         <p:spPr>
           <a:xfrm>
             <a:off x="182880" y="741240"/>
-            <a:ext cx="6307200" cy="353880"/>
+            <a:ext cx="6306840" cy="353520"/>
           </a:xfrm>
           <a:prstGeom prst="rect">
             <a:avLst/>
@@ -7878,14 +2600,14 @@
       </p:sp>
       <p:sp>
         <p:nvSpPr>
-          <p:cNvPr id="219" name="CustomShape 3"/>
+          <p:cNvPr id="80" name="CustomShape 3"/>
           <p:cNvSpPr/>
           <p:nvPr/>
         </p:nvSpPr>
         <p:spPr>
           <a:xfrm>
             <a:off x="145800" y="1381320"/>
-            <a:ext cx="3318120" cy="353880"/>
+            <a:ext cx="3317760" cy="353520"/>
           </a:xfrm>
           <a:prstGeom prst="rect">
             <a:avLst/>
@@ -7909,46 +2631,46 @@
       </p:sp>
       <p:sp>
         <p:nvSpPr>
-          <p:cNvPr id="220" name="CustomShape 4"/>
+          <p:cNvPr id="81" name="CustomShape 4"/>
           <p:cNvSpPr/>
           <p:nvPr/>
         </p:nvSpPr>
         <p:spPr>
           <a:xfrm>
             <a:off x="1280160" y="1814400"/>
-            <a:ext cx="7030440" cy="2115720"/>
-          </a:xfrm>
-          <a:prstGeom prst="rect">
-            <a:avLst/>
-          </a:prstGeom>
-        </p:spPr>
-      </p:sp>
-      <p:sp>
-        <p:nvSpPr>
-          <p:cNvPr id="221" name="CustomShape 5"/>
+            <a:ext cx="7030080" cy="2115360"/>
+          </a:xfrm>
+          <a:prstGeom prst="rect">
+            <a:avLst/>
+          </a:prstGeom>
+        </p:spPr>
+      </p:sp>
+      <p:sp>
+        <p:nvSpPr>
+          <p:cNvPr id="82" name="CustomShape 5"/>
           <p:cNvSpPr/>
           <p:nvPr/>
         </p:nvSpPr>
         <p:spPr>
           <a:xfrm>
             <a:off x="93960" y="2468880"/>
-            <a:ext cx="8499960" cy="2183400"/>
-          </a:xfrm>
-          <a:prstGeom prst="rect">
-            <a:avLst/>
-          </a:prstGeom>
-        </p:spPr>
-      </p:sp>
-      <p:sp>
-        <p:nvSpPr>
-          <p:cNvPr id="222" name="CustomShape 6"/>
+            <a:ext cx="8499600" cy="2183040"/>
+          </a:xfrm>
+          <a:prstGeom prst="rect">
+            <a:avLst/>
+          </a:prstGeom>
+        </p:spPr>
+      </p:sp>
+      <p:sp>
+        <p:nvSpPr>
+          <p:cNvPr id="83" name="CustomShape 6"/>
           <p:cNvSpPr/>
           <p:nvPr/>
         </p:nvSpPr>
         <p:spPr>
           <a:xfrm>
             <a:off x="274320" y="1919520"/>
-            <a:ext cx="8593920" cy="2651040"/>
+            <a:ext cx="8593560" cy="2650680"/>
           </a:xfrm>
           <a:prstGeom prst="rect">
             <a:avLst/>
@@ -8109,14 +2831,14 @@
       </p:grpSpPr>
       <p:sp>
         <p:nvSpPr>
-          <p:cNvPr id="223" name="CustomShape 1"/>
+          <p:cNvPr id="84" name="CustomShape 1"/>
           <p:cNvSpPr/>
           <p:nvPr/>
         </p:nvSpPr>
         <p:spPr>
           <a:xfrm>
             <a:off x="290880" y="213840"/>
-            <a:ext cx="5599440" cy="421920"/>
+            <a:ext cx="5599080" cy="421560"/>
           </a:xfrm>
           <a:prstGeom prst="rect">
             <a:avLst/>
@@ -8140,14 +2862,14 @@
       </p:sp>
       <p:sp>
         <p:nvSpPr>
-          <p:cNvPr id="224" name="CustomShape 2"/>
+          <p:cNvPr id="85" name="CustomShape 2"/>
           <p:cNvSpPr/>
           <p:nvPr/>
         </p:nvSpPr>
         <p:spPr>
           <a:xfrm>
             <a:off x="365760" y="1355040"/>
-            <a:ext cx="8410680" cy="944640"/>
+            <a:ext cx="8410320" cy="944280"/>
           </a:xfrm>
           <a:prstGeom prst="rect">
             <a:avLst/>
@@ -8206,14 +2928,14 @@
       </p:sp>
       <p:sp>
         <p:nvSpPr>
-          <p:cNvPr id="225" name="CustomShape 3"/>
+          <p:cNvPr id="86" name="CustomShape 3"/>
           <p:cNvSpPr/>
           <p:nvPr/>
         </p:nvSpPr>
         <p:spPr>
           <a:xfrm>
             <a:off x="366120" y="3083040"/>
-            <a:ext cx="8410680" cy="1352880"/>
+            <a:ext cx="8410320" cy="1352520"/>
           </a:xfrm>
           <a:prstGeom prst="rect">
             <a:avLst/>
@@ -8269,14 +2991,14 @@
       </p:sp>
       <p:sp>
         <p:nvSpPr>
-          <p:cNvPr id="226" name="CustomShape 4"/>
+          <p:cNvPr id="87" name="CustomShape 4"/>
           <p:cNvSpPr/>
           <p:nvPr/>
         </p:nvSpPr>
         <p:spPr>
           <a:xfrm>
             <a:off x="290880" y="1005840"/>
-            <a:ext cx="1864800" cy="421920"/>
+            <a:ext cx="1864440" cy="421560"/>
           </a:xfrm>
           <a:prstGeom prst="rect">
             <a:avLst/>
@@ -8300,14 +3022,14 @@
       </p:sp>
       <p:sp>
         <p:nvSpPr>
-          <p:cNvPr id="227" name="CustomShape 5"/>
+          <p:cNvPr id="88" name="CustomShape 5"/>
           <p:cNvSpPr/>
           <p:nvPr/>
         </p:nvSpPr>
         <p:spPr>
           <a:xfrm>
             <a:off x="290880" y="2733840"/>
-            <a:ext cx="1864800" cy="421920"/>
+            <a:ext cx="1864440" cy="421560"/>
           </a:xfrm>
           <a:prstGeom prst="rect">
             <a:avLst/>
@@ -8382,14 +3104,14 @@
       </p:grpSpPr>
       <p:sp>
         <p:nvSpPr>
-          <p:cNvPr id="228" name="CustomShape 1"/>
+          <p:cNvPr id="89" name="CustomShape 1"/>
           <p:cNvSpPr/>
           <p:nvPr/>
         </p:nvSpPr>
         <p:spPr>
           <a:xfrm>
             <a:off x="110880" y="91440"/>
-            <a:ext cx="4659120" cy="421920"/>
+            <a:ext cx="4658760" cy="421560"/>
           </a:xfrm>
           <a:prstGeom prst="rect">
             <a:avLst/>
@@ -8413,14 +3135,14 @@
       </p:sp>
       <p:sp>
         <p:nvSpPr>
-          <p:cNvPr id="229" name="CustomShape 2"/>
+          <p:cNvPr id="90" name="CustomShape 2"/>
           <p:cNvSpPr/>
           <p:nvPr/>
         </p:nvSpPr>
         <p:spPr>
           <a:xfrm>
             <a:off x="202320" y="911520"/>
-            <a:ext cx="8593920" cy="4169520"/>
+            <a:ext cx="8593560" cy="4169160"/>
           </a:xfrm>
           <a:prstGeom prst="rect">
             <a:avLst/>
@@ -8584,14 +3306,14 @@
       </p:sp>
       <p:sp>
         <p:nvSpPr>
-          <p:cNvPr id="230" name="CustomShape 3"/>
+          <p:cNvPr id="91" name="CustomShape 3"/>
           <p:cNvSpPr/>
           <p:nvPr/>
         </p:nvSpPr>
         <p:spPr>
           <a:xfrm>
             <a:off x="146880" y="573840"/>
-            <a:ext cx="1864800" cy="421920"/>
+            <a:ext cx="1864440" cy="421560"/>
           </a:xfrm>
           <a:prstGeom prst="rect">
             <a:avLst/>
@@ -8666,14 +3388,14 @@
       </p:grpSpPr>
       <p:sp>
         <p:nvSpPr>
-          <p:cNvPr id="231" name="CustomShape 1"/>
+          <p:cNvPr id="92" name="CustomShape 1"/>
           <p:cNvSpPr/>
           <p:nvPr/>
         </p:nvSpPr>
         <p:spPr>
           <a:xfrm>
             <a:off x="182880" y="69840"/>
-            <a:ext cx="4659120" cy="421920"/>
+            <a:ext cx="4658760" cy="421560"/>
           </a:xfrm>
           <a:prstGeom prst="rect">
             <a:avLst/>
@@ -8697,14 +3419,14 @@
       </p:sp>
       <p:sp>
         <p:nvSpPr>
-          <p:cNvPr id="232" name="CustomShape 2"/>
+          <p:cNvPr id="93" name="CustomShape 2"/>
           <p:cNvSpPr/>
           <p:nvPr/>
         </p:nvSpPr>
         <p:spPr>
           <a:xfrm>
             <a:off x="202320" y="869760"/>
-            <a:ext cx="8593920" cy="4159440"/>
+            <a:ext cx="8593560" cy="4159080"/>
           </a:xfrm>
           <a:prstGeom prst="rect">
             <a:avLst/>
@@ -8961,14 +3683,14 @@
       </p:sp>
       <p:sp>
         <p:nvSpPr>
-          <p:cNvPr id="233" name="CustomShape 3"/>
+          <p:cNvPr id="94" name="CustomShape 3"/>
           <p:cNvSpPr/>
           <p:nvPr/>
         </p:nvSpPr>
         <p:spPr>
           <a:xfrm>
             <a:off x="110880" y="465840"/>
-            <a:ext cx="1864800" cy="421920"/>
+            <a:ext cx="1864440" cy="421560"/>
           </a:xfrm>
           <a:prstGeom prst="rect">
             <a:avLst/>
@@ -9043,14 +3765,14 @@
       </p:grpSpPr>
       <p:sp>
         <p:nvSpPr>
-          <p:cNvPr id="234" name="CustomShape 1"/>
+          <p:cNvPr id="95" name="CustomShape 1"/>
           <p:cNvSpPr/>
           <p:nvPr/>
         </p:nvSpPr>
         <p:spPr>
           <a:xfrm>
             <a:off x="202320" y="213840"/>
-            <a:ext cx="6654960" cy="421920"/>
+            <a:ext cx="6654600" cy="421560"/>
           </a:xfrm>
           <a:prstGeom prst="rect">
             <a:avLst/>
@@ -9074,14 +3796,14 @@
       </p:sp>
       <p:sp>
         <p:nvSpPr>
-          <p:cNvPr id="235" name="CustomShape 2"/>
+          <p:cNvPr id="96" name="CustomShape 2"/>
           <p:cNvSpPr/>
           <p:nvPr/>
         </p:nvSpPr>
         <p:spPr>
           <a:xfrm>
             <a:off x="221760" y="1121760"/>
-            <a:ext cx="8593920" cy="3274560"/>
+            <a:ext cx="8593560" cy="3274200"/>
           </a:xfrm>
           <a:prstGeom prst="rect">
             <a:avLst/>
@@ -9254,14 +3976,14 @@
       </p:sp>
       <p:sp>
         <p:nvSpPr>
-          <p:cNvPr id="236" name="CustomShape 3"/>
+          <p:cNvPr id="97" name="CustomShape 3"/>
           <p:cNvSpPr/>
           <p:nvPr/>
         </p:nvSpPr>
         <p:spPr>
           <a:xfrm>
             <a:off x="146880" y="789840"/>
-            <a:ext cx="1864800" cy="421920"/>
+            <a:ext cx="1864440" cy="421560"/>
           </a:xfrm>
           <a:prstGeom prst="rect">
             <a:avLst/>
@@ -9336,14 +4058,14 @@
       </p:grpSpPr>
       <p:sp>
         <p:nvSpPr>
-          <p:cNvPr id="237" name="CustomShape 1"/>
+          <p:cNvPr id="98" name="CustomShape 1"/>
           <p:cNvSpPr/>
           <p:nvPr/>
         </p:nvSpPr>
         <p:spPr>
           <a:xfrm>
             <a:off x="182880" y="69840"/>
-            <a:ext cx="4659120" cy="421920"/>
+            <a:ext cx="4658760" cy="421560"/>
           </a:xfrm>
           <a:prstGeom prst="rect">
             <a:avLst/>
@@ -9367,14 +4089,14 @@
       </p:sp>
       <p:sp>
         <p:nvSpPr>
-          <p:cNvPr id="238" name="CustomShape 2"/>
+          <p:cNvPr id="99" name="CustomShape 2"/>
           <p:cNvSpPr/>
           <p:nvPr/>
         </p:nvSpPr>
         <p:spPr>
           <a:xfrm>
             <a:off x="221760" y="1905840"/>
-            <a:ext cx="8593920" cy="1019520"/>
+            <a:ext cx="8593560" cy="1019160"/>
           </a:xfrm>
           <a:prstGeom prst="rect">
             <a:avLst/>
@@ -9484,14 +4206,14 @@
       </p:grpSpPr>
       <p:sp>
         <p:nvSpPr>
-          <p:cNvPr id="239" name="CustomShape 1"/>
+          <p:cNvPr id="100" name="CustomShape 1"/>
           <p:cNvSpPr/>
           <p:nvPr/>
         </p:nvSpPr>
         <p:spPr>
           <a:xfrm>
             <a:off x="182880" y="69840"/>
-            <a:ext cx="4659120" cy="421920"/>
+            <a:ext cx="4658760" cy="421560"/>
           </a:xfrm>
           <a:prstGeom prst="rect">
             <a:avLst/>
@@ -9515,14 +4237,14 @@
       </p:sp>
       <p:sp>
         <p:nvSpPr>
-          <p:cNvPr id="240" name="CustomShape 2"/>
+          <p:cNvPr id="101" name="CustomShape 2"/>
           <p:cNvSpPr/>
           <p:nvPr/>
         </p:nvSpPr>
         <p:spPr>
           <a:xfrm>
             <a:off x="221760" y="764640"/>
-            <a:ext cx="8593920" cy="3427560"/>
+            <a:ext cx="8593560" cy="3427200"/>
           </a:xfrm>
           <a:prstGeom prst="rect">
             <a:avLst/>
@@ -9746,14 +4468,14 @@
       </p:grpSpPr>
       <p:sp>
         <p:nvSpPr>
-          <p:cNvPr id="175" name="CustomShape 1"/>
+          <p:cNvPr id="36" name="CustomShape 1"/>
           <p:cNvSpPr/>
           <p:nvPr/>
         </p:nvSpPr>
         <p:spPr>
           <a:xfrm>
             <a:off x="182880" y="213840"/>
-            <a:ext cx="3041640" cy="421920"/>
+            <a:ext cx="3041280" cy="421560"/>
           </a:xfrm>
           <a:prstGeom prst="rect">
             <a:avLst/>
@@ -9777,14 +4499,14 @@
       </p:sp>
       <p:sp>
         <p:nvSpPr>
-          <p:cNvPr id="176" name="CustomShape 2"/>
+          <p:cNvPr id="37" name="CustomShape 2"/>
           <p:cNvSpPr/>
           <p:nvPr/>
         </p:nvSpPr>
         <p:spPr>
           <a:xfrm>
             <a:off x="2377440" y="2834640"/>
-            <a:ext cx="6670800" cy="561240"/>
+            <a:ext cx="6670440" cy="560880"/>
           </a:xfrm>
           <a:prstGeom prst="rect">
             <a:avLst/>
@@ -9813,7 +4535,7 @@
       </p:sp>
       <p:pic>
         <p:nvPicPr>
-          <p:cNvPr descr="" id="177" name=""/>
+          <p:cNvPr descr="" id="38" name=""/>
           <p:cNvPicPr/>
           <p:nvPr/>
         </p:nvPicPr>
@@ -9826,7 +4548,7 @@
         <p:spPr>
           <a:xfrm>
             <a:off x="182880" y="1097280"/>
-            <a:ext cx="3805200" cy="3148200"/>
+            <a:ext cx="3804840" cy="3147840"/>
           </a:xfrm>
           <a:prstGeom prst="rect">
             <a:avLst/>
@@ -9835,14 +4557,14 @@
       </p:pic>
       <p:sp>
         <p:nvSpPr>
-          <p:cNvPr id="178" name="CustomShape 3"/>
+          <p:cNvPr id="39" name="CustomShape 3"/>
           <p:cNvSpPr/>
           <p:nvPr/>
         </p:nvSpPr>
         <p:spPr>
           <a:xfrm>
             <a:off x="338400" y="4099680"/>
-            <a:ext cx="5145480" cy="561240"/>
+            <a:ext cx="5145120" cy="560880"/>
           </a:xfrm>
           <a:prstGeom prst="rect">
             <a:avLst/>
@@ -9922,14 +4644,14 @@
       </p:grpSpPr>
       <p:sp>
         <p:nvSpPr>
-          <p:cNvPr id="241" name="CustomShape 1"/>
+          <p:cNvPr id="102" name="CustomShape 1"/>
           <p:cNvSpPr/>
           <p:nvPr/>
         </p:nvSpPr>
         <p:spPr>
           <a:xfrm>
             <a:off x="182880" y="69840"/>
-            <a:ext cx="4659120" cy="421920"/>
+            <a:ext cx="4658760" cy="421560"/>
           </a:xfrm>
           <a:prstGeom prst="rect">
             <a:avLst/>
@@ -9953,14 +4675,14 @@
       </p:sp>
       <p:sp>
         <p:nvSpPr>
-          <p:cNvPr id="242" name="CustomShape 2"/>
+          <p:cNvPr id="103" name="CustomShape 2"/>
           <p:cNvSpPr/>
           <p:nvPr/>
         </p:nvSpPr>
         <p:spPr>
           <a:xfrm>
             <a:off x="221760" y="1032120"/>
-            <a:ext cx="8593920" cy="3622680"/>
+            <a:ext cx="8593560" cy="3622320"/>
           </a:xfrm>
           <a:prstGeom prst="rect">
             <a:avLst/>
@@ -10226,14 +4948,14 @@
       </p:grpSpPr>
       <p:sp>
         <p:nvSpPr>
-          <p:cNvPr id="243" name="CustomShape 1"/>
+          <p:cNvPr id="104" name="CustomShape 1"/>
           <p:cNvSpPr/>
           <p:nvPr/>
         </p:nvSpPr>
         <p:spPr>
           <a:xfrm>
             <a:off x="182880" y="69840"/>
-            <a:ext cx="4659120" cy="421920"/>
+            <a:ext cx="4658760" cy="421560"/>
           </a:xfrm>
           <a:prstGeom prst="rect">
             <a:avLst/>
@@ -10257,14 +4979,14 @@
       </p:sp>
       <p:sp>
         <p:nvSpPr>
-          <p:cNvPr id="244" name="CustomShape 2"/>
+          <p:cNvPr id="105" name="CustomShape 2"/>
           <p:cNvSpPr/>
           <p:nvPr/>
         </p:nvSpPr>
         <p:spPr>
           <a:xfrm>
             <a:off x="221760" y="1248120"/>
-            <a:ext cx="8593920" cy="3074040"/>
+            <a:ext cx="8593560" cy="3073680"/>
           </a:xfrm>
           <a:prstGeom prst="rect">
             <a:avLst/>
@@ -10464,14 +5186,14 @@
       </p:grpSpPr>
       <p:sp>
         <p:nvSpPr>
-          <p:cNvPr id="245" name="CustomShape 1"/>
+          <p:cNvPr id="106" name="CustomShape 1"/>
           <p:cNvSpPr/>
           <p:nvPr/>
         </p:nvSpPr>
         <p:spPr>
           <a:xfrm>
             <a:off x="182880" y="69840"/>
-            <a:ext cx="4659120" cy="421920"/>
+            <a:ext cx="4658760" cy="421560"/>
           </a:xfrm>
           <a:prstGeom prst="rect">
             <a:avLst/>
@@ -10495,14 +5217,14 @@
       </p:sp>
       <p:sp>
         <p:nvSpPr>
-          <p:cNvPr id="246" name="CustomShape 2"/>
+          <p:cNvPr id="107" name="CustomShape 2"/>
           <p:cNvSpPr/>
           <p:nvPr/>
         </p:nvSpPr>
         <p:spPr>
           <a:xfrm>
             <a:off x="221760" y="1212480"/>
-            <a:ext cx="8593920" cy="1153440"/>
+            <a:ext cx="8593560" cy="1153080"/>
           </a:xfrm>
           <a:prstGeom prst="rect">
             <a:avLst/>
@@ -10519,14 +5241,14 @@
       </p:sp>
       <p:sp>
         <p:nvSpPr>
-          <p:cNvPr id="247" name="CustomShape 3"/>
+          <p:cNvPr id="108" name="CustomShape 3"/>
           <p:cNvSpPr/>
           <p:nvPr/>
         </p:nvSpPr>
         <p:spPr>
           <a:xfrm>
             <a:off x="221760" y="1212480"/>
-            <a:ext cx="8593920" cy="1153440"/>
+            <a:ext cx="8593560" cy="1153080"/>
           </a:xfrm>
           <a:prstGeom prst="rect">
             <a:avLst/>
@@ -10618,14 +5340,14 @@
       </p:sp>
       <p:sp>
         <p:nvSpPr>
-          <p:cNvPr id="248" name="CustomShape 4"/>
+          <p:cNvPr id="109" name="CustomShape 4"/>
           <p:cNvSpPr/>
           <p:nvPr/>
         </p:nvSpPr>
         <p:spPr>
           <a:xfrm>
             <a:off x="221760" y="2688480"/>
-            <a:ext cx="8593920" cy="1506240"/>
+            <a:ext cx="8593560" cy="1505880"/>
           </a:xfrm>
           <a:prstGeom prst="rect">
             <a:avLst/>
@@ -11110,14 +5832,14 @@
       </p:grpSpPr>
       <p:sp>
         <p:nvSpPr>
-          <p:cNvPr id="249" name="CustomShape 1"/>
+          <p:cNvPr id="110" name="CustomShape 1"/>
           <p:cNvSpPr/>
           <p:nvPr/>
         </p:nvSpPr>
         <p:spPr>
           <a:xfrm>
             <a:off x="182880" y="69840"/>
-            <a:ext cx="4659120" cy="421920"/>
+            <a:ext cx="4658760" cy="421560"/>
           </a:xfrm>
           <a:prstGeom prst="rect">
             <a:avLst/>
@@ -11141,14 +5863,14 @@
       </p:sp>
       <p:sp>
         <p:nvSpPr>
-          <p:cNvPr id="250" name="CustomShape 2"/>
+          <p:cNvPr id="111" name="CustomShape 2"/>
           <p:cNvSpPr/>
           <p:nvPr/>
         </p:nvSpPr>
         <p:spPr>
           <a:xfrm>
             <a:off x="221760" y="960480"/>
-            <a:ext cx="8593920" cy="3046320"/>
+            <a:ext cx="8593560" cy="3045960"/>
           </a:xfrm>
           <a:prstGeom prst="rect">
             <a:avLst/>
@@ -11429,14 +6151,14 @@
       </p:sp>
       <p:sp>
         <p:nvSpPr>
-          <p:cNvPr id="251" name="CustomShape 3"/>
+          <p:cNvPr id="112" name="CustomShape 3"/>
           <p:cNvSpPr/>
           <p:nvPr/>
         </p:nvSpPr>
         <p:spPr>
           <a:xfrm>
             <a:off x="146880" y="573840"/>
-            <a:ext cx="1864800" cy="421920"/>
+            <a:ext cx="1864440" cy="421560"/>
           </a:xfrm>
           <a:prstGeom prst="rect">
             <a:avLst/>
@@ -11460,14 +6182,14 @@
       </p:sp>
       <p:sp>
         <p:nvSpPr>
-          <p:cNvPr id="252" name="CustomShape 4"/>
+          <p:cNvPr id="113" name="CustomShape 4"/>
           <p:cNvSpPr/>
           <p:nvPr/>
         </p:nvSpPr>
         <p:spPr>
           <a:xfrm>
             <a:off x="221760" y="4380480"/>
-            <a:ext cx="8593920" cy="554400"/>
+            <a:ext cx="8593560" cy="554040"/>
           </a:xfrm>
           <a:prstGeom prst="rect">
             <a:avLst/>
@@ -11505,14 +6227,14 @@
       </p:sp>
       <p:sp>
         <p:nvSpPr>
-          <p:cNvPr id="253" name="CustomShape 5"/>
+          <p:cNvPr id="114" name="CustomShape 5"/>
           <p:cNvSpPr/>
           <p:nvPr/>
         </p:nvSpPr>
         <p:spPr>
           <a:xfrm>
             <a:off x="146880" y="4065840"/>
-            <a:ext cx="1407600" cy="421920"/>
+            <a:ext cx="1407240" cy="421560"/>
           </a:xfrm>
           <a:prstGeom prst="rect">
             <a:avLst/>
@@ -11587,14 +6309,14 @@
       </p:grpSpPr>
       <p:sp>
         <p:nvSpPr>
-          <p:cNvPr id="254" name="CustomShape 1"/>
+          <p:cNvPr id="115" name="CustomShape 1"/>
           <p:cNvSpPr/>
           <p:nvPr/>
         </p:nvSpPr>
         <p:spPr>
           <a:xfrm>
             <a:off x="182880" y="69840"/>
-            <a:ext cx="4659120" cy="421920"/>
+            <a:ext cx="4658760" cy="421560"/>
           </a:xfrm>
           <a:prstGeom prst="rect">
             <a:avLst/>
@@ -11618,14 +6340,14 @@
       </p:sp>
       <p:sp>
         <p:nvSpPr>
-          <p:cNvPr id="255" name="CustomShape 2"/>
+          <p:cNvPr id="116" name="CustomShape 2"/>
           <p:cNvSpPr/>
           <p:nvPr/>
         </p:nvSpPr>
         <p:spPr>
           <a:xfrm>
             <a:off x="221760" y="888480"/>
-            <a:ext cx="8593920" cy="4157280"/>
+            <a:ext cx="8593560" cy="4156920"/>
           </a:xfrm>
           <a:prstGeom prst="rect">
             <a:avLst/>
@@ -12014,14 +6736,14 @@
       </p:sp>
       <p:sp>
         <p:nvSpPr>
-          <p:cNvPr id="256" name="CustomShape 3"/>
+          <p:cNvPr id="117" name="CustomShape 3"/>
           <p:cNvSpPr/>
           <p:nvPr/>
         </p:nvSpPr>
         <p:spPr>
           <a:xfrm>
             <a:off x="146880" y="501840"/>
-            <a:ext cx="1773360" cy="421920"/>
+            <a:ext cx="1773000" cy="421560"/>
           </a:xfrm>
           <a:prstGeom prst="rect">
             <a:avLst/>
@@ -12096,14 +6818,14 @@
       </p:grpSpPr>
       <p:sp>
         <p:nvSpPr>
-          <p:cNvPr id="257" name="CustomShape 1"/>
+          <p:cNvPr id="118" name="CustomShape 1"/>
           <p:cNvSpPr/>
           <p:nvPr/>
         </p:nvSpPr>
         <p:spPr>
           <a:xfrm>
             <a:off x="182880" y="69840"/>
-            <a:ext cx="4659120" cy="421920"/>
+            <a:ext cx="4658760" cy="421560"/>
           </a:xfrm>
           <a:prstGeom prst="rect">
             <a:avLst/>
@@ -12127,14 +6849,14 @@
       </p:sp>
       <p:sp>
         <p:nvSpPr>
-          <p:cNvPr id="258" name="CustomShape 2"/>
+          <p:cNvPr id="119" name="CustomShape 2"/>
           <p:cNvSpPr/>
           <p:nvPr/>
         </p:nvSpPr>
         <p:spPr>
           <a:xfrm>
             <a:off x="221760" y="1392480"/>
-            <a:ext cx="8593920" cy="2419920"/>
+            <a:ext cx="8593560" cy="2419560"/>
           </a:xfrm>
           <a:prstGeom prst="rect">
             <a:avLst/>
@@ -12289,14 +7011,14 @@
       </p:sp>
       <p:sp>
         <p:nvSpPr>
-          <p:cNvPr id="259" name="CustomShape 3"/>
+          <p:cNvPr id="120" name="CustomShape 3"/>
           <p:cNvSpPr/>
           <p:nvPr/>
         </p:nvSpPr>
         <p:spPr>
           <a:xfrm>
             <a:off x="182880" y="1005840"/>
-            <a:ext cx="1551600" cy="421920"/>
+            <a:ext cx="1551240" cy="421560"/>
           </a:xfrm>
           <a:prstGeom prst="rect">
             <a:avLst/>
@@ -12371,14 +7093,14 @@
       </p:grpSpPr>
       <p:sp>
         <p:nvSpPr>
-          <p:cNvPr id="260" name="CustomShape 1"/>
+          <p:cNvPr id="121" name="CustomShape 1"/>
           <p:cNvSpPr/>
           <p:nvPr/>
         </p:nvSpPr>
         <p:spPr>
           <a:xfrm>
             <a:off x="182880" y="69840"/>
-            <a:ext cx="4659120" cy="421920"/>
+            <a:ext cx="4658760" cy="421560"/>
           </a:xfrm>
           <a:prstGeom prst="rect">
             <a:avLst/>
@@ -12402,14 +7124,14 @@
       </p:sp>
       <p:sp>
         <p:nvSpPr>
-          <p:cNvPr id="261" name="CustomShape 2"/>
+          <p:cNvPr id="122" name="CustomShape 2"/>
           <p:cNvSpPr/>
           <p:nvPr/>
         </p:nvSpPr>
         <p:spPr>
           <a:xfrm>
             <a:off x="182880" y="969840"/>
-            <a:ext cx="4659120" cy="421920"/>
+            <a:ext cx="4658760" cy="421560"/>
           </a:xfrm>
           <a:prstGeom prst="rect">
             <a:avLst/>
@@ -12433,14 +7155,14 @@
       </p:sp>
       <p:sp>
         <p:nvSpPr>
-          <p:cNvPr id="262" name="CustomShape 3"/>
+          <p:cNvPr id="123" name="CustomShape 3"/>
           <p:cNvSpPr/>
           <p:nvPr/>
         </p:nvSpPr>
         <p:spPr>
           <a:xfrm>
             <a:off x="182880" y="1401840"/>
-            <a:ext cx="4659120" cy="421920"/>
+            <a:ext cx="4658760" cy="421560"/>
           </a:xfrm>
           <a:prstGeom prst="rect">
             <a:avLst/>
@@ -12464,14 +7186,14 @@
       </p:sp>
       <p:sp>
         <p:nvSpPr>
-          <p:cNvPr id="263" name="CustomShape 4"/>
+          <p:cNvPr id="124" name="CustomShape 4"/>
           <p:cNvSpPr/>
           <p:nvPr/>
         </p:nvSpPr>
         <p:spPr>
           <a:xfrm>
             <a:off x="182880" y="1869840"/>
-            <a:ext cx="4659120" cy="421920"/>
+            <a:ext cx="4658760" cy="421560"/>
           </a:xfrm>
           <a:prstGeom prst="rect">
             <a:avLst/>
@@ -12495,14 +7217,14 @@
       </p:sp>
       <p:sp>
         <p:nvSpPr>
-          <p:cNvPr id="264" name="CustomShape 5"/>
+          <p:cNvPr id="125" name="CustomShape 5"/>
           <p:cNvSpPr/>
           <p:nvPr/>
         </p:nvSpPr>
         <p:spPr>
           <a:xfrm>
             <a:off x="182880" y="2301840"/>
-            <a:ext cx="4659120" cy="421920"/>
+            <a:ext cx="4658760" cy="421560"/>
           </a:xfrm>
           <a:prstGeom prst="rect">
             <a:avLst/>
@@ -12526,14 +7248,14 @@
       </p:sp>
       <p:sp>
         <p:nvSpPr>
-          <p:cNvPr id="265" name="CustomShape 6"/>
+          <p:cNvPr id="126" name="CustomShape 6"/>
           <p:cNvSpPr/>
           <p:nvPr/>
         </p:nvSpPr>
         <p:spPr>
           <a:xfrm>
             <a:off x="182880" y="2733840"/>
-            <a:ext cx="4659120" cy="421920"/>
+            <a:ext cx="4658760" cy="421560"/>
           </a:xfrm>
           <a:prstGeom prst="rect">
             <a:avLst/>
@@ -12557,14 +7279,14 @@
       </p:sp>
       <p:sp>
         <p:nvSpPr>
-          <p:cNvPr id="266" name="CustomShape 7"/>
+          <p:cNvPr id="127" name="CustomShape 7"/>
           <p:cNvSpPr/>
           <p:nvPr/>
         </p:nvSpPr>
         <p:spPr>
           <a:xfrm>
             <a:off x="182880" y="3201840"/>
-            <a:ext cx="4659120" cy="421920"/>
+            <a:ext cx="4658760" cy="421560"/>
           </a:xfrm>
           <a:prstGeom prst="rect">
             <a:avLst/>
@@ -12588,14 +7310,14 @@
       </p:sp>
       <p:sp>
         <p:nvSpPr>
-          <p:cNvPr id="267" name="CustomShape 8"/>
+          <p:cNvPr id="128" name="CustomShape 8"/>
           <p:cNvSpPr/>
           <p:nvPr/>
         </p:nvSpPr>
         <p:spPr>
           <a:xfrm>
             <a:off x="182880" y="3633840"/>
-            <a:ext cx="6858000" cy="421920"/>
+            <a:ext cx="6857640" cy="421560"/>
           </a:xfrm>
           <a:prstGeom prst="rect">
             <a:avLst/>
@@ -12619,14 +7341,14 @@
       </p:sp>
       <p:sp>
         <p:nvSpPr>
-          <p:cNvPr id="268" name="CustomShape 9"/>
+          <p:cNvPr id="129" name="CustomShape 9"/>
           <p:cNvSpPr/>
           <p:nvPr/>
         </p:nvSpPr>
         <p:spPr>
           <a:xfrm>
             <a:off x="182880" y="4065840"/>
-            <a:ext cx="6858000" cy="421920"/>
+            <a:ext cx="6857640" cy="421560"/>
           </a:xfrm>
           <a:prstGeom prst="rect">
             <a:avLst/>
@@ -12701,14 +7423,14 @@
       </p:grpSpPr>
       <p:sp>
         <p:nvSpPr>
-          <p:cNvPr id="269" name="CustomShape 1"/>
+          <p:cNvPr id="130" name="CustomShape 1"/>
           <p:cNvSpPr/>
           <p:nvPr/>
         </p:nvSpPr>
         <p:spPr>
           <a:xfrm>
             <a:off x="182880" y="69840"/>
-            <a:ext cx="4659120" cy="421920"/>
+            <a:ext cx="4658760" cy="421560"/>
           </a:xfrm>
           <a:prstGeom prst="rect">
             <a:avLst/>
@@ -12726,6 +7448,132 @@
               </a:rPr>
               <a:t>Q/A</a:t>
             </a:r>
+            <a:endParaRPr/>
+          </a:p>
+        </p:txBody>
+      </p:sp>
+      <p:sp>
+        <p:nvSpPr>
+          <p:cNvPr id="131" name="TextShape 2"/>
+          <p:cNvSpPr txBox="1"/>
+          <p:nvPr/>
+        </p:nvSpPr>
+        <p:spPr>
+          <a:xfrm>
+            <a:off x="1005840" y="1188720"/>
+            <a:ext cx="6902640" cy="2394000"/>
+          </a:xfrm>
+          <a:prstGeom prst="rect">
+            <a:avLst/>
+          </a:prstGeom>
+        </p:spPr>
+        <p:txBody>
+          <a:bodyPr bIns="45000" lIns="90000" rIns="90000" tIns="45000" wrap="none"/>
+          <a:p>
+            <a:pPr>
+              <a:buSzPct val="45000"/>
+              <a:buFont typeface="StarSymbol"/>
+              <a:buChar char=""/>
+            </a:pPr>
+            <a:r>
+              <a:rPr lang="en-US">
+                <a:solidFill>
+                  <a:srgbClr val="ffffff"/>
+                </a:solidFill>
+                <a:hlinkClick r:id="rId1"/>
+              </a:rPr>
+              <a:t>http://www.docker.io/</a:t>
+            </a:r>
+            <a:endParaRPr/>
+          </a:p>
+          <a:p>
+            <a:pPr>
+              <a:buSzPct val="45000"/>
+              <a:buFont typeface="StarSymbol"/>
+              <a:buChar char=""/>
+            </a:pPr>
+            <a:endParaRPr/>
+          </a:p>
+          <a:p>
+            <a:pPr>
+              <a:buSzPct val="45000"/>
+              <a:buFont typeface="StarSymbol"/>
+              <a:buChar char=""/>
+            </a:pPr>
+            <a:r>
+              <a:rPr lang="en-US">
+                <a:solidFill>
+                  <a:srgbClr val="ffffff"/>
+                </a:solidFill>
+                <a:hlinkClick r:id="rId2"/>
+              </a:rPr>
+              <a:t>https://github.com/jpetazzo/pipework</a:t>
+            </a:r>
+            <a:endParaRPr/>
+          </a:p>
+          <a:p>
+            <a:pPr>
+              <a:buSzPct val="45000"/>
+              <a:buFont typeface="StarSymbol"/>
+              <a:buChar char=""/>
+            </a:pPr>
+            <a:endParaRPr/>
+          </a:p>
+          <a:p>
+            <a:pPr>
+              <a:buSzPct val="45000"/>
+              <a:buFont typeface="StarSymbol"/>
+              <a:buChar char=""/>
+            </a:pPr>
+            <a:r>
+              <a:rPr lang="en-US">
+                <a:solidFill>
+                  <a:srgbClr val="ffffff"/>
+                </a:solidFill>
+              </a:rPr>
+              <a:t>http://www.datastax.com/docs</a:t>
+            </a:r>
+            <a:endParaRPr/>
+          </a:p>
+          <a:p>
+            <a:pPr>
+              <a:buSzPct val="45000"/>
+              <a:buFont typeface="StarSymbol"/>
+              <a:buChar char=""/>
+            </a:pPr>
+            <a:endParaRPr/>
+          </a:p>
+          <a:p>
+            <a:pPr>
+              <a:buSzPct val="45000"/>
+              <a:buFont typeface="StarSymbol"/>
+              <a:buChar char=""/>
+            </a:pPr>
+            <a:r>
+              <a:rPr lang="en-US">
+                <a:solidFill>
+                  <a:srgbClr val="ffffff"/>
+                </a:solidFill>
+                <a:hlinkClick r:id="rId3"/>
+              </a:rPr>
+              <a:t>https://github.com/kcberg/docker-cassandra-cluster-presentation</a:t>
+            </a:r>
+            <a:endParaRPr/>
+          </a:p>
+          <a:p>
+            <a:pPr>
+              <a:buSzPct val="45000"/>
+              <a:buFont typeface="StarSymbol"/>
+              <a:buChar char=""/>
+            </a:pPr>
+            <a:endParaRPr/>
+          </a:p>
+          <a:p>
+            <a:pPr>
+              <a:buSzPct val="45000"/>
+              <a:buFont typeface="StarSymbol"/>
+              <a:buChar char=""/>
+            </a:pPr>
             <a:endParaRPr/>
           </a:p>
         </p:txBody>
@@ -12783,14 +7631,14 @@
       </p:grpSpPr>
       <p:sp>
         <p:nvSpPr>
-          <p:cNvPr id="179" name="CustomShape 1"/>
+          <p:cNvPr id="40" name="CustomShape 1"/>
           <p:cNvSpPr/>
           <p:nvPr/>
         </p:nvSpPr>
         <p:spPr>
           <a:xfrm>
             <a:off x="182880" y="213840"/>
-            <a:ext cx="4659120" cy="421920"/>
+            <a:ext cx="4658760" cy="421560"/>
           </a:xfrm>
           <a:prstGeom prst="rect">
             <a:avLst/>
@@ -12814,13 +7662,13 @@
       </p:sp>
       <p:graphicFrame>
         <p:nvGraphicFramePr>
-          <p:cNvPr id="180" name="Table 2"/>
+          <p:cNvPr id="41" name="Table 2"/>
           <p:cNvGraphicFramePr/>
           <p:nvPr/>
         </p:nvGraphicFramePr>
         <p:xfrm>
           <a:off x="182880" y="1188720"/>
-          <a:ext cx="8833320" cy="2839680"/>
+          <a:ext cx="8832960" cy="2839320"/>
         </p:xfrm>
         <a:graphic>
           <a:graphicData uri="http://schemas.openxmlformats.org/drawingml/2006/table">
@@ -12828,7 +7676,7 @@
               <a:tblPr/>
               <a:tblGrid>
                 <a:gridCol w="4250880"/>
-                <a:gridCol w="4582440"/>
+                <a:gridCol w="4582080"/>
               </a:tblGrid>
               <a:tr h="653400">
                 <a:tc>
@@ -12926,7 +7774,7 @@
                   <a:tcPr/>
                 </a:tc>
               </a:tr>
-              <a:tr h="748440">
+              <a:tr h="748080">
                 <a:tc>
                   <a:txBody>
                     <a:bodyPr wrap="none"/>
@@ -12964,14 +7812,14 @@
       </p:graphicFrame>
       <p:sp>
         <p:nvSpPr>
-          <p:cNvPr id="181" name="CustomShape 3"/>
+          <p:cNvPr id="42" name="CustomShape 3"/>
           <p:cNvSpPr/>
           <p:nvPr/>
         </p:nvSpPr>
         <p:spPr>
           <a:xfrm>
             <a:off x="2312280" y="4320000"/>
-            <a:ext cx="4515120" cy="381600"/>
+            <a:ext cx="4514760" cy="381240"/>
           </a:xfrm>
           <a:prstGeom prst="rect">
             <a:avLst/>
@@ -13046,14 +7894,14 @@
       </p:grpSpPr>
       <p:sp>
         <p:nvSpPr>
-          <p:cNvPr id="182" name="CustomShape 1"/>
+          <p:cNvPr id="43" name="CustomShape 1"/>
           <p:cNvSpPr/>
           <p:nvPr/>
         </p:nvSpPr>
         <p:spPr>
           <a:xfrm>
             <a:off x="182880" y="213840"/>
-            <a:ext cx="4659120" cy="421920"/>
+            <a:ext cx="4658760" cy="421560"/>
           </a:xfrm>
           <a:prstGeom prst="rect">
             <a:avLst/>
@@ -13077,7 +7925,7 @@
       </p:sp>
       <p:pic>
         <p:nvPicPr>
-          <p:cNvPr descr="" id="183" name=""/>
+          <p:cNvPr descr="" id="44" name=""/>
           <p:cNvPicPr/>
           <p:nvPr/>
         </p:nvPicPr>
@@ -13090,7 +7938,7 @@
         <p:spPr>
           <a:xfrm>
             <a:off x="91440" y="914400"/>
-            <a:ext cx="8956800" cy="4110480"/>
+            <a:ext cx="8956440" cy="4110120"/>
           </a:xfrm>
           <a:prstGeom prst="rect">
             <a:avLst/>
@@ -13121,14 +7969,14 @@
       </p:grpSpPr>
       <p:sp>
         <p:nvSpPr>
-          <p:cNvPr id="184" name="CustomShape 1"/>
+          <p:cNvPr id="45" name="CustomShape 1"/>
           <p:cNvSpPr/>
           <p:nvPr/>
         </p:nvSpPr>
         <p:spPr>
           <a:xfrm>
             <a:off x="182880" y="213840"/>
-            <a:ext cx="4659120" cy="421920"/>
+            <a:ext cx="4658760" cy="421560"/>
           </a:xfrm>
           <a:prstGeom prst="rect">
             <a:avLst/>
@@ -13152,14 +8000,14 @@
       </p:sp>
       <p:sp>
         <p:nvSpPr>
-          <p:cNvPr id="185" name="CustomShape 2"/>
+          <p:cNvPr id="46" name="CustomShape 2"/>
           <p:cNvSpPr/>
           <p:nvPr/>
         </p:nvSpPr>
         <p:spPr>
           <a:xfrm>
             <a:off x="2358360" y="868320"/>
-            <a:ext cx="4129560" cy="498960"/>
+            <a:ext cx="4129200" cy="498600"/>
           </a:xfrm>
           <a:prstGeom prst="rect">
             <a:avLst/>
@@ -13183,7 +8031,7 @@
       </p:sp>
       <p:pic>
         <p:nvPicPr>
-          <p:cNvPr descr="" id="186" name=""/>
+          <p:cNvPr descr="" id="47" name=""/>
           <p:cNvPicPr/>
           <p:nvPr/>
         </p:nvPicPr>
@@ -13196,7 +8044,7 @@
         <p:spPr>
           <a:xfrm>
             <a:off x="1188720" y="1371600"/>
-            <a:ext cx="6610320" cy="4659120"/>
+            <a:ext cx="6609960" cy="4658760"/>
           </a:xfrm>
           <a:prstGeom prst="rect">
             <a:avLst/>
@@ -13227,14 +8075,14 @@
       </p:grpSpPr>
       <p:sp>
         <p:nvSpPr>
-          <p:cNvPr id="187" name="CustomShape 1"/>
+          <p:cNvPr id="48" name="CustomShape 1"/>
           <p:cNvSpPr/>
           <p:nvPr/>
         </p:nvSpPr>
         <p:spPr>
           <a:xfrm>
             <a:off x="182880" y="213840"/>
-            <a:ext cx="5390640" cy="421920"/>
+            <a:ext cx="5390280" cy="421560"/>
           </a:xfrm>
           <a:prstGeom prst="rect">
             <a:avLst/>
@@ -13258,14 +8106,14 @@
       </p:sp>
       <p:sp>
         <p:nvSpPr>
-          <p:cNvPr id="188" name="CustomShape 2"/>
+          <p:cNvPr id="49" name="CustomShape 2"/>
           <p:cNvSpPr/>
           <p:nvPr/>
         </p:nvSpPr>
         <p:spPr>
           <a:xfrm>
             <a:off x="274320" y="881280"/>
-            <a:ext cx="8591040" cy="1943280"/>
+            <a:ext cx="8590680" cy="1942920"/>
           </a:xfrm>
           <a:prstGeom prst="rect">
             <a:avLst/>
@@ -13337,14 +8185,14 @@
       </p:sp>
       <p:sp>
         <p:nvSpPr>
-          <p:cNvPr id="189" name="CustomShape 3"/>
+          <p:cNvPr id="50" name="CustomShape 3"/>
           <p:cNvSpPr/>
           <p:nvPr/>
         </p:nvSpPr>
         <p:spPr>
           <a:xfrm>
             <a:off x="274320" y="3005280"/>
-            <a:ext cx="8591040" cy="1943280"/>
+            <a:ext cx="8590680" cy="1942920"/>
           </a:xfrm>
           <a:prstGeom prst="rect">
             <a:avLst/>
@@ -13467,14 +8315,14 @@
       </p:grpSpPr>
       <p:sp>
         <p:nvSpPr>
-          <p:cNvPr id="190" name="CustomShape 1"/>
+          <p:cNvPr id="51" name="CustomShape 1"/>
           <p:cNvSpPr/>
           <p:nvPr/>
         </p:nvSpPr>
         <p:spPr>
           <a:xfrm>
             <a:off x="182880" y="213840"/>
-            <a:ext cx="4659120" cy="421920"/>
+            <a:ext cx="4658760" cy="421560"/>
           </a:xfrm>
           <a:prstGeom prst="rect">
             <a:avLst/>
@@ -13498,14 +8346,14 @@
       </p:sp>
       <p:sp>
         <p:nvSpPr>
-          <p:cNvPr id="191" name="CustomShape 2"/>
+          <p:cNvPr id="52" name="CustomShape 2"/>
           <p:cNvSpPr/>
           <p:nvPr/>
         </p:nvSpPr>
         <p:spPr>
           <a:xfrm>
             <a:off x="340920" y="742680"/>
-            <a:ext cx="497520" cy="343080"/>
+            <a:ext cx="497160" cy="342720"/>
           </a:xfrm>
           <a:prstGeom prst="rect">
             <a:avLst/>
@@ -13524,14 +8372,14 @@
       </p:sp>
       <p:sp>
         <p:nvSpPr>
-          <p:cNvPr id="192" name="CustomShape 3"/>
+          <p:cNvPr id="53" name="CustomShape 3"/>
           <p:cNvSpPr/>
           <p:nvPr/>
         </p:nvSpPr>
         <p:spPr>
           <a:xfrm>
             <a:off x="70920" y="1333080"/>
-            <a:ext cx="8980200" cy="2739960"/>
+            <a:ext cx="8979840" cy="2739600"/>
           </a:xfrm>
           <a:prstGeom prst="rect">
             <a:avLst/>
@@ -13723,14 +8571,14 @@
       </p:grpSpPr>
       <p:sp>
         <p:nvSpPr>
-          <p:cNvPr id="193" name="CustomShape 1"/>
+          <p:cNvPr id="54" name="CustomShape 1"/>
           <p:cNvSpPr/>
           <p:nvPr/>
         </p:nvSpPr>
         <p:spPr>
           <a:xfrm>
             <a:off x="182880" y="213840"/>
-            <a:ext cx="4659120" cy="421920"/>
+            <a:ext cx="4658760" cy="421560"/>
           </a:xfrm>
           <a:prstGeom prst="rect">
             <a:avLst/>
@@ -13754,14 +8602,14 @@
       </p:sp>
       <p:sp>
         <p:nvSpPr>
-          <p:cNvPr id="194" name="CustomShape 2"/>
+          <p:cNvPr id="55" name="CustomShape 2"/>
           <p:cNvSpPr/>
           <p:nvPr/>
         </p:nvSpPr>
         <p:spPr>
           <a:xfrm>
             <a:off x="91440" y="1473840"/>
-            <a:ext cx="8956800" cy="716400"/>
+            <a:ext cx="8956440" cy="716040"/>
           </a:xfrm>
           <a:prstGeom prst="rect">
             <a:avLst/>
@@ -13800,14 +8648,14 @@
       </p:sp>
       <p:sp>
         <p:nvSpPr>
-          <p:cNvPr id="195" name="CustomShape 3"/>
+          <p:cNvPr id="56" name="CustomShape 3"/>
           <p:cNvSpPr/>
           <p:nvPr/>
         </p:nvSpPr>
         <p:spPr>
           <a:xfrm>
             <a:off x="91440" y="3093840"/>
-            <a:ext cx="8956800" cy="716400"/>
+            <a:ext cx="8956440" cy="716040"/>
           </a:xfrm>
           <a:prstGeom prst="rect">
             <a:avLst/>
@@ -13849,14 +8697,14 @@
       </p:sp>
       <p:sp>
         <p:nvSpPr>
-          <p:cNvPr id="196" name="CustomShape 4"/>
+          <p:cNvPr id="57" name="CustomShape 4"/>
           <p:cNvSpPr/>
           <p:nvPr/>
         </p:nvSpPr>
         <p:spPr>
           <a:xfrm>
             <a:off x="74880" y="969840"/>
-            <a:ext cx="4659120" cy="421920"/>
+            <a:ext cx="4658760" cy="421560"/>
           </a:xfrm>
           <a:prstGeom prst="rect">
             <a:avLst/>
@@ -13880,14 +8728,14 @@
       </p:sp>
       <p:sp>
         <p:nvSpPr>
-          <p:cNvPr id="197" name="CustomShape 5"/>
+          <p:cNvPr id="58" name="CustomShape 5"/>
           <p:cNvSpPr/>
           <p:nvPr/>
         </p:nvSpPr>
         <p:spPr>
           <a:xfrm>
             <a:off x="38880" y="2589840"/>
-            <a:ext cx="4659120" cy="421920"/>
+            <a:ext cx="4658760" cy="421560"/>
           </a:xfrm>
           <a:prstGeom prst="rect">
             <a:avLst/>
@@ -13962,14 +8810,14 @@
       </p:grpSpPr>
       <p:sp>
         <p:nvSpPr>
-          <p:cNvPr id="198" name="CustomShape 1"/>
+          <p:cNvPr id="59" name="CustomShape 1"/>
           <p:cNvSpPr/>
           <p:nvPr/>
         </p:nvSpPr>
         <p:spPr>
           <a:xfrm>
             <a:off x="182880" y="213840"/>
-            <a:ext cx="4659120" cy="421920"/>
+            <a:ext cx="4658760" cy="421560"/>
           </a:xfrm>
           <a:prstGeom prst="rect">
             <a:avLst/>
@@ -13993,14 +8841,14 @@
       </p:sp>
       <p:sp>
         <p:nvSpPr>
-          <p:cNvPr id="199" name="CustomShape 2"/>
+          <p:cNvPr id="60" name="CustomShape 2"/>
           <p:cNvSpPr/>
           <p:nvPr/>
         </p:nvSpPr>
         <p:spPr>
           <a:xfrm>
             <a:off x="182880" y="1097280"/>
-            <a:ext cx="8682480" cy="2660760"/>
+            <a:ext cx="8682120" cy="2660400"/>
           </a:xfrm>
           <a:prstGeom prst="rect">
             <a:avLst/>
@@ -14348,896 +9196,4 @@
     </a:fmtScheme>
   </a:themeElements>
 </a:theme>
-</file>
-
-<file path=ppt/theme/theme2.xml><?xml version="1.0" encoding="utf-8"?>
-<a:theme xmlns:a="http://schemas.openxmlformats.org/drawingml/2006/main" name="Office Theme">
-  <a:themeElements>
-    <a:clrScheme name="Office">
-      <a:dk1>
-        <a:sysClr val="windowText" lastClr="000000"/>
-      </a:dk1>
-      <a:lt1>
-        <a:sysClr val="window" lastClr="FFFFFF"/>
-      </a:lt1>
-      <a:dk2>
-        <a:srgbClr val="1F497D"/>
-      </a:dk2>
-      <a:lt2>
-        <a:srgbClr val="EEECE1"/>
-      </a:lt2>
-      <a:accent1>
-        <a:srgbClr val="4F81BD"/>
-      </a:accent1>
-      <a:accent2>
-        <a:srgbClr val="C0504D"/>
-      </a:accent2>
-      <a:accent3>
-        <a:srgbClr val="9BBB59"/>
-      </a:accent3>
-      <a:accent4>
-        <a:srgbClr val="8064A2"/>
-      </a:accent4>
-      <a:accent5>
-        <a:srgbClr val="4BACC6"/>
-      </a:accent5>
-      <a:accent6>
-        <a:srgbClr val="F79646"/>
-      </a:accent6>
-      <a:hlink>
-        <a:srgbClr val="0000FF"/>
-      </a:hlink>
-      <a:folHlink>
-        <a:srgbClr val="800080"/>
-      </a:folHlink>
-    </a:clrScheme>
-    <a:fontScheme name="Office">
-      <a:majorFont>
-        <a:latin typeface="Arial"/>
-        <a:ea typeface="DejaVu Sans"/>
-        <a:cs typeface="DejaVu Sans"/>
-      </a:majorFont>
-      <a:minorFont>
-        <a:latin typeface="Arial"/>
-        <a:ea typeface="DejaVu Sans"/>
-        <a:cs typeface="DejaVu Sans"/>
-      </a:minorFont>
-    </a:fontScheme>
-    <a:fmtScheme name="Office">
-      <a:fillStyleLst>
-        <a:solidFill>
-          <a:schemeClr val="phClr"/>
-        </a:solidFill>
-        <a:gradFill rotWithShape="1">
-          <a:gsLst>
-            <a:gs pos="0">
-              <a:schemeClr val="phClr">
-                <a:tint val="50000"/>
-                <a:satMod val="300000"/>
-              </a:schemeClr>
-            </a:gs>
-            <a:gs pos="35000">
-              <a:schemeClr val="phClr">
-                <a:tint val="37000"/>
-                <a:satMod val="300000"/>
-              </a:schemeClr>
-            </a:gs>
-            <a:gs pos="100000">
-              <a:schemeClr val="phClr">
-                <a:tint val="15000"/>
-                <a:satMod val="350000"/>
-              </a:schemeClr>
-            </a:gs>
-          </a:gsLst>
-          <a:lin ang="16200000" scaled="1"/>
-        </a:gradFill>
-        <a:gradFill rotWithShape="1">
-          <a:gsLst>
-            <a:gs pos="0">
-              <a:schemeClr val="phClr">
-                <a:shade val="51000"/>
-                <a:satMod val="130000"/>
-              </a:schemeClr>
-            </a:gs>
-            <a:gs pos="80000">
-              <a:schemeClr val="phClr">
-                <a:shade val="93000"/>
-                <a:satMod val="130000"/>
-              </a:schemeClr>
-            </a:gs>
-            <a:gs pos="100000">
-              <a:schemeClr val="phClr">
-                <a:shade val="94000"/>
-                <a:satMod val="135000"/>
-              </a:schemeClr>
-            </a:gs>
-          </a:gsLst>
-          <a:lin ang="16200000" scaled="0"/>
-        </a:gradFill>
-      </a:fillStyleLst>
-      <a:lnStyleLst>
-        <a:ln w="9525" cap="flat" cmpd="sng" algn="ctr">
-          <a:solidFill>
-            <a:schemeClr val="phClr">
-              <a:shade val="95000"/>
-              <a:satMod val="105000"/>
-            </a:schemeClr>
-          </a:solidFill>
-          <a:prstDash val="solid"/>
-        </a:ln>
-        <a:ln w="25400" cap="flat" cmpd="sng" algn="ctr">
-          <a:solidFill>
-            <a:schemeClr val="phClr"/>
-          </a:solidFill>
-          <a:prstDash val="solid"/>
-        </a:ln>
-        <a:ln w="38100" cap="flat" cmpd="sng" algn="ctr">
-          <a:solidFill>
-            <a:schemeClr val="phClr"/>
-          </a:solidFill>
-          <a:prstDash val="solid"/>
-        </a:ln>
-      </a:lnStyleLst>
-      <a:effectStyleLst>
-        <a:effectStyle>
-          <a:effectLst>
-            <a:outerShdw blurRad="40000" dist="20000" dir="5400000" rotWithShape="0">
-              <a:srgbClr val="000000">
-                <a:alpha val="38000"/>
-              </a:srgbClr>
-            </a:outerShdw>
-          </a:effectLst>
-        </a:effectStyle>
-        <a:effectStyle>
-          <a:effectLst>
-            <a:outerShdw blurRad="40000" dist="23000" dir="5400000" rotWithShape="0">
-              <a:srgbClr val="000000">
-                <a:alpha val="35000"/>
-              </a:srgbClr>
-            </a:outerShdw>
-          </a:effectLst>
-        </a:effectStyle>
-        <a:effectStyle>
-          <a:effectLst>
-            <a:outerShdw blurRad="40000" dist="23000" dir="5400000" rotWithShape="0">
-              <a:srgbClr val="000000">
-                <a:alpha val="35000"/>
-              </a:srgbClr>
-            </a:outerShdw>
-          </a:effectLst>
-          <a:scene3d>
-            <a:camera prst="orthographicFront">
-              <a:rot lat="0" lon="0" rev="0"/>
-            </a:camera>
-            <a:lightRig rig="threePt" dir="t">
-              <a:rot lat="0" lon="0" rev="1200000"/>
-            </a:lightRig>
-          </a:scene3d>
-          <a:sp3d>
-            <a:bevelT w="63500" h="25400"/>
-          </a:sp3d>
-        </a:effectStyle>
-      </a:effectStyleLst>
-      <a:bgFillStyleLst>
-        <a:solidFill>
-          <a:schemeClr val="phClr"/>
-        </a:solidFill>
-        <a:gradFill rotWithShape="1">
-          <a:gsLst>
-            <a:gs pos="0">
-              <a:schemeClr val="phClr">
-                <a:tint val="40000"/>
-                <a:satMod val="350000"/>
-              </a:schemeClr>
-            </a:gs>
-            <a:gs pos="40000">
-              <a:schemeClr val="phClr">
-                <a:tint val="45000"/>
-                <a:shade val="99000"/>
-                <a:satMod val="350000"/>
-              </a:schemeClr>
-            </a:gs>
-            <a:gs pos="100000">
-              <a:schemeClr val="phClr">
-                <a:shade val="20000"/>
-                <a:satMod val="255000"/>
-              </a:schemeClr>
-            </a:gs>
-          </a:gsLst>
-          <a:path path="circle">
-            <a:fillToRect l="50000" t="-80000" r="50000" b="180000"/>
-          </a:path>
-        </a:gradFill>
-        <a:gradFill rotWithShape="1">
-          <a:gsLst>
-            <a:gs pos="0">
-              <a:schemeClr val="phClr">
-                <a:tint val="80000"/>
-                <a:satMod val="300000"/>
-              </a:schemeClr>
-            </a:gs>
-            <a:gs pos="100000">
-              <a:schemeClr val="phClr">
-                <a:shade val="30000"/>
-                <a:satMod val="200000"/>
-              </a:schemeClr>
-            </a:gs>
-          </a:gsLst>
-          <a:path path="circle">
-            <a:fillToRect l="50000" t="50000" r="50000" b="50000"/>
-          </a:path>
-        </a:gradFill>
-      </a:bgFillStyleLst>
-    </a:fmtScheme>
-  </a:themeElements>
-</a:theme>
-</file>
-
-<file path=ppt/theme/theme3.xml><?xml version="1.0" encoding="utf-8"?>
-<a:theme xmlns:a="http://schemas.openxmlformats.org/drawingml/2006/main" name="Office Theme">
-  <a:themeElements>
-    <a:clrScheme name="Office">
-      <a:dk1>
-        <a:sysClr val="windowText" lastClr="000000"/>
-      </a:dk1>
-      <a:lt1>
-        <a:sysClr val="window" lastClr="FFFFFF"/>
-      </a:lt1>
-      <a:dk2>
-        <a:srgbClr val="1F497D"/>
-      </a:dk2>
-      <a:lt2>
-        <a:srgbClr val="EEECE1"/>
-      </a:lt2>
-      <a:accent1>
-        <a:srgbClr val="4F81BD"/>
-      </a:accent1>
-      <a:accent2>
-        <a:srgbClr val="C0504D"/>
-      </a:accent2>
-      <a:accent3>
-        <a:srgbClr val="9BBB59"/>
-      </a:accent3>
-      <a:accent4>
-        <a:srgbClr val="8064A2"/>
-      </a:accent4>
-      <a:accent5>
-        <a:srgbClr val="4BACC6"/>
-      </a:accent5>
-      <a:accent6>
-        <a:srgbClr val="F79646"/>
-      </a:accent6>
-      <a:hlink>
-        <a:srgbClr val="0000FF"/>
-      </a:hlink>
-      <a:folHlink>
-        <a:srgbClr val="800080"/>
-      </a:folHlink>
-    </a:clrScheme>
-    <a:fontScheme name="Office">
-      <a:majorFont>
-        <a:latin typeface="Arial"/>
-        <a:ea typeface="DejaVu Sans"/>
-        <a:cs typeface="DejaVu Sans"/>
-      </a:majorFont>
-      <a:minorFont>
-        <a:latin typeface="Arial"/>
-        <a:ea typeface="DejaVu Sans"/>
-        <a:cs typeface="DejaVu Sans"/>
-      </a:minorFont>
-    </a:fontScheme>
-    <a:fmtScheme name="Office">
-      <a:fillStyleLst>
-        <a:solidFill>
-          <a:schemeClr val="phClr"/>
-        </a:solidFill>
-        <a:gradFill rotWithShape="1">
-          <a:gsLst>
-            <a:gs pos="0">
-              <a:schemeClr val="phClr">
-                <a:tint val="50000"/>
-                <a:satMod val="300000"/>
-              </a:schemeClr>
-            </a:gs>
-            <a:gs pos="35000">
-              <a:schemeClr val="phClr">
-                <a:tint val="37000"/>
-                <a:satMod val="300000"/>
-              </a:schemeClr>
-            </a:gs>
-            <a:gs pos="100000">
-              <a:schemeClr val="phClr">
-                <a:tint val="15000"/>
-                <a:satMod val="350000"/>
-              </a:schemeClr>
-            </a:gs>
-          </a:gsLst>
-          <a:lin ang="16200000" scaled="1"/>
-        </a:gradFill>
-        <a:gradFill rotWithShape="1">
-          <a:gsLst>
-            <a:gs pos="0">
-              <a:schemeClr val="phClr">
-                <a:shade val="51000"/>
-                <a:satMod val="130000"/>
-              </a:schemeClr>
-            </a:gs>
-            <a:gs pos="80000">
-              <a:schemeClr val="phClr">
-                <a:shade val="93000"/>
-                <a:satMod val="130000"/>
-              </a:schemeClr>
-            </a:gs>
-            <a:gs pos="100000">
-              <a:schemeClr val="phClr">
-                <a:shade val="94000"/>
-                <a:satMod val="135000"/>
-              </a:schemeClr>
-            </a:gs>
-          </a:gsLst>
-          <a:lin ang="16200000" scaled="0"/>
-        </a:gradFill>
-      </a:fillStyleLst>
-      <a:lnStyleLst>
-        <a:ln w="9525" cap="flat" cmpd="sng" algn="ctr">
-          <a:solidFill>
-            <a:schemeClr val="phClr">
-              <a:shade val="95000"/>
-              <a:satMod val="105000"/>
-            </a:schemeClr>
-          </a:solidFill>
-          <a:prstDash val="solid"/>
-        </a:ln>
-        <a:ln w="25400" cap="flat" cmpd="sng" algn="ctr">
-          <a:solidFill>
-            <a:schemeClr val="phClr"/>
-          </a:solidFill>
-          <a:prstDash val="solid"/>
-        </a:ln>
-        <a:ln w="38100" cap="flat" cmpd="sng" algn="ctr">
-          <a:solidFill>
-            <a:schemeClr val="phClr"/>
-          </a:solidFill>
-          <a:prstDash val="solid"/>
-        </a:ln>
-      </a:lnStyleLst>
-      <a:effectStyleLst>
-        <a:effectStyle>
-          <a:effectLst>
-            <a:outerShdw blurRad="40000" dist="20000" dir="5400000" rotWithShape="0">
-              <a:srgbClr val="000000">
-                <a:alpha val="38000"/>
-              </a:srgbClr>
-            </a:outerShdw>
-          </a:effectLst>
-        </a:effectStyle>
-        <a:effectStyle>
-          <a:effectLst>
-            <a:outerShdw blurRad="40000" dist="23000" dir="5400000" rotWithShape="0">
-              <a:srgbClr val="000000">
-                <a:alpha val="35000"/>
-              </a:srgbClr>
-            </a:outerShdw>
-          </a:effectLst>
-        </a:effectStyle>
-        <a:effectStyle>
-          <a:effectLst>
-            <a:outerShdw blurRad="40000" dist="23000" dir="5400000" rotWithShape="0">
-              <a:srgbClr val="000000">
-                <a:alpha val="35000"/>
-              </a:srgbClr>
-            </a:outerShdw>
-          </a:effectLst>
-          <a:scene3d>
-            <a:camera prst="orthographicFront">
-              <a:rot lat="0" lon="0" rev="0"/>
-            </a:camera>
-            <a:lightRig rig="threePt" dir="t">
-              <a:rot lat="0" lon="0" rev="1200000"/>
-            </a:lightRig>
-          </a:scene3d>
-          <a:sp3d>
-            <a:bevelT w="63500" h="25400"/>
-          </a:sp3d>
-        </a:effectStyle>
-      </a:effectStyleLst>
-      <a:bgFillStyleLst>
-        <a:solidFill>
-          <a:schemeClr val="phClr"/>
-        </a:solidFill>
-        <a:gradFill rotWithShape="1">
-          <a:gsLst>
-            <a:gs pos="0">
-              <a:schemeClr val="phClr">
-                <a:tint val="40000"/>
-                <a:satMod val="350000"/>
-              </a:schemeClr>
-            </a:gs>
-            <a:gs pos="40000">
-              <a:schemeClr val="phClr">
-                <a:tint val="45000"/>
-                <a:shade val="99000"/>
-                <a:satMod val="350000"/>
-              </a:schemeClr>
-            </a:gs>
-            <a:gs pos="100000">
-              <a:schemeClr val="phClr">
-                <a:shade val="20000"/>
-                <a:satMod val="255000"/>
-              </a:schemeClr>
-            </a:gs>
-          </a:gsLst>
-          <a:path path="circle">
-            <a:fillToRect l="50000" t="-80000" r="50000" b="180000"/>
-          </a:path>
-        </a:gradFill>
-        <a:gradFill rotWithShape="1">
-          <a:gsLst>
-            <a:gs pos="0">
-              <a:schemeClr val="phClr">
-                <a:tint val="80000"/>
-                <a:satMod val="300000"/>
-              </a:schemeClr>
-            </a:gs>
-            <a:gs pos="100000">
-              <a:schemeClr val="phClr">
-                <a:shade val="30000"/>
-                <a:satMod val="200000"/>
-              </a:schemeClr>
-            </a:gs>
-          </a:gsLst>
-          <a:path path="circle">
-            <a:fillToRect l="50000" t="50000" r="50000" b="50000"/>
-          </a:path>
-        </a:gradFill>
-      </a:bgFillStyleLst>
-    </a:fmtScheme>
-  </a:themeElements>
-</a:theme>
-</file>
-
-<file path=ppt/theme/theme4.xml><?xml version="1.0" encoding="utf-8"?>
-<a:theme xmlns:a="http://schemas.openxmlformats.org/drawingml/2006/main" name="Office Theme">
-  <a:themeElements>
-    <a:clrScheme name="Office">
-      <a:dk1>
-        <a:sysClr val="windowText" lastClr="000000"/>
-      </a:dk1>
-      <a:lt1>
-        <a:sysClr val="window" lastClr="FFFFFF"/>
-      </a:lt1>
-      <a:dk2>
-        <a:srgbClr val="1F497D"/>
-      </a:dk2>
-      <a:lt2>
-        <a:srgbClr val="EEECE1"/>
-      </a:lt2>
-      <a:accent1>
-        <a:srgbClr val="4F81BD"/>
-      </a:accent1>
-      <a:accent2>
-        <a:srgbClr val="C0504D"/>
-      </a:accent2>
-      <a:accent3>
-        <a:srgbClr val="9BBB59"/>
-      </a:accent3>
-      <a:accent4>
-        <a:srgbClr val="8064A2"/>
-      </a:accent4>
-      <a:accent5>
-        <a:srgbClr val="4BACC6"/>
-      </a:accent5>
-      <a:accent6>
-        <a:srgbClr val="F79646"/>
-      </a:accent6>
-      <a:hlink>
-        <a:srgbClr val="0000FF"/>
-      </a:hlink>
-      <a:folHlink>
-        <a:srgbClr val="800080"/>
-      </a:folHlink>
-    </a:clrScheme>
-    <a:fontScheme name="Office">
-      <a:majorFont>
-        <a:latin typeface="Arial"/>
-        <a:ea typeface="DejaVu Sans"/>
-        <a:cs typeface="DejaVu Sans"/>
-      </a:majorFont>
-      <a:minorFont>
-        <a:latin typeface="Arial"/>
-        <a:ea typeface="DejaVu Sans"/>
-        <a:cs typeface="DejaVu Sans"/>
-      </a:minorFont>
-    </a:fontScheme>
-    <a:fmtScheme name="Office">
-      <a:fillStyleLst>
-        <a:solidFill>
-          <a:schemeClr val="phClr"/>
-        </a:solidFill>
-        <a:gradFill rotWithShape="1">
-          <a:gsLst>
-            <a:gs pos="0">
-              <a:schemeClr val="phClr">
-                <a:tint val="50000"/>
-                <a:satMod val="300000"/>
-              </a:schemeClr>
-            </a:gs>
-            <a:gs pos="35000">
-              <a:schemeClr val="phClr">
-                <a:tint val="37000"/>
-                <a:satMod val="300000"/>
-              </a:schemeClr>
-            </a:gs>
-            <a:gs pos="100000">
-              <a:schemeClr val="phClr">
-                <a:tint val="15000"/>
-                <a:satMod val="350000"/>
-              </a:schemeClr>
-            </a:gs>
-          </a:gsLst>
-          <a:lin ang="16200000" scaled="1"/>
-        </a:gradFill>
-        <a:gradFill rotWithShape="1">
-          <a:gsLst>
-            <a:gs pos="0">
-              <a:schemeClr val="phClr">
-                <a:shade val="51000"/>
-                <a:satMod val="130000"/>
-              </a:schemeClr>
-            </a:gs>
-            <a:gs pos="80000">
-              <a:schemeClr val="phClr">
-                <a:shade val="93000"/>
-                <a:satMod val="130000"/>
-              </a:schemeClr>
-            </a:gs>
-            <a:gs pos="100000">
-              <a:schemeClr val="phClr">
-                <a:shade val="94000"/>
-                <a:satMod val="135000"/>
-              </a:schemeClr>
-            </a:gs>
-          </a:gsLst>
-          <a:lin ang="16200000" scaled="0"/>
-        </a:gradFill>
-      </a:fillStyleLst>
-      <a:lnStyleLst>
-        <a:ln w="9525" cap="flat" cmpd="sng" algn="ctr">
-          <a:solidFill>
-            <a:schemeClr val="phClr">
-              <a:shade val="95000"/>
-              <a:satMod val="105000"/>
-            </a:schemeClr>
-          </a:solidFill>
-          <a:prstDash val="solid"/>
-        </a:ln>
-        <a:ln w="25400" cap="flat" cmpd="sng" algn="ctr">
-          <a:solidFill>
-            <a:schemeClr val="phClr"/>
-          </a:solidFill>
-          <a:prstDash val="solid"/>
-        </a:ln>
-        <a:ln w="38100" cap="flat" cmpd="sng" algn="ctr">
-          <a:solidFill>
-            <a:schemeClr val="phClr"/>
-          </a:solidFill>
-          <a:prstDash val="solid"/>
-        </a:ln>
-      </a:lnStyleLst>
-      <a:effectStyleLst>
-        <a:effectStyle>
-          <a:effectLst>
-            <a:outerShdw blurRad="40000" dist="20000" dir="5400000" rotWithShape="0">
-              <a:srgbClr val="000000">
-                <a:alpha val="38000"/>
-              </a:srgbClr>
-            </a:outerShdw>
-          </a:effectLst>
-        </a:effectStyle>
-        <a:effectStyle>
-          <a:effectLst>
-            <a:outerShdw blurRad="40000" dist="23000" dir="5400000" rotWithShape="0">
-              <a:srgbClr val="000000">
-                <a:alpha val="35000"/>
-              </a:srgbClr>
-            </a:outerShdw>
-          </a:effectLst>
-        </a:effectStyle>
-        <a:effectStyle>
-          <a:effectLst>
-            <a:outerShdw blurRad="40000" dist="23000" dir="5400000" rotWithShape="0">
-              <a:srgbClr val="000000">
-                <a:alpha val="35000"/>
-              </a:srgbClr>
-            </a:outerShdw>
-          </a:effectLst>
-          <a:scene3d>
-            <a:camera prst="orthographicFront">
-              <a:rot lat="0" lon="0" rev="0"/>
-            </a:camera>
-            <a:lightRig rig="threePt" dir="t">
-              <a:rot lat="0" lon="0" rev="1200000"/>
-            </a:lightRig>
-          </a:scene3d>
-          <a:sp3d>
-            <a:bevelT w="63500" h="25400"/>
-          </a:sp3d>
-        </a:effectStyle>
-      </a:effectStyleLst>
-      <a:bgFillStyleLst>
-        <a:solidFill>
-          <a:schemeClr val="phClr"/>
-        </a:solidFill>
-        <a:gradFill rotWithShape="1">
-          <a:gsLst>
-            <a:gs pos="0">
-              <a:schemeClr val="phClr">
-                <a:tint val="40000"/>
-                <a:satMod val="350000"/>
-              </a:schemeClr>
-            </a:gs>
-            <a:gs pos="40000">
-              <a:schemeClr val="phClr">
-                <a:tint val="45000"/>
-                <a:shade val="99000"/>
-                <a:satMod val="350000"/>
-              </a:schemeClr>
-            </a:gs>
-            <a:gs pos="100000">
-              <a:schemeClr val="phClr">
-                <a:shade val="20000"/>
-                <a:satMod val="255000"/>
-              </a:schemeClr>
-            </a:gs>
-          </a:gsLst>
-          <a:path path="circle">
-            <a:fillToRect l="50000" t="-80000" r="50000" b="180000"/>
-          </a:path>
-        </a:gradFill>
-        <a:gradFill rotWithShape="1">
-          <a:gsLst>
-            <a:gs pos="0">
-              <a:schemeClr val="phClr">
-                <a:tint val="80000"/>
-                <a:satMod val="300000"/>
-              </a:schemeClr>
-            </a:gs>
-            <a:gs pos="100000">
-              <a:schemeClr val="phClr">
-                <a:shade val="30000"/>
-                <a:satMod val="200000"/>
-              </a:schemeClr>
-            </a:gs>
-          </a:gsLst>
-          <a:path path="circle">
-            <a:fillToRect l="50000" t="50000" r="50000" b="50000"/>
-          </a:path>
-        </a:gradFill>
-      </a:bgFillStyleLst>
-    </a:fmtScheme>
-  </a:themeElements>
-</a:theme>
-</file>
-
-<file path=ppt/theme/theme5.xml><?xml version="1.0" encoding="utf-8"?>
-<a:theme xmlns:a="http://schemas.openxmlformats.org/drawingml/2006/main" name="Office Theme">
-  <a:themeElements>
-    <a:clrScheme name="Office">
-      <a:dk1>
-        <a:sysClr val="windowText" lastClr="000000"/>
-      </a:dk1>
-      <a:lt1>
-        <a:sysClr val="window" lastClr="FFFFFF"/>
-      </a:lt1>
-      <a:dk2>
-        <a:srgbClr val="1F497D"/>
-      </a:dk2>
-      <a:lt2>
-        <a:srgbClr val="EEECE1"/>
-      </a:lt2>
-      <a:accent1>
-        <a:srgbClr val="4F81BD"/>
-      </a:accent1>
-      <a:accent2>
-        <a:srgbClr val="C0504D"/>
-      </a:accent2>
-      <a:accent3>
-        <a:srgbClr val="9BBB59"/>
-      </a:accent3>
-      <a:accent4>
-        <a:srgbClr val="8064A2"/>
-      </a:accent4>
-      <a:accent5>
-        <a:srgbClr val="4BACC6"/>
-      </a:accent5>
-      <a:accent6>
-        <a:srgbClr val="F79646"/>
-      </a:accent6>
-      <a:hlink>
-        <a:srgbClr val="0000FF"/>
-      </a:hlink>
-      <a:folHlink>
-        <a:srgbClr val="800080"/>
-      </a:folHlink>
-    </a:clrScheme>
-    <a:fontScheme name="Office">
-      <a:majorFont>
-        <a:latin typeface="Arial"/>
-        <a:ea typeface="DejaVu Sans"/>
-        <a:cs typeface="DejaVu Sans"/>
-      </a:majorFont>
-      <a:minorFont>
-        <a:latin typeface="Arial"/>
-        <a:ea typeface="DejaVu Sans"/>
-        <a:cs typeface="DejaVu Sans"/>
-      </a:minorFont>
-    </a:fontScheme>
-    <a:fmtScheme name="Office">
-      <a:fillStyleLst>
-        <a:solidFill>
-          <a:schemeClr val="phClr"/>
-        </a:solidFill>
-        <a:gradFill rotWithShape="1">
-          <a:gsLst>
-            <a:gs pos="0">
-              <a:schemeClr val="phClr">
-                <a:tint val="50000"/>
-                <a:satMod val="300000"/>
-              </a:schemeClr>
-            </a:gs>
-            <a:gs pos="35000">
-              <a:schemeClr val="phClr">
-                <a:tint val="37000"/>
-                <a:satMod val="300000"/>
-              </a:schemeClr>
-            </a:gs>
-            <a:gs pos="100000">
-              <a:schemeClr val="phClr">
-                <a:tint val="15000"/>
-                <a:satMod val="350000"/>
-              </a:schemeClr>
-            </a:gs>
-          </a:gsLst>
-          <a:lin ang="16200000" scaled="1"/>
-        </a:gradFill>
-        <a:gradFill rotWithShape="1">
-          <a:gsLst>
-            <a:gs pos="0">
-              <a:schemeClr val="phClr">
-                <a:shade val="51000"/>
-                <a:satMod val="130000"/>
-              </a:schemeClr>
-            </a:gs>
-            <a:gs pos="80000">
-              <a:schemeClr val="phClr">
-                <a:shade val="93000"/>
-                <a:satMod val="130000"/>
-              </a:schemeClr>
-            </a:gs>
-            <a:gs pos="100000">
-              <a:schemeClr val="phClr">
-                <a:shade val="94000"/>
-                <a:satMod val="135000"/>
-              </a:schemeClr>
-            </a:gs>
-          </a:gsLst>
-          <a:lin ang="16200000" scaled="0"/>
-        </a:gradFill>
-      </a:fillStyleLst>
-      <a:lnStyleLst>
-        <a:ln w="9525" cap="flat" cmpd="sng" algn="ctr">
-          <a:solidFill>
-            <a:schemeClr val="phClr">
-              <a:shade val="95000"/>
-              <a:satMod val="105000"/>
-            </a:schemeClr>
-          </a:solidFill>
-          <a:prstDash val="solid"/>
-        </a:ln>
-        <a:ln w="25400" cap="flat" cmpd="sng" algn="ctr">
-          <a:solidFill>
-            <a:schemeClr val="phClr"/>
-          </a:solidFill>
-          <a:prstDash val="solid"/>
-        </a:ln>
-        <a:ln w="38100" cap="flat" cmpd="sng" algn="ctr">
-          <a:solidFill>
-            <a:schemeClr val="phClr"/>
-          </a:solidFill>
-          <a:prstDash val="solid"/>
-        </a:ln>
-      </a:lnStyleLst>
-      <a:effectStyleLst>
-        <a:effectStyle>
-          <a:effectLst>
-            <a:outerShdw blurRad="40000" dist="20000" dir="5400000" rotWithShape="0">
-              <a:srgbClr val="000000">
-                <a:alpha val="38000"/>
-              </a:srgbClr>
-            </a:outerShdw>
-          </a:effectLst>
-        </a:effectStyle>
-        <a:effectStyle>
-          <a:effectLst>
-            <a:outerShdw blurRad="40000" dist="23000" dir="5400000" rotWithShape="0">
-              <a:srgbClr val="000000">
-                <a:alpha val="35000"/>
-              </a:srgbClr>
-            </a:outerShdw>
-          </a:effectLst>
-        </a:effectStyle>
-        <a:effectStyle>
-          <a:effectLst>
-            <a:outerShdw blurRad="40000" dist="23000" dir="5400000" rotWithShape="0">
-              <a:srgbClr val="000000">
-                <a:alpha val="35000"/>
-              </a:srgbClr>
-            </a:outerShdw>
-          </a:effectLst>
-          <a:scene3d>
-            <a:camera prst="orthographicFront">
-              <a:rot lat="0" lon="0" rev="0"/>
-            </a:camera>
-            <a:lightRig rig="threePt" dir="t">
-              <a:rot lat="0" lon="0" rev="1200000"/>
-            </a:lightRig>
-          </a:scene3d>
-          <a:sp3d>
-            <a:bevelT w="63500" h="25400"/>
-          </a:sp3d>
-        </a:effectStyle>
-      </a:effectStyleLst>
-      <a:bgFillStyleLst>
-        <a:solidFill>
-          <a:schemeClr val="phClr"/>
-        </a:solidFill>
-        <a:gradFill rotWithShape="1">
-          <a:gsLst>
-            <a:gs pos="0">
-              <a:schemeClr val="phClr">
-                <a:tint val="40000"/>
-                <a:satMod val="350000"/>
-              </a:schemeClr>
-            </a:gs>
-            <a:gs pos="40000">
-              <a:schemeClr val="phClr">
-                <a:tint val="45000"/>
-                <a:shade val="99000"/>
-                <a:satMod val="350000"/>
-              </a:schemeClr>
-            </a:gs>
-            <a:gs pos="100000">
-              <a:schemeClr val="phClr">
-                <a:shade val="20000"/>
-                <a:satMod val="255000"/>
-              </a:schemeClr>
-            </a:gs>
-          </a:gsLst>
-          <a:path path="circle">
-            <a:fillToRect l="50000" t="-80000" r="50000" b="180000"/>
-          </a:path>
-        </a:gradFill>
-        <a:gradFill rotWithShape="1">
-          <a:gsLst>
-            <a:gs pos="0">
-              <a:schemeClr val="phClr">
-                <a:tint val="80000"/>
-                <a:satMod val="300000"/>
-              </a:schemeClr>
-            </a:gs>
-            <a:gs pos="100000">
-              <a:schemeClr val="phClr">
-                <a:shade val="30000"/>
-                <a:satMod val="200000"/>
-              </a:schemeClr>
-            </a:gs>
-          </a:gsLst>
-          <a:path path="circle">
-            <a:fillToRect l="50000" t="50000" r="50000" b="50000"/>
-          </a:path>
-        </a:gradFill>
-      </a:bgFillStyleLst>
-    </a:fmtScheme>
-  </a:themeElements>
-</a:theme>
 </file>